--- a/CS254 Algo Project.pptx
+++ b/CS254 Algo Project.pptx
@@ -27,16 +27,31 @@
     <p:sldId id="272" r:id="rId22"/>
     <p:sldId id="273" r:id="rId23"/>
     <p:sldId id="274" r:id="rId24"/>
+    <p:sldId id="275" r:id="rId25"/>
+    <p:sldId id="276" r:id="rId26"/>
+    <p:sldId id="277" r:id="rId27"/>
+    <p:sldId id="278" r:id="rId28"/>
+    <p:sldId id="279" r:id="rId29"/>
+    <p:sldId id="280" r:id="rId30"/>
+    <p:sldId id="281" r:id="rId31"/>
+    <p:sldId id="282" r:id="rId32"/>
+    <p:sldId id="283" r:id="rId33"/>
+    <p:sldId id="284" r:id="rId34"/>
+    <p:sldId id="285" r:id="rId35"/>
+    <p:sldId id="286" r:id="rId36"/>
+    <p:sldId id="287" r:id="rId37"/>
+    <p:sldId id="288" r:id="rId38"/>
+    <p:sldId id="289" r:id="rId39"/>
   </p:sldIdLst>
   <p:sldSz cy="5143500" cx="9144000"/>
   <p:notesSz cx="6858000" cy="9144000"/>
   <p:embeddedFontLst>
     <p:embeddedFont>
       <p:font typeface="Roboto"/>
-      <p:regular r:id="rId25"/>
-      <p:bold r:id="rId26"/>
-      <p:italic r:id="rId27"/>
-      <p:boldItalic r:id="rId28"/>
+      <p:regular r:id="rId40"/>
+      <p:bold r:id="rId41"/>
+      <p:italic r:id="rId42"/>
+      <p:boldItalic r:id="rId43"/>
     </p:embeddedFont>
   </p:embeddedFontLst>
   <p:defaultTextStyle>
@@ -815,7 +830,7 @@
   <p:cSld>
     <p:spTree>
       <p:nvGrpSpPr>
-        <p:cNvPr id="151" name="Shape 151"/>
+        <p:cNvPr id="148" name="Shape 148"/>
         <p:cNvGrpSpPr/>
         <p:nvPr/>
       </p:nvGrpSpPr>
@@ -829,7 +844,7 @@
       </p:grpSpPr>
       <p:sp>
         <p:nvSpPr>
-          <p:cNvPr id="152" name="Google Shape;152;g57f9366b05_0_79:notes"/>
+          <p:cNvPr id="149" name="Google Shape;149;g5110320caa_0_147:notes"/>
           <p:cNvSpPr/>
           <p:nvPr>
             <p:ph idx="2" type="sldImg"/>
@@ -837,8 +852,8 @@
         </p:nvSpPr>
         <p:spPr>
           <a:xfrm>
-            <a:off x="381188" y="685800"/>
-            <a:ext cx="6096300" cy="3429000"/>
+            <a:off x="381300" y="685800"/>
+            <a:ext cx="6096000" cy="3429000"/>
           </a:xfrm>
           <a:custGeom>
             <a:rect b="b" l="l" r="r" t="t"/>
@@ -864,7 +879,7 @@
       </p:sp>
       <p:sp>
         <p:nvSpPr>
-          <p:cNvPr id="153" name="Google Shape;153;g57f9366b05_0_79:notes"/>
+          <p:cNvPr id="150" name="Google Shape;150;g5110320caa_0_147:notes"/>
           <p:cNvSpPr txBox="1"/>
           <p:nvPr>
             <p:ph idx="1" type="body"/>
@@ -914,7 +929,7 @@
   <p:cSld>
     <p:spTree>
       <p:nvGrpSpPr>
-        <p:cNvPr id="156" name="Shape 156"/>
+        <p:cNvPr id="153" name="Shape 153"/>
         <p:cNvGrpSpPr/>
         <p:nvPr/>
       </p:nvGrpSpPr>
@@ -928,7 +943,7 @@
       </p:grpSpPr>
       <p:sp>
         <p:nvSpPr>
-          <p:cNvPr id="157" name="Google Shape;157;g57f9366b05_0_83:notes"/>
+          <p:cNvPr id="154" name="Google Shape;154;g5110320caa_0_151:notes"/>
           <p:cNvSpPr/>
           <p:nvPr>
             <p:ph idx="2" type="sldImg"/>
@@ -936,8 +951,8 @@
         </p:nvSpPr>
         <p:spPr>
           <a:xfrm>
-            <a:off x="381188" y="685800"/>
-            <a:ext cx="6096300" cy="3429000"/>
+            <a:off x="381300" y="685800"/>
+            <a:ext cx="6096000" cy="3429000"/>
           </a:xfrm>
           <a:custGeom>
             <a:rect b="b" l="l" r="r" t="t"/>
@@ -963,7 +978,7 @@
       </p:sp>
       <p:sp>
         <p:nvSpPr>
-          <p:cNvPr id="158" name="Google Shape;158;g57f9366b05_0_83:notes"/>
+          <p:cNvPr id="155" name="Google Shape;155;g5110320caa_0_151:notes"/>
           <p:cNvSpPr txBox="1"/>
           <p:nvPr>
             <p:ph idx="1" type="body"/>
@@ -1013,7 +1028,7 @@
   <p:cSld>
     <p:spTree>
       <p:nvGrpSpPr>
-        <p:cNvPr id="163" name="Shape 163"/>
+        <p:cNvPr id="158" name="Shape 158"/>
         <p:cNvGrpSpPr/>
         <p:nvPr/>
       </p:nvGrpSpPr>
@@ -1027,7 +1042,7 @@
       </p:grpSpPr>
       <p:sp>
         <p:nvSpPr>
-          <p:cNvPr id="164" name="Google Shape;164;g57f9366b05_0_89:notes"/>
+          <p:cNvPr id="159" name="Google Shape;159;g5110320caa_0_155:notes"/>
           <p:cNvSpPr/>
           <p:nvPr>
             <p:ph idx="2" type="sldImg"/>
@@ -1062,7 +1077,7 @@
       </p:sp>
       <p:sp>
         <p:nvSpPr>
-          <p:cNvPr id="165" name="Google Shape;165;g57f9366b05_0_89:notes"/>
+          <p:cNvPr id="160" name="Google Shape;160;g5110320caa_0_155:notes"/>
           <p:cNvSpPr txBox="1"/>
           <p:nvPr>
             <p:ph idx="1" type="body"/>
@@ -1112,7 +1127,7 @@
   <p:cSld>
     <p:spTree>
       <p:nvGrpSpPr>
-        <p:cNvPr id="171" name="Shape 171"/>
+        <p:cNvPr id="163" name="Shape 163"/>
         <p:cNvGrpSpPr/>
         <p:nvPr/>
       </p:nvGrpSpPr>
@@ -1126,7 +1141,7 @@
       </p:grpSpPr>
       <p:sp>
         <p:nvSpPr>
-          <p:cNvPr id="172" name="Google Shape;172;g57f9366b05_0_96:notes"/>
+          <p:cNvPr id="164" name="Google Shape;164;g5110320caa_0_159:notes"/>
           <p:cNvSpPr/>
           <p:nvPr>
             <p:ph idx="2" type="sldImg"/>
@@ -1134,8 +1149,8 @@
         </p:nvSpPr>
         <p:spPr>
           <a:xfrm>
-            <a:off x="381188" y="685800"/>
-            <a:ext cx="6096300" cy="3429000"/>
+            <a:off x="381300" y="685800"/>
+            <a:ext cx="6096000" cy="3429000"/>
           </a:xfrm>
           <a:custGeom>
             <a:rect b="b" l="l" r="r" t="t"/>
@@ -1161,7 +1176,7 @@
       </p:sp>
       <p:sp>
         <p:nvSpPr>
-          <p:cNvPr id="173" name="Google Shape;173;g57f9366b05_0_96:notes"/>
+          <p:cNvPr id="165" name="Google Shape;165;g5110320caa_0_159:notes"/>
           <p:cNvSpPr txBox="1"/>
           <p:nvPr>
             <p:ph idx="1" type="body"/>
@@ -1211,7 +1226,7 @@
   <p:cSld>
     <p:spTree>
       <p:nvGrpSpPr>
-        <p:cNvPr id="177" name="Shape 177"/>
+        <p:cNvPr id="168" name="Shape 168"/>
         <p:cNvGrpSpPr/>
         <p:nvPr/>
       </p:nvGrpSpPr>
@@ -1225,7 +1240,7 @@
       </p:grpSpPr>
       <p:sp>
         <p:nvSpPr>
-          <p:cNvPr id="178" name="Google Shape;178;g57f9366b05_0_104:notes"/>
+          <p:cNvPr id="169" name="Google Shape;169;g5110320caa_0_163:notes"/>
           <p:cNvSpPr/>
           <p:nvPr>
             <p:ph idx="2" type="sldImg"/>
@@ -1233,8 +1248,8 @@
         </p:nvSpPr>
         <p:spPr>
           <a:xfrm>
-            <a:off x="381188" y="685800"/>
-            <a:ext cx="6096300" cy="3429000"/>
+            <a:off x="381300" y="685800"/>
+            <a:ext cx="6096000" cy="3429000"/>
           </a:xfrm>
           <a:custGeom>
             <a:rect b="b" l="l" r="r" t="t"/>
@@ -1260,7 +1275,7 @@
       </p:sp>
       <p:sp>
         <p:nvSpPr>
-          <p:cNvPr id="179" name="Google Shape;179;g57f9366b05_0_104:notes"/>
+          <p:cNvPr id="170" name="Google Shape;170;g5110320caa_0_163:notes"/>
           <p:cNvSpPr txBox="1"/>
           <p:nvPr>
             <p:ph idx="1" type="body"/>
@@ -1310,7 +1325,7 @@
   <p:cSld>
     <p:spTree>
       <p:nvGrpSpPr>
-        <p:cNvPr id="182" name="Shape 182"/>
+        <p:cNvPr id="173" name="Shape 173"/>
         <p:cNvGrpSpPr/>
         <p:nvPr/>
       </p:nvGrpSpPr>
@@ -1324,7 +1339,7 @@
       </p:grpSpPr>
       <p:sp>
         <p:nvSpPr>
-          <p:cNvPr id="183" name="Google Shape;183;g57f9366b05_0_108:notes"/>
+          <p:cNvPr id="174" name="Google Shape;174;g5110320caa_0_167:notes"/>
           <p:cNvSpPr/>
           <p:nvPr>
             <p:ph idx="2" type="sldImg"/>
@@ -1359,7 +1374,7 @@
       </p:sp>
       <p:sp>
         <p:nvSpPr>
-          <p:cNvPr id="184" name="Google Shape;184;g57f9366b05_0_108:notes"/>
+          <p:cNvPr id="175" name="Google Shape;175;g5110320caa_0_167:notes"/>
           <p:cNvSpPr txBox="1"/>
           <p:nvPr>
             <p:ph idx="1" type="body"/>
@@ -1409,7 +1424,7 @@
   <p:cSld>
     <p:spTree>
       <p:nvGrpSpPr>
-        <p:cNvPr id="188" name="Shape 188"/>
+        <p:cNvPr id="179" name="Shape 179"/>
         <p:cNvGrpSpPr/>
         <p:nvPr/>
       </p:nvGrpSpPr>
@@ -1423,7 +1438,7 @@
       </p:grpSpPr>
       <p:sp>
         <p:nvSpPr>
-          <p:cNvPr id="189" name="Google Shape;189;g57f9366b05_0_130:notes"/>
+          <p:cNvPr id="180" name="Google Shape;180;g57f9366b05_0_47:notes"/>
           <p:cNvSpPr/>
           <p:nvPr>
             <p:ph idx="2" type="sldImg"/>
@@ -1431,8 +1446,8 @@
         </p:nvSpPr>
         <p:spPr>
           <a:xfrm>
-            <a:off x="381300" y="685800"/>
-            <a:ext cx="6096000" cy="3429000"/>
+            <a:off x="381188" y="685800"/>
+            <a:ext cx="6096300" cy="3429000"/>
           </a:xfrm>
           <a:custGeom>
             <a:rect b="b" l="l" r="r" t="t"/>
@@ -1458,7 +1473,7 @@
       </p:sp>
       <p:sp>
         <p:nvSpPr>
-          <p:cNvPr id="190" name="Google Shape;190;g57f9366b05_0_130:notes"/>
+          <p:cNvPr id="181" name="Google Shape;181;g57f9366b05_0_47:notes"/>
           <p:cNvSpPr txBox="1"/>
           <p:nvPr>
             <p:ph idx="1" type="body"/>
@@ -1508,7 +1523,7 @@
   <p:cSld>
     <p:spTree>
       <p:nvGrpSpPr>
-        <p:cNvPr id="194" name="Shape 194"/>
+        <p:cNvPr id="184" name="Shape 184"/>
         <p:cNvGrpSpPr/>
         <p:nvPr/>
       </p:nvGrpSpPr>
@@ -1522,7 +1537,7 @@
       </p:grpSpPr>
       <p:sp>
         <p:nvSpPr>
-          <p:cNvPr id="195" name="Google Shape;195;g57f9366b05_0_114:notes"/>
+          <p:cNvPr id="185" name="Google Shape;185;g57f9366b05_0_51:notes"/>
           <p:cNvSpPr/>
           <p:nvPr>
             <p:ph idx="2" type="sldImg"/>
@@ -1530,8 +1545,8 @@
         </p:nvSpPr>
         <p:spPr>
           <a:xfrm>
-            <a:off x="381300" y="685800"/>
-            <a:ext cx="6096000" cy="3429000"/>
+            <a:off x="381188" y="685800"/>
+            <a:ext cx="6096300" cy="3429000"/>
           </a:xfrm>
           <a:custGeom>
             <a:rect b="b" l="l" r="r" t="t"/>
@@ -1557,7 +1572,7 @@
       </p:sp>
       <p:sp>
         <p:nvSpPr>
-          <p:cNvPr id="196" name="Google Shape;196;g57f9366b05_0_114:notes"/>
+          <p:cNvPr id="186" name="Google Shape;186;g57f9366b05_0_51:notes"/>
           <p:cNvSpPr txBox="1"/>
           <p:nvPr>
             <p:ph idx="1" type="body"/>
@@ -1607,7 +1622,7 @@
   <p:cSld>
     <p:spTree>
       <p:nvGrpSpPr>
-        <p:cNvPr id="202" name="Shape 202"/>
+        <p:cNvPr id="191" name="Shape 191"/>
         <p:cNvGrpSpPr/>
         <p:nvPr/>
       </p:nvGrpSpPr>
@@ -1621,7 +1636,7 @@
       </p:grpSpPr>
       <p:sp>
         <p:nvSpPr>
-          <p:cNvPr id="203" name="Google Shape;203;g57f9366b05_0_121:notes"/>
+          <p:cNvPr id="192" name="Google Shape;192;g57f9366b05_0_57:notes"/>
           <p:cNvSpPr/>
           <p:nvPr>
             <p:ph idx="2" type="sldImg"/>
@@ -1629,8 +1644,8 @@
         </p:nvSpPr>
         <p:spPr>
           <a:xfrm>
-            <a:off x="381188" y="685800"/>
-            <a:ext cx="6096300" cy="3429000"/>
+            <a:off x="381300" y="685800"/>
+            <a:ext cx="6096000" cy="3429000"/>
           </a:xfrm>
           <a:custGeom>
             <a:rect b="b" l="l" r="r" t="t"/>
@@ -1656,7 +1671,7 @@
       </p:sp>
       <p:sp>
         <p:nvSpPr>
-          <p:cNvPr id="204" name="Google Shape;204;g57f9366b05_0_121:notes"/>
+          <p:cNvPr id="193" name="Google Shape;193;g57f9366b05_0_57:notes"/>
           <p:cNvSpPr txBox="1"/>
           <p:nvPr>
             <p:ph idx="1" type="body"/>
@@ -1706,7 +1721,7 @@
   <p:cSld>
     <p:spTree>
       <p:nvGrpSpPr>
-        <p:cNvPr id="212" name="Shape 212"/>
+        <p:cNvPr id="199" name="Shape 199"/>
         <p:cNvGrpSpPr/>
         <p:nvPr/>
       </p:nvGrpSpPr>
@@ -1720,7 +1735,7 @@
       </p:grpSpPr>
       <p:sp>
         <p:nvSpPr>
-          <p:cNvPr id="213" name="Google Shape;213;g57f9366b05_0_141:notes"/>
+          <p:cNvPr id="200" name="Google Shape;200;g5110320caa_0_1:notes"/>
           <p:cNvSpPr/>
           <p:nvPr>
             <p:ph idx="2" type="sldImg"/>
@@ -1755,7 +1770,7 @@
       </p:sp>
       <p:sp>
         <p:nvSpPr>
-          <p:cNvPr id="214" name="Google Shape;214;g57f9366b05_0_141:notes"/>
+          <p:cNvPr id="201" name="Google Shape;201;g5110320caa_0_1:notes"/>
           <p:cNvSpPr txBox="1"/>
           <p:nvPr>
             <p:ph idx="1" type="body"/>
@@ -1899,6 +1914,996 @@
 </p:notes>
 </file>
 
+<file path=ppt/notesSlides/notesSlide20.xml><?xml version="1.0" encoding="utf-8"?>
+<p:notes xmlns:a="http://schemas.openxmlformats.org/drawingml/2006/main" xmlns:r="http://schemas.openxmlformats.org/officeDocument/2006/relationships" xmlns:mc="http://schemas.openxmlformats.org/markup-compatibility/2006" xmlns:mv="urn:schemas-microsoft-com:mac:vml" xmlns:p="http://schemas.openxmlformats.org/presentationml/2006/main" xmlns:c="http://schemas.openxmlformats.org/drawingml/2006/chart" xmlns:dgm="http://schemas.openxmlformats.org/drawingml/2006/diagram" xmlns:o="urn:schemas-microsoft-com:office:office" xmlns:v="urn:schemas-microsoft-com:vml" xmlns:pvml="urn:schemas-microsoft-com:office:powerpoint" xmlns:com="http://schemas.openxmlformats.org/drawingml/2006/compatibility" xmlns:p14="http://schemas.microsoft.com/office/powerpoint/2010/main" xmlns:p15="http://schemas.microsoft.com/office/powerpoint/2012/main" showMasterPhAnim="0" showMasterSp="0">
+  <p:cSld>
+    <p:spTree>
+      <p:nvGrpSpPr>
+        <p:cNvPr id="207" name="Shape 207"/>
+        <p:cNvGrpSpPr/>
+        <p:nvPr/>
+      </p:nvGrpSpPr>
+      <p:grpSpPr>
+        <a:xfrm>
+          <a:off x="0" y="0"/>
+          <a:ext cx="0" cy="0"/>
+          <a:chOff x="0" y="0"/>
+          <a:chExt cx="0" cy="0"/>
+        </a:xfrm>
+      </p:grpSpPr>
+      <p:sp>
+        <p:nvSpPr>
+          <p:cNvPr id="208" name="Google Shape;208;gc6f9e470d_0_24:notes"/>
+          <p:cNvSpPr/>
+          <p:nvPr>
+            <p:ph idx="2" type="sldImg"/>
+          </p:nvPr>
+        </p:nvSpPr>
+        <p:spPr>
+          <a:xfrm>
+            <a:off x="381188" y="685800"/>
+            <a:ext cx="6096300" cy="3429000"/>
+          </a:xfrm>
+          <a:custGeom>
+            <a:rect b="b" l="l" r="r" t="t"/>
+            <a:pathLst>
+              <a:path extrusionOk="0" h="120000" w="120000">
+                <a:moveTo>
+                  <a:pt x="0" y="0"/>
+                </a:moveTo>
+                <a:lnTo>
+                  <a:pt x="120000" y="0"/>
+                </a:lnTo>
+                <a:lnTo>
+                  <a:pt x="120000" y="120000"/>
+                </a:lnTo>
+                <a:lnTo>
+                  <a:pt x="0" y="120000"/>
+                </a:lnTo>
+                <a:close/>
+              </a:path>
+            </a:pathLst>
+          </a:custGeom>
+        </p:spPr>
+      </p:sp>
+      <p:sp>
+        <p:nvSpPr>
+          <p:cNvPr id="209" name="Google Shape;209;gc6f9e470d_0_24:notes"/>
+          <p:cNvSpPr txBox="1"/>
+          <p:nvPr>
+            <p:ph idx="1" type="body"/>
+          </p:nvPr>
+        </p:nvSpPr>
+        <p:spPr>
+          <a:xfrm>
+            <a:off x="685800" y="4343400"/>
+            <a:ext cx="5486400" cy="4114800"/>
+          </a:xfrm>
+          <a:prstGeom prst="rect">
+            <a:avLst/>
+          </a:prstGeom>
+        </p:spPr>
+        <p:txBody>
+          <a:bodyPr anchorCtr="0" anchor="t" bIns="91425" lIns="91425" spcFirstLastPara="1" rIns="91425" wrap="square" tIns="91425">
+            <a:noAutofit/>
+          </a:bodyPr>
+          <a:lstStyle/>
+          <a:p>
+            <a:pPr indent="0" lvl="0" marL="0" rtl="0" algn="l">
+              <a:spcBef>
+                <a:spcPts val="0"/>
+              </a:spcBef>
+              <a:spcAft>
+                <a:spcPts val="0"/>
+              </a:spcAft>
+              <a:buNone/>
+            </a:pPr>
+            <a:r>
+              <a:t/>
+            </a:r>
+            <a:endParaRPr/>
+          </a:p>
+        </p:txBody>
+      </p:sp>
+    </p:spTree>
+  </p:cSld>
+  <p:clrMapOvr>
+    <a:masterClrMapping/>
+  </p:clrMapOvr>
+</p:notes>
+</file>
+
+<file path=ppt/notesSlides/notesSlide21.xml><?xml version="1.0" encoding="utf-8"?>
+<p:notes xmlns:a="http://schemas.openxmlformats.org/drawingml/2006/main" xmlns:r="http://schemas.openxmlformats.org/officeDocument/2006/relationships" xmlns:mc="http://schemas.openxmlformats.org/markup-compatibility/2006" xmlns:mv="urn:schemas-microsoft-com:mac:vml" xmlns:p="http://schemas.openxmlformats.org/presentationml/2006/main" xmlns:c="http://schemas.openxmlformats.org/drawingml/2006/chart" xmlns:dgm="http://schemas.openxmlformats.org/drawingml/2006/diagram" xmlns:o="urn:schemas-microsoft-com:office:office" xmlns:v="urn:schemas-microsoft-com:vml" xmlns:pvml="urn:schemas-microsoft-com:office:powerpoint" xmlns:com="http://schemas.openxmlformats.org/drawingml/2006/compatibility" xmlns:p14="http://schemas.microsoft.com/office/powerpoint/2010/main" xmlns:p15="http://schemas.microsoft.com/office/powerpoint/2012/main" showMasterPhAnim="0" showMasterSp="0">
+  <p:cSld>
+    <p:spTree>
+      <p:nvGrpSpPr>
+        <p:cNvPr id="215" name="Shape 215"/>
+        <p:cNvGrpSpPr/>
+        <p:nvPr/>
+      </p:nvGrpSpPr>
+      <p:grpSpPr>
+        <a:xfrm>
+          <a:off x="0" y="0"/>
+          <a:ext cx="0" cy="0"/>
+          <a:chOff x="0" y="0"/>
+          <a:chExt cx="0" cy="0"/>
+        </a:xfrm>
+      </p:grpSpPr>
+      <p:sp>
+        <p:nvSpPr>
+          <p:cNvPr id="216" name="Google Shape;216;g57f9366b05_0_104:notes"/>
+          <p:cNvSpPr/>
+          <p:nvPr>
+            <p:ph idx="2" type="sldImg"/>
+          </p:nvPr>
+        </p:nvSpPr>
+        <p:spPr>
+          <a:xfrm>
+            <a:off x="381188" y="685800"/>
+            <a:ext cx="6096300" cy="3429000"/>
+          </a:xfrm>
+          <a:custGeom>
+            <a:rect b="b" l="l" r="r" t="t"/>
+            <a:pathLst>
+              <a:path extrusionOk="0" h="120000" w="120000">
+                <a:moveTo>
+                  <a:pt x="0" y="0"/>
+                </a:moveTo>
+                <a:lnTo>
+                  <a:pt x="120000" y="0"/>
+                </a:lnTo>
+                <a:lnTo>
+                  <a:pt x="120000" y="120000"/>
+                </a:lnTo>
+                <a:lnTo>
+                  <a:pt x="0" y="120000"/>
+                </a:lnTo>
+                <a:close/>
+              </a:path>
+            </a:pathLst>
+          </a:custGeom>
+        </p:spPr>
+      </p:sp>
+      <p:sp>
+        <p:nvSpPr>
+          <p:cNvPr id="217" name="Google Shape;217;g57f9366b05_0_104:notes"/>
+          <p:cNvSpPr txBox="1"/>
+          <p:nvPr>
+            <p:ph idx="1" type="body"/>
+          </p:nvPr>
+        </p:nvSpPr>
+        <p:spPr>
+          <a:xfrm>
+            <a:off x="685800" y="4343400"/>
+            <a:ext cx="5486400" cy="4114800"/>
+          </a:xfrm>
+          <a:prstGeom prst="rect">
+            <a:avLst/>
+          </a:prstGeom>
+        </p:spPr>
+        <p:txBody>
+          <a:bodyPr anchorCtr="0" anchor="t" bIns="91425" lIns="91425" spcFirstLastPara="1" rIns="91425" wrap="square" tIns="91425">
+            <a:noAutofit/>
+          </a:bodyPr>
+          <a:lstStyle/>
+          <a:p>
+            <a:pPr indent="0" lvl="0" marL="0" rtl="0" algn="l">
+              <a:spcBef>
+                <a:spcPts val="0"/>
+              </a:spcBef>
+              <a:spcAft>
+                <a:spcPts val="0"/>
+              </a:spcAft>
+              <a:buNone/>
+            </a:pPr>
+            <a:r>
+              <a:t/>
+            </a:r>
+            <a:endParaRPr/>
+          </a:p>
+        </p:txBody>
+      </p:sp>
+    </p:spTree>
+  </p:cSld>
+  <p:clrMapOvr>
+    <a:masterClrMapping/>
+  </p:clrMapOvr>
+</p:notes>
+</file>
+
+<file path=ppt/notesSlides/notesSlide22.xml><?xml version="1.0" encoding="utf-8"?>
+<p:notes xmlns:a="http://schemas.openxmlformats.org/drawingml/2006/main" xmlns:r="http://schemas.openxmlformats.org/officeDocument/2006/relationships" xmlns:mc="http://schemas.openxmlformats.org/markup-compatibility/2006" xmlns:mv="urn:schemas-microsoft-com:mac:vml" xmlns:p="http://schemas.openxmlformats.org/presentationml/2006/main" xmlns:c="http://schemas.openxmlformats.org/drawingml/2006/chart" xmlns:dgm="http://schemas.openxmlformats.org/drawingml/2006/diagram" xmlns:o="urn:schemas-microsoft-com:office:office" xmlns:v="urn:schemas-microsoft-com:vml" xmlns:pvml="urn:schemas-microsoft-com:office:powerpoint" xmlns:com="http://schemas.openxmlformats.org/drawingml/2006/compatibility" xmlns:p14="http://schemas.microsoft.com/office/powerpoint/2010/main" xmlns:p15="http://schemas.microsoft.com/office/powerpoint/2012/main" showMasterPhAnim="0" showMasterSp="0">
+  <p:cSld>
+    <p:spTree>
+      <p:nvGrpSpPr>
+        <p:cNvPr id="220" name="Shape 220"/>
+        <p:cNvGrpSpPr/>
+        <p:nvPr/>
+      </p:nvGrpSpPr>
+      <p:grpSpPr>
+        <a:xfrm>
+          <a:off x="0" y="0"/>
+          <a:ext cx="0" cy="0"/>
+          <a:chOff x="0" y="0"/>
+          <a:chExt cx="0" cy="0"/>
+        </a:xfrm>
+      </p:grpSpPr>
+      <p:sp>
+        <p:nvSpPr>
+          <p:cNvPr id="221" name="Google Shape;221;g57f9366b05_0_108:notes"/>
+          <p:cNvSpPr/>
+          <p:nvPr>
+            <p:ph idx="2" type="sldImg"/>
+          </p:nvPr>
+        </p:nvSpPr>
+        <p:spPr>
+          <a:xfrm>
+            <a:off x="381188" y="685800"/>
+            <a:ext cx="6096300" cy="3429000"/>
+          </a:xfrm>
+          <a:custGeom>
+            <a:rect b="b" l="l" r="r" t="t"/>
+            <a:pathLst>
+              <a:path extrusionOk="0" h="120000" w="120000">
+                <a:moveTo>
+                  <a:pt x="0" y="0"/>
+                </a:moveTo>
+                <a:lnTo>
+                  <a:pt x="120000" y="0"/>
+                </a:lnTo>
+                <a:lnTo>
+                  <a:pt x="120000" y="120000"/>
+                </a:lnTo>
+                <a:lnTo>
+                  <a:pt x="0" y="120000"/>
+                </a:lnTo>
+                <a:close/>
+              </a:path>
+            </a:pathLst>
+          </a:custGeom>
+        </p:spPr>
+      </p:sp>
+      <p:sp>
+        <p:nvSpPr>
+          <p:cNvPr id="222" name="Google Shape;222;g57f9366b05_0_108:notes"/>
+          <p:cNvSpPr txBox="1"/>
+          <p:nvPr>
+            <p:ph idx="1" type="body"/>
+          </p:nvPr>
+        </p:nvSpPr>
+        <p:spPr>
+          <a:xfrm>
+            <a:off x="685800" y="4343400"/>
+            <a:ext cx="5486400" cy="4114800"/>
+          </a:xfrm>
+          <a:prstGeom prst="rect">
+            <a:avLst/>
+          </a:prstGeom>
+        </p:spPr>
+        <p:txBody>
+          <a:bodyPr anchorCtr="0" anchor="t" bIns="91425" lIns="91425" spcFirstLastPara="1" rIns="91425" wrap="square" tIns="91425">
+            <a:noAutofit/>
+          </a:bodyPr>
+          <a:lstStyle/>
+          <a:p>
+            <a:pPr indent="0" lvl="0" marL="0" rtl="0" algn="l">
+              <a:spcBef>
+                <a:spcPts val="0"/>
+              </a:spcBef>
+              <a:spcAft>
+                <a:spcPts val="0"/>
+              </a:spcAft>
+              <a:buNone/>
+            </a:pPr>
+            <a:r>
+              <a:t/>
+            </a:r>
+            <a:endParaRPr/>
+          </a:p>
+        </p:txBody>
+      </p:sp>
+    </p:spTree>
+  </p:cSld>
+  <p:clrMapOvr>
+    <a:masterClrMapping/>
+  </p:clrMapOvr>
+</p:notes>
+</file>
+
+<file path=ppt/notesSlides/notesSlide23.xml><?xml version="1.0" encoding="utf-8"?>
+<p:notes xmlns:a="http://schemas.openxmlformats.org/drawingml/2006/main" xmlns:r="http://schemas.openxmlformats.org/officeDocument/2006/relationships" xmlns:mc="http://schemas.openxmlformats.org/markup-compatibility/2006" xmlns:mv="urn:schemas-microsoft-com:mac:vml" xmlns:p="http://schemas.openxmlformats.org/presentationml/2006/main" xmlns:c="http://schemas.openxmlformats.org/drawingml/2006/chart" xmlns:dgm="http://schemas.openxmlformats.org/drawingml/2006/diagram" xmlns:o="urn:schemas-microsoft-com:office:office" xmlns:v="urn:schemas-microsoft-com:vml" xmlns:pvml="urn:schemas-microsoft-com:office:powerpoint" xmlns:com="http://schemas.openxmlformats.org/drawingml/2006/compatibility" xmlns:p14="http://schemas.microsoft.com/office/powerpoint/2010/main" xmlns:p15="http://schemas.microsoft.com/office/powerpoint/2012/main" showMasterPhAnim="0" showMasterSp="0">
+  <p:cSld>
+    <p:spTree>
+      <p:nvGrpSpPr>
+        <p:cNvPr id="226" name="Shape 226"/>
+        <p:cNvGrpSpPr/>
+        <p:nvPr/>
+      </p:nvGrpSpPr>
+      <p:grpSpPr>
+        <a:xfrm>
+          <a:off x="0" y="0"/>
+          <a:ext cx="0" cy="0"/>
+          <a:chOff x="0" y="0"/>
+          <a:chExt cx="0" cy="0"/>
+        </a:xfrm>
+      </p:grpSpPr>
+      <p:sp>
+        <p:nvSpPr>
+          <p:cNvPr id="227" name="Google Shape;227;g57f9366b05_0_130:notes"/>
+          <p:cNvSpPr/>
+          <p:nvPr>
+            <p:ph idx="2" type="sldImg"/>
+          </p:nvPr>
+        </p:nvSpPr>
+        <p:spPr>
+          <a:xfrm>
+            <a:off x="381300" y="685800"/>
+            <a:ext cx="6096000" cy="3429000"/>
+          </a:xfrm>
+          <a:custGeom>
+            <a:rect b="b" l="l" r="r" t="t"/>
+            <a:pathLst>
+              <a:path extrusionOk="0" h="120000" w="120000">
+                <a:moveTo>
+                  <a:pt x="0" y="0"/>
+                </a:moveTo>
+                <a:lnTo>
+                  <a:pt x="120000" y="0"/>
+                </a:lnTo>
+                <a:lnTo>
+                  <a:pt x="120000" y="120000"/>
+                </a:lnTo>
+                <a:lnTo>
+                  <a:pt x="0" y="120000"/>
+                </a:lnTo>
+                <a:close/>
+              </a:path>
+            </a:pathLst>
+          </a:custGeom>
+        </p:spPr>
+      </p:sp>
+      <p:sp>
+        <p:nvSpPr>
+          <p:cNvPr id="228" name="Google Shape;228;g57f9366b05_0_130:notes"/>
+          <p:cNvSpPr txBox="1"/>
+          <p:nvPr>
+            <p:ph idx="1" type="body"/>
+          </p:nvPr>
+        </p:nvSpPr>
+        <p:spPr>
+          <a:xfrm>
+            <a:off x="685800" y="4343400"/>
+            <a:ext cx="5486400" cy="4114800"/>
+          </a:xfrm>
+          <a:prstGeom prst="rect">
+            <a:avLst/>
+          </a:prstGeom>
+        </p:spPr>
+        <p:txBody>
+          <a:bodyPr anchorCtr="0" anchor="t" bIns="91425" lIns="91425" spcFirstLastPara="1" rIns="91425" wrap="square" tIns="91425">
+            <a:noAutofit/>
+          </a:bodyPr>
+          <a:lstStyle/>
+          <a:p>
+            <a:pPr indent="0" lvl="0" marL="0" rtl="0" algn="l">
+              <a:spcBef>
+                <a:spcPts val="0"/>
+              </a:spcBef>
+              <a:spcAft>
+                <a:spcPts val="0"/>
+              </a:spcAft>
+              <a:buNone/>
+            </a:pPr>
+            <a:r>
+              <a:t/>
+            </a:r>
+            <a:endParaRPr/>
+          </a:p>
+        </p:txBody>
+      </p:sp>
+    </p:spTree>
+  </p:cSld>
+  <p:clrMapOvr>
+    <a:masterClrMapping/>
+  </p:clrMapOvr>
+</p:notes>
+</file>
+
+<file path=ppt/notesSlides/notesSlide24.xml><?xml version="1.0" encoding="utf-8"?>
+<p:notes xmlns:a="http://schemas.openxmlformats.org/drawingml/2006/main" xmlns:r="http://schemas.openxmlformats.org/officeDocument/2006/relationships" xmlns:mc="http://schemas.openxmlformats.org/markup-compatibility/2006" xmlns:mv="urn:schemas-microsoft-com:mac:vml" xmlns:p="http://schemas.openxmlformats.org/presentationml/2006/main" xmlns:c="http://schemas.openxmlformats.org/drawingml/2006/chart" xmlns:dgm="http://schemas.openxmlformats.org/drawingml/2006/diagram" xmlns:o="urn:schemas-microsoft-com:office:office" xmlns:v="urn:schemas-microsoft-com:vml" xmlns:pvml="urn:schemas-microsoft-com:office:powerpoint" xmlns:com="http://schemas.openxmlformats.org/drawingml/2006/compatibility" xmlns:p14="http://schemas.microsoft.com/office/powerpoint/2010/main" xmlns:p15="http://schemas.microsoft.com/office/powerpoint/2012/main" showMasterPhAnim="0" showMasterSp="0">
+  <p:cSld>
+    <p:spTree>
+      <p:nvGrpSpPr>
+        <p:cNvPr id="232" name="Shape 232"/>
+        <p:cNvGrpSpPr/>
+        <p:nvPr/>
+      </p:nvGrpSpPr>
+      <p:grpSpPr>
+        <a:xfrm>
+          <a:off x="0" y="0"/>
+          <a:ext cx="0" cy="0"/>
+          <a:chOff x="0" y="0"/>
+          <a:chExt cx="0" cy="0"/>
+        </a:xfrm>
+      </p:grpSpPr>
+      <p:sp>
+        <p:nvSpPr>
+          <p:cNvPr id="233" name="Google Shape;233;g57f9366b05_0_114:notes"/>
+          <p:cNvSpPr/>
+          <p:nvPr>
+            <p:ph idx="2" type="sldImg"/>
+          </p:nvPr>
+        </p:nvSpPr>
+        <p:spPr>
+          <a:xfrm>
+            <a:off x="381300" y="685800"/>
+            <a:ext cx="6096000" cy="3429000"/>
+          </a:xfrm>
+          <a:custGeom>
+            <a:rect b="b" l="l" r="r" t="t"/>
+            <a:pathLst>
+              <a:path extrusionOk="0" h="120000" w="120000">
+                <a:moveTo>
+                  <a:pt x="0" y="0"/>
+                </a:moveTo>
+                <a:lnTo>
+                  <a:pt x="120000" y="0"/>
+                </a:lnTo>
+                <a:lnTo>
+                  <a:pt x="120000" y="120000"/>
+                </a:lnTo>
+                <a:lnTo>
+                  <a:pt x="0" y="120000"/>
+                </a:lnTo>
+                <a:close/>
+              </a:path>
+            </a:pathLst>
+          </a:custGeom>
+        </p:spPr>
+      </p:sp>
+      <p:sp>
+        <p:nvSpPr>
+          <p:cNvPr id="234" name="Google Shape;234;g57f9366b05_0_114:notes"/>
+          <p:cNvSpPr txBox="1"/>
+          <p:nvPr>
+            <p:ph idx="1" type="body"/>
+          </p:nvPr>
+        </p:nvSpPr>
+        <p:spPr>
+          <a:xfrm>
+            <a:off x="685800" y="4343400"/>
+            <a:ext cx="5486400" cy="4114800"/>
+          </a:xfrm>
+          <a:prstGeom prst="rect">
+            <a:avLst/>
+          </a:prstGeom>
+        </p:spPr>
+        <p:txBody>
+          <a:bodyPr anchorCtr="0" anchor="t" bIns="91425" lIns="91425" spcFirstLastPara="1" rIns="91425" wrap="square" tIns="91425">
+            <a:noAutofit/>
+          </a:bodyPr>
+          <a:lstStyle/>
+          <a:p>
+            <a:pPr indent="0" lvl="0" marL="0" rtl="0" algn="l">
+              <a:spcBef>
+                <a:spcPts val="0"/>
+              </a:spcBef>
+              <a:spcAft>
+                <a:spcPts val="0"/>
+              </a:spcAft>
+              <a:buNone/>
+            </a:pPr>
+            <a:r>
+              <a:t/>
+            </a:r>
+            <a:endParaRPr/>
+          </a:p>
+        </p:txBody>
+      </p:sp>
+    </p:spTree>
+  </p:cSld>
+  <p:clrMapOvr>
+    <a:masterClrMapping/>
+  </p:clrMapOvr>
+</p:notes>
+</file>
+
+<file path=ppt/notesSlides/notesSlide25.xml><?xml version="1.0" encoding="utf-8"?>
+<p:notes xmlns:a="http://schemas.openxmlformats.org/drawingml/2006/main" xmlns:r="http://schemas.openxmlformats.org/officeDocument/2006/relationships" xmlns:mc="http://schemas.openxmlformats.org/markup-compatibility/2006" xmlns:mv="urn:schemas-microsoft-com:mac:vml" xmlns:p="http://schemas.openxmlformats.org/presentationml/2006/main" xmlns:c="http://schemas.openxmlformats.org/drawingml/2006/chart" xmlns:dgm="http://schemas.openxmlformats.org/drawingml/2006/diagram" xmlns:o="urn:schemas-microsoft-com:office:office" xmlns:v="urn:schemas-microsoft-com:vml" xmlns:pvml="urn:schemas-microsoft-com:office:powerpoint" xmlns:com="http://schemas.openxmlformats.org/drawingml/2006/compatibility" xmlns:p14="http://schemas.microsoft.com/office/powerpoint/2010/main" xmlns:p15="http://schemas.microsoft.com/office/powerpoint/2012/main" showMasterPhAnim="0" showMasterSp="0">
+  <p:cSld>
+    <p:spTree>
+      <p:nvGrpSpPr>
+        <p:cNvPr id="240" name="Shape 240"/>
+        <p:cNvGrpSpPr/>
+        <p:nvPr/>
+      </p:nvGrpSpPr>
+      <p:grpSpPr>
+        <a:xfrm>
+          <a:off x="0" y="0"/>
+          <a:ext cx="0" cy="0"/>
+          <a:chOff x="0" y="0"/>
+          <a:chExt cx="0" cy="0"/>
+        </a:xfrm>
+      </p:grpSpPr>
+      <p:sp>
+        <p:nvSpPr>
+          <p:cNvPr id="241" name="Google Shape;241;g5110320caa_0_72:notes"/>
+          <p:cNvSpPr/>
+          <p:nvPr>
+            <p:ph idx="2" type="sldImg"/>
+          </p:nvPr>
+        </p:nvSpPr>
+        <p:spPr>
+          <a:xfrm>
+            <a:off x="381300" y="685800"/>
+            <a:ext cx="6096000" cy="3429000"/>
+          </a:xfrm>
+          <a:custGeom>
+            <a:rect b="b" l="l" r="r" t="t"/>
+            <a:pathLst>
+              <a:path extrusionOk="0" h="120000" w="120000">
+                <a:moveTo>
+                  <a:pt x="0" y="0"/>
+                </a:moveTo>
+                <a:lnTo>
+                  <a:pt x="120000" y="0"/>
+                </a:lnTo>
+                <a:lnTo>
+                  <a:pt x="120000" y="120000"/>
+                </a:lnTo>
+                <a:lnTo>
+                  <a:pt x="0" y="120000"/>
+                </a:lnTo>
+                <a:close/>
+              </a:path>
+            </a:pathLst>
+          </a:custGeom>
+        </p:spPr>
+      </p:sp>
+      <p:sp>
+        <p:nvSpPr>
+          <p:cNvPr id="242" name="Google Shape;242;g5110320caa_0_72:notes"/>
+          <p:cNvSpPr txBox="1"/>
+          <p:nvPr>
+            <p:ph idx="1" type="body"/>
+          </p:nvPr>
+        </p:nvSpPr>
+        <p:spPr>
+          <a:xfrm>
+            <a:off x="685800" y="4343400"/>
+            <a:ext cx="5486400" cy="4114800"/>
+          </a:xfrm>
+          <a:prstGeom prst="rect">
+            <a:avLst/>
+          </a:prstGeom>
+        </p:spPr>
+        <p:txBody>
+          <a:bodyPr anchorCtr="0" anchor="t" bIns="91425" lIns="91425" spcFirstLastPara="1" rIns="91425" wrap="square" tIns="91425">
+            <a:noAutofit/>
+          </a:bodyPr>
+          <a:lstStyle/>
+          <a:p>
+            <a:pPr indent="0" lvl="0" marL="0" rtl="0" algn="l">
+              <a:spcBef>
+                <a:spcPts val="0"/>
+              </a:spcBef>
+              <a:spcAft>
+                <a:spcPts val="0"/>
+              </a:spcAft>
+              <a:buNone/>
+            </a:pPr>
+            <a:r>
+              <a:t/>
+            </a:r>
+            <a:endParaRPr/>
+          </a:p>
+        </p:txBody>
+      </p:sp>
+    </p:spTree>
+  </p:cSld>
+  <p:clrMapOvr>
+    <a:masterClrMapping/>
+  </p:clrMapOvr>
+</p:notes>
+</file>
+
+<file path=ppt/notesSlides/notesSlide26.xml><?xml version="1.0" encoding="utf-8"?>
+<p:notes xmlns:a="http://schemas.openxmlformats.org/drawingml/2006/main" xmlns:r="http://schemas.openxmlformats.org/officeDocument/2006/relationships" xmlns:mc="http://schemas.openxmlformats.org/markup-compatibility/2006" xmlns:mv="urn:schemas-microsoft-com:mac:vml" xmlns:p="http://schemas.openxmlformats.org/presentationml/2006/main" xmlns:c="http://schemas.openxmlformats.org/drawingml/2006/chart" xmlns:dgm="http://schemas.openxmlformats.org/drawingml/2006/diagram" xmlns:o="urn:schemas-microsoft-com:office:office" xmlns:v="urn:schemas-microsoft-com:vml" xmlns:pvml="urn:schemas-microsoft-com:office:powerpoint" xmlns:com="http://schemas.openxmlformats.org/drawingml/2006/compatibility" xmlns:p14="http://schemas.microsoft.com/office/powerpoint/2010/main" xmlns:p15="http://schemas.microsoft.com/office/powerpoint/2012/main" showMasterPhAnim="0" showMasterSp="0">
+  <p:cSld>
+    <p:spTree>
+      <p:nvGrpSpPr>
+        <p:cNvPr id="245" name="Shape 245"/>
+        <p:cNvGrpSpPr/>
+        <p:nvPr/>
+      </p:nvGrpSpPr>
+      <p:grpSpPr>
+        <a:xfrm>
+          <a:off x="0" y="0"/>
+          <a:ext cx="0" cy="0"/>
+          <a:chOff x="0" y="0"/>
+          <a:chExt cx="0" cy="0"/>
+        </a:xfrm>
+      </p:grpSpPr>
+      <p:sp>
+        <p:nvSpPr>
+          <p:cNvPr id="246" name="Google Shape;246;g5110320caa_0_78:notes"/>
+          <p:cNvSpPr/>
+          <p:nvPr>
+            <p:ph idx="2" type="sldImg"/>
+          </p:nvPr>
+        </p:nvSpPr>
+        <p:spPr>
+          <a:xfrm>
+            <a:off x="381300" y="685800"/>
+            <a:ext cx="6096000" cy="3429000"/>
+          </a:xfrm>
+          <a:custGeom>
+            <a:rect b="b" l="l" r="r" t="t"/>
+            <a:pathLst>
+              <a:path extrusionOk="0" h="120000" w="120000">
+                <a:moveTo>
+                  <a:pt x="0" y="0"/>
+                </a:moveTo>
+                <a:lnTo>
+                  <a:pt x="120000" y="0"/>
+                </a:lnTo>
+                <a:lnTo>
+                  <a:pt x="120000" y="120000"/>
+                </a:lnTo>
+                <a:lnTo>
+                  <a:pt x="0" y="120000"/>
+                </a:lnTo>
+                <a:close/>
+              </a:path>
+            </a:pathLst>
+          </a:custGeom>
+        </p:spPr>
+      </p:sp>
+      <p:sp>
+        <p:nvSpPr>
+          <p:cNvPr id="247" name="Google Shape;247;g5110320caa_0_78:notes"/>
+          <p:cNvSpPr txBox="1"/>
+          <p:nvPr>
+            <p:ph idx="1" type="body"/>
+          </p:nvPr>
+        </p:nvSpPr>
+        <p:spPr>
+          <a:xfrm>
+            <a:off x="685800" y="4343400"/>
+            <a:ext cx="5486400" cy="4114800"/>
+          </a:xfrm>
+          <a:prstGeom prst="rect">
+            <a:avLst/>
+          </a:prstGeom>
+        </p:spPr>
+        <p:txBody>
+          <a:bodyPr anchorCtr="0" anchor="t" bIns="91425" lIns="91425" spcFirstLastPara="1" rIns="91425" wrap="square" tIns="91425">
+            <a:noAutofit/>
+          </a:bodyPr>
+          <a:lstStyle/>
+          <a:p>
+            <a:pPr indent="0" lvl="0" marL="0" rtl="0" algn="l">
+              <a:spcBef>
+                <a:spcPts val="0"/>
+              </a:spcBef>
+              <a:spcAft>
+                <a:spcPts val="0"/>
+              </a:spcAft>
+              <a:buNone/>
+            </a:pPr>
+            <a:r>
+              <a:t/>
+            </a:r>
+            <a:endParaRPr/>
+          </a:p>
+        </p:txBody>
+      </p:sp>
+    </p:spTree>
+  </p:cSld>
+  <p:clrMapOvr>
+    <a:masterClrMapping/>
+  </p:clrMapOvr>
+</p:notes>
+</file>
+
+<file path=ppt/notesSlides/notesSlide27.xml><?xml version="1.0" encoding="utf-8"?>
+<p:notes xmlns:a="http://schemas.openxmlformats.org/drawingml/2006/main" xmlns:r="http://schemas.openxmlformats.org/officeDocument/2006/relationships" xmlns:mc="http://schemas.openxmlformats.org/markup-compatibility/2006" xmlns:mv="urn:schemas-microsoft-com:mac:vml" xmlns:p="http://schemas.openxmlformats.org/presentationml/2006/main" xmlns:c="http://schemas.openxmlformats.org/drawingml/2006/chart" xmlns:dgm="http://schemas.openxmlformats.org/drawingml/2006/diagram" xmlns:o="urn:schemas-microsoft-com:office:office" xmlns:v="urn:schemas-microsoft-com:vml" xmlns:pvml="urn:schemas-microsoft-com:office:powerpoint" xmlns:com="http://schemas.openxmlformats.org/drawingml/2006/compatibility" xmlns:p14="http://schemas.microsoft.com/office/powerpoint/2010/main" xmlns:p15="http://schemas.microsoft.com/office/powerpoint/2012/main" showMasterPhAnim="0" showMasterSp="0">
+  <p:cSld>
+    <p:spTree>
+      <p:nvGrpSpPr>
+        <p:cNvPr id="250" name="Shape 250"/>
+        <p:cNvGrpSpPr/>
+        <p:nvPr/>
+      </p:nvGrpSpPr>
+      <p:grpSpPr>
+        <a:xfrm>
+          <a:off x="0" y="0"/>
+          <a:ext cx="0" cy="0"/>
+          <a:chOff x="0" y="0"/>
+          <a:chExt cx="0" cy="0"/>
+        </a:xfrm>
+      </p:grpSpPr>
+      <p:sp>
+        <p:nvSpPr>
+          <p:cNvPr id="251" name="Google Shape;251;g5110320caa_0_83:notes"/>
+          <p:cNvSpPr/>
+          <p:nvPr>
+            <p:ph idx="2" type="sldImg"/>
+          </p:nvPr>
+        </p:nvSpPr>
+        <p:spPr>
+          <a:xfrm>
+            <a:off x="381300" y="685800"/>
+            <a:ext cx="6096000" cy="3429000"/>
+          </a:xfrm>
+          <a:custGeom>
+            <a:rect b="b" l="l" r="r" t="t"/>
+            <a:pathLst>
+              <a:path extrusionOk="0" h="120000" w="120000">
+                <a:moveTo>
+                  <a:pt x="0" y="0"/>
+                </a:moveTo>
+                <a:lnTo>
+                  <a:pt x="120000" y="0"/>
+                </a:lnTo>
+                <a:lnTo>
+                  <a:pt x="120000" y="120000"/>
+                </a:lnTo>
+                <a:lnTo>
+                  <a:pt x="0" y="120000"/>
+                </a:lnTo>
+                <a:close/>
+              </a:path>
+            </a:pathLst>
+          </a:custGeom>
+        </p:spPr>
+      </p:sp>
+      <p:sp>
+        <p:nvSpPr>
+          <p:cNvPr id="252" name="Google Shape;252;g5110320caa_0_83:notes"/>
+          <p:cNvSpPr txBox="1"/>
+          <p:nvPr>
+            <p:ph idx="1" type="body"/>
+          </p:nvPr>
+        </p:nvSpPr>
+        <p:spPr>
+          <a:xfrm>
+            <a:off x="685800" y="4343400"/>
+            <a:ext cx="5486400" cy="4114800"/>
+          </a:xfrm>
+          <a:prstGeom prst="rect">
+            <a:avLst/>
+          </a:prstGeom>
+        </p:spPr>
+        <p:txBody>
+          <a:bodyPr anchorCtr="0" anchor="t" bIns="91425" lIns="91425" spcFirstLastPara="1" rIns="91425" wrap="square" tIns="91425">
+            <a:noAutofit/>
+          </a:bodyPr>
+          <a:lstStyle/>
+          <a:p>
+            <a:pPr indent="0" lvl="0" marL="0" rtl="0" algn="l">
+              <a:spcBef>
+                <a:spcPts val="0"/>
+              </a:spcBef>
+              <a:spcAft>
+                <a:spcPts val="0"/>
+              </a:spcAft>
+              <a:buNone/>
+            </a:pPr>
+            <a:r>
+              <a:t/>
+            </a:r>
+            <a:endParaRPr/>
+          </a:p>
+        </p:txBody>
+      </p:sp>
+    </p:spTree>
+  </p:cSld>
+  <p:clrMapOvr>
+    <a:masterClrMapping/>
+  </p:clrMapOvr>
+</p:notes>
+</file>
+
+<file path=ppt/notesSlides/notesSlide28.xml><?xml version="1.0" encoding="utf-8"?>
+<p:notes xmlns:a="http://schemas.openxmlformats.org/drawingml/2006/main" xmlns:r="http://schemas.openxmlformats.org/officeDocument/2006/relationships" xmlns:mc="http://schemas.openxmlformats.org/markup-compatibility/2006" xmlns:mv="urn:schemas-microsoft-com:mac:vml" xmlns:p="http://schemas.openxmlformats.org/presentationml/2006/main" xmlns:c="http://schemas.openxmlformats.org/drawingml/2006/chart" xmlns:dgm="http://schemas.openxmlformats.org/drawingml/2006/diagram" xmlns:o="urn:schemas-microsoft-com:office:office" xmlns:v="urn:schemas-microsoft-com:vml" xmlns:pvml="urn:schemas-microsoft-com:office:powerpoint" xmlns:com="http://schemas.openxmlformats.org/drawingml/2006/compatibility" xmlns:p14="http://schemas.microsoft.com/office/powerpoint/2010/main" xmlns:p15="http://schemas.microsoft.com/office/powerpoint/2012/main" showMasterPhAnim="0" showMasterSp="0">
+  <p:cSld>
+    <p:spTree>
+      <p:nvGrpSpPr>
+        <p:cNvPr id="255" name="Shape 255"/>
+        <p:cNvGrpSpPr/>
+        <p:nvPr/>
+      </p:nvGrpSpPr>
+      <p:grpSpPr>
+        <a:xfrm>
+          <a:off x="0" y="0"/>
+          <a:ext cx="0" cy="0"/>
+          <a:chOff x="0" y="0"/>
+          <a:chExt cx="0" cy="0"/>
+        </a:xfrm>
+      </p:grpSpPr>
+      <p:sp>
+        <p:nvSpPr>
+          <p:cNvPr id="256" name="Google Shape;256;g5110320caa_0_88:notes"/>
+          <p:cNvSpPr/>
+          <p:nvPr>
+            <p:ph idx="2" type="sldImg"/>
+          </p:nvPr>
+        </p:nvSpPr>
+        <p:spPr>
+          <a:xfrm>
+            <a:off x="381300" y="685800"/>
+            <a:ext cx="6096000" cy="3429000"/>
+          </a:xfrm>
+          <a:custGeom>
+            <a:rect b="b" l="l" r="r" t="t"/>
+            <a:pathLst>
+              <a:path extrusionOk="0" h="120000" w="120000">
+                <a:moveTo>
+                  <a:pt x="0" y="0"/>
+                </a:moveTo>
+                <a:lnTo>
+                  <a:pt x="120000" y="0"/>
+                </a:lnTo>
+                <a:lnTo>
+                  <a:pt x="120000" y="120000"/>
+                </a:lnTo>
+                <a:lnTo>
+                  <a:pt x="0" y="120000"/>
+                </a:lnTo>
+                <a:close/>
+              </a:path>
+            </a:pathLst>
+          </a:custGeom>
+        </p:spPr>
+      </p:sp>
+      <p:sp>
+        <p:nvSpPr>
+          <p:cNvPr id="257" name="Google Shape;257;g5110320caa_0_88:notes"/>
+          <p:cNvSpPr txBox="1"/>
+          <p:nvPr>
+            <p:ph idx="1" type="body"/>
+          </p:nvPr>
+        </p:nvSpPr>
+        <p:spPr>
+          <a:xfrm>
+            <a:off x="685800" y="4343400"/>
+            <a:ext cx="5486400" cy="4114800"/>
+          </a:xfrm>
+          <a:prstGeom prst="rect">
+            <a:avLst/>
+          </a:prstGeom>
+        </p:spPr>
+        <p:txBody>
+          <a:bodyPr anchorCtr="0" anchor="t" bIns="91425" lIns="91425" spcFirstLastPara="1" rIns="91425" wrap="square" tIns="91425">
+            <a:noAutofit/>
+          </a:bodyPr>
+          <a:lstStyle/>
+          <a:p>
+            <a:pPr indent="0" lvl="0" marL="0" rtl="0" algn="l">
+              <a:spcBef>
+                <a:spcPts val="0"/>
+              </a:spcBef>
+              <a:spcAft>
+                <a:spcPts val="0"/>
+              </a:spcAft>
+              <a:buNone/>
+            </a:pPr>
+            <a:r>
+              <a:t/>
+            </a:r>
+            <a:endParaRPr/>
+          </a:p>
+        </p:txBody>
+      </p:sp>
+    </p:spTree>
+  </p:cSld>
+  <p:clrMapOvr>
+    <a:masterClrMapping/>
+  </p:clrMapOvr>
+</p:notes>
+</file>
+
+<file path=ppt/notesSlides/notesSlide29.xml><?xml version="1.0" encoding="utf-8"?>
+<p:notes xmlns:a="http://schemas.openxmlformats.org/drawingml/2006/main" xmlns:r="http://schemas.openxmlformats.org/officeDocument/2006/relationships" xmlns:mc="http://schemas.openxmlformats.org/markup-compatibility/2006" xmlns:mv="urn:schemas-microsoft-com:mac:vml" xmlns:p="http://schemas.openxmlformats.org/presentationml/2006/main" xmlns:c="http://schemas.openxmlformats.org/drawingml/2006/chart" xmlns:dgm="http://schemas.openxmlformats.org/drawingml/2006/diagram" xmlns:o="urn:schemas-microsoft-com:office:office" xmlns:v="urn:schemas-microsoft-com:vml" xmlns:pvml="urn:schemas-microsoft-com:office:powerpoint" xmlns:com="http://schemas.openxmlformats.org/drawingml/2006/compatibility" xmlns:p14="http://schemas.microsoft.com/office/powerpoint/2010/main" xmlns:p15="http://schemas.microsoft.com/office/powerpoint/2012/main" showMasterPhAnim="0" showMasterSp="0">
+  <p:cSld>
+    <p:spTree>
+      <p:nvGrpSpPr>
+        <p:cNvPr id="260" name="Shape 260"/>
+        <p:cNvGrpSpPr/>
+        <p:nvPr/>
+      </p:nvGrpSpPr>
+      <p:grpSpPr>
+        <a:xfrm>
+          <a:off x="0" y="0"/>
+          <a:ext cx="0" cy="0"/>
+          <a:chOff x="0" y="0"/>
+          <a:chExt cx="0" cy="0"/>
+        </a:xfrm>
+      </p:grpSpPr>
+      <p:sp>
+        <p:nvSpPr>
+          <p:cNvPr id="261" name="Google Shape;261;g5110320caa_0_109:notes"/>
+          <p:cNvSpPr/>
+          <p:nvPr>
+            <p:ph idx="2" type="sldImg"/>
+          </p:nvPr>
+        </p:nvSpPr>
+        <p:spPr>
+          <a:xfrm>
+            <a:off x="381300" y="685800"/>
+            <a:ext cx="6096000" cy="3429000"/>
+          </a:xfrm>
+          <a:custGeom>
+            <a:rect b="b" l="l" r="r" t="t"/>
+            <a:pathLst>
+              <a:path extrusionOk="0" h="120000" w="120000">
+                <a:moveTo>
+                  <a:pt x="0" y="0"/>
+                </a:moveTo>
+                <a:lnTo>
+                  <a:pt x="120000" y="0"/>
+                </a:lnTo>
+                <a:lnTo>
+                  <a:pt x="120000" y="120000"/>
+                </a:lnTo>
+                <a:lnTo>
+                  <a:pt x="0" y="120000"/>
+                </a:lnTo>
+                <a:close/>
+              </a:path>
+            </a:pathLst>
+          </a:custGeom>
+        </p:spPr>
+      </p:sp>
+      <p:sp>
+        <p:nvSpPr>
+          <p:cNvPr id="262" name="Google Shape;262;g5110320caa_0_109:notes"/>
+          <p:cNvSpPr txBox="1"/>
+          <p:nvPr>
+            <p:ph idx="1" type="body"/>
+          </p:nvPr>
+        </p:nvSpPr>
+        <p:spPr>
+          <a:xfrm>
+            <a:off x="685800" y="4343400"/>
+            <a:ext cx="5486400" cy="4114800"/>
+          </a:xfrm>
+          <a:prstGeom prst="rect">
+            <a:avLst/>
+          </a:prstGeom>
+        </p:spPr>
+        <p:txBody>
+          <a:bodyPr anchorCtr="0" anchor="t" bIns="91425" lIns="91425" spcFirstLastPara="1" rIns="91425" wrap="square" tIns="91425">
+            <a:noAutofit/>
+          </a:bodyPr>
+          <a:lstStyle/>
+          <a:p>
+            <a:pPr indent="0" lvl="0" marL="0" rtl="0" algn="l">
+              <a:spcBef>
+                <a:spcPts val="0"/>
+              </a:spcBef>
+              <a:spcAft>
+                <a:spcPts val="0"/>
+              </a:spcAft>
+              <a:buNone/>
+            </a:pPr>
+            <a:r>
+              <a:t/>
+            </a:r>
+            <a:endParaRPr/>
+          </a:p>
+        </p:txBody>
+      </p:sp>
+    </p:spTree>
+  </p:cSld>
+  <p:clrMapOvr>
+    <a:masterClrMapping/>
+  </p:clrMapOvr>
+</p:notes>
+</file>
+
 <file path=ppt/notesSlides/notesSlide3.xml><?xml version="1.0" encoding="utf-8"?>
 <p:notes xmlns:a="http://schemas.openxmlformats.org/drawingml/2006/main" xmlns:r="http://schemas.openxmlformats.org/officeDocument/2006/relationships" xmlns:mc="http://schemas.openxmlformats.org/markup-compatibility/2006" xmlns:mv="urn:schemas-microsoft-com:mac:vml" xmlns:p="http://schemas.openxmlformats.org/presentationml/2006/main" xmlns:c="http://schemas.openxmlformats.org/drawingml/2006/chart" xmlns:dgm="http://schemas.openxmlformats.org/drawingml/2006/diagram" xmlns:o="urn:schemas-microsoft-com:office:office" xmlns:v="urn:schemas-microsoft-com:vml" xmlns:pvml="urn:schemas-microsoft-com:office:powerpoint" xmlns:com="http://schemas.openxmlformats.org/drawingml/2006/compatibility" xmlns:p14="http://schemas.microsoft.com/office/powerpoint/2010/main" xmlns:p15="http://schemas.microsoft.com/office/powerpoint/2012/main" showMasterPhAnim="0" showMasterSp="0">
   <p:cSld>
@@ -1954,6 +2959,501 @@
       <p:sp>
         <p:nvSpPr>
           <p:cNvPr id="105" name="Google Shape;105;gc6f9e470d_0_43:notes"/>
+          <p:cNvSpPr txBox="1"/>
+          <p:nvPr>
+            <p:ph idx="1" type="body"/>
+          </p:nvPr>
+        </p:nvSpPr>
+        <p:spPr>
+          <a:xfrm>
+            <a:off x="685800" y="4343400"/>
+            <a:ext cx="5486400" cy="4114800"/>
+          </a:xfrm>
+          <a:prstGeom prst="rect">
+            <a:avLst/>
+          </a:prstGeom>
+        </p:spPr>
+        <p:txBody>
+          <a:bodyPr anchorCtr="0" anchor="t" bIns="91425" lIns="91425" spcFirstLastPara="1" rIns="91425" wrap="square" tIns="91425">
+            <a:noAutofit/>
+          </a:bodyPr>
+          <a:lstStyle/>
+          <a:p>
+            <a:pPr indent="0" lvl="0" marL="0" rtl="0" algn="l">
+              <a:spcBef>
+                <a:spcPts val="0"/>
+              </a:spcBef>
+              <a:spcAft>
+                <a:spcPts val="0"/>
+              </a:spcAft>
+              <a:buNone/>
+            </a:pPr>
+            <a:r>
+              <a:t/>
+            </a:r>
+            <a:endParaRPr/>
+          </a:p>
+        </p:txBody>
+      </p:sp>
+    </p:spTree>
+  </p:cSld>
+  <p:clrMapOvr>
+    <a:masterClrMapping/>
+  </p:clrMapOvr>
+</p:notes>
+</file>
+
+<file path=ppt/notesSlides/notesSlide30.xml><?xml version="1.0" encoding="utf-8"?>
+<p:notes xmlns:a="http://schemas.openxmlformats.org/drawingml/2006/main" xmlns:r="http://schemas.openxmlformats.org/officeDocument/2006/relationships" xmlns:mc="http://schemas.openxmlformats.org/markup-compatibility/2006" xmlns:mv="urn:schemas-microsoft-com:mac:vml" xmlns:p="http://schemas.openxmlformats.org/presentationml/2006/main" xmlns:c="http://schemas.openxmlformats.org/drawingml/2006/chart" xmlns:dgm="http://schemas.openxmlformats.org/drawingml/2006/diagram" xmlns:o="urn:schemas-microsoft-com:office:office" xmlns:v="urn:schemas-microsoft-com:vml" xmlns:pvml="urn:schemas-microsoft-com:office:powerpoint" xmlns:com="http://schemas.openxmlformats.org/drawingml/2006/compatibility" xmlns:p14="http://schemas.microsoft.com/office/powerpoint/2010/main" xmlns:p15="http://schemas.microsoft.com/office/powerpoint/2012/main" showMasterPhAnim="0" showMasterSp="0">
+  <p:cSld>
+    <p:spTree>
+      <p:nvGrpSpPr>
+        <p:cNvPr id="265" name="Shape 265"/>
+        <p:cNvGrpSpPr/>
+        <p:nvPr/>
+      </p:nvGrpSpPr>
+      <p:grpSpPr>
+        <a:xfrm>
+          <a:off x="0" y="0"/>
+          <a:ext cx="0" cy="0"/>
+          <a:chOff x="0" y="0"/>
+          <a:chExt cx="0" cy="0"/>
+        </a:xfrm>
+      </p:grpSpPr>
+      <p:sp>
+        <p:nvSpPr>
+          <p:cNvPr id="266" name="Google Shape;266;g5110320caa_0_115:notes"/>
+          <p:cNvSpPr/>
+          <p:nvPr>
+            <p:ph idx="2" type="sldImg"/>
+          </p:nvPr>
+        </p:nvSpPr>
+        <p:spPr>
+          <a:xfrm>
+            <a:off x="381300" y="685800"/>
+            <a:ext cx="6096000" cy="3429000"/>
+          </a:xfrm>
+          <a:custGeom>
+            <a:rect b="b" l="l" r="r" t="t"/>
+            <a:pathLst>
+              <a:path extrusionOk="0" h="120000" w="120000">
+                <a:moveTo>
+                  <a:pt x="0" y="0"/>
+                </a:moveTo>
+                <a:lnTo>
+                  <a:pt x="120000" y="0"/>
+                </a:lnTo>
+                <a:lnTo>
+                  <a:pt x="120000" y="120000"/>
+                </a:lnTo>
+                <a:lnTo>
+                  <a:pt x="0" y="120000"/>
+                </a:lnTo>
+                <a:close/>
+              </a:path>
+            </a:pathLst>
+          </a:custGeom>
+        </p:spPr>
+      </p:sp>
+      <p:sp>
+        <p:nvSpPr>
+          <p:cNvPr id="267" name="Google Shape;267;g5110320caa_0_115:notes"/>
+          <p:cNvSpPr txBox="1"/>
+          <p:nvPr>
+            <p:ph idx="1" type="body"/>
+          </p:nvPr>
+        </p:nvSpPr>
+        <p:spPr>
+          <a:xfrm>
+            <a:off x="685800" y="4343400"/>
+            <a:ext cx="5486400" cy="4114800"/>
+          </a:xfrm>
+          <a:prstGeom prst="rect">
+            <a:avLst/>
+          </a:prstGeom>
+        </p:spPr>
+        <p:txBody>
+          <a:bodyPr anchorCtr="0" anchor="t" bIns="91425" lIns="91425" spcFirstLastPara="1" rIns="91425" wrap="square" tIns="91425">
+            <a:noAutofit/>
+          </a:bodyPr>
+          <a:lstStyle/>
+          <a:p>
+            <a:pPr indent="0" lvl="0" marL="0" rtl="0" algn="l">
+              <a:spcBef>
+                <a:spcPts val="0"/>
+              </a:spcBef>
+              <a:spcAft>
+                <a:spcPts val="0"/>
+              </a:spcAft>
+              <a:buNone/>
+            </a:pPr>
+            <a:r>
+              <a:t/>
+            </a:r>
+            <a:endParaRPr/>
+          </a:p>
+        </p:txBody>
+      </p:sp>
+    </p:spTree>
+  </p:cSld>
+  <p:clrMapOvr>
+    <a:masterClrMapping/>
+  </p:clrMapOvr>
+</p:notes>
+</file>
+
+<file path=ppt/notesSlides/notesSlide31.xml><?xml version="1.0" encoding="utf-8"?>
+<p:notes xmlns:a="http://schemas.openxmlformats.org/drawingml/2006/main" xmlns:r="http://schemas.openxmlformats.org/officeDocument/2006/relationships" xmlns:mc="http://schemas.openxmlformats.org/markup-compatibility/2006" xmlns:mv="urn:schemas-microsoft-com:mac:vml" xmlns:p="http://schemas.openxmlformats.org/presentationml/2006/main" xmlns:c="http://schemas.openxmlformats.org/drawingml/2006/chart" xmlns:dgm="http://schemas.openxmlformats.org/drawingml/2006/diagram" xmlns:o="urn:schemas-microsoft-com:office:office" xmlns:v="urn:schemas-microsoft-com:vml" xmlns:pvml="urn:schemas-microsoft-com:office:powerpoint" xmlns:com="http://schemas.openxmlformats.org/drawingml/2006/compatibility" xmlns:p14="http://schemas.microsoft.com/office/powerpoint/2010/main" xmlns:p15="http://schemas.microsoft.com/office/powerpoint/2012/main" showMasterPhAnim="0" showMasterSp="0">
+  <p:cSld>
+    <p:spTree>
+      <p:nvGrpSpPr>
+        <p:cNvPr id="270" name="Shape 270"/>
+        <p:cNvGrpSpPr/>
+        <p:nvPr/>
+      </p:nvGrpSpPr>
+      <p:grpSpPr>
+        <a:xfrm>
+          <a:off x="0" y="0"/>
+          <a:ext cx="0" cy="0"/>
+          <a:chOff x="0" y="0"/>
+          <a:chExt cx="0" cy="0"/>
+        </a:xfrm>
+      </p:grpSpPr>
+      <p:sp>
+        <p:nvSpPr>
+          <p:cNvPr id="271" name="Google Shape;271;g5110320caa_0_121:notes"/>
+          <p:cNvSpPr/>
+          <p:nvPr>
+            <p:ph idx="2" type="sldImg"/>
+          </p:nvPr>
+        </p:nvSpPr>
+        <p:spPr>
+          <a:xfrm>
+            <a:off x="381300" y="685800"/>
+            <a:ext cx="6096000" cy="3429000"/>
+          </a:xfrm>
+          <a:custGeom>
+            <a:rect b="b" l="l" r="r" t="t"/>
+            <a:pathLst>
+              <a:path extrusionOk="0" h="120000" w="120000">
+                <a:moveTo>
+                  <a:pt x="0" y="0"/>
+                </a:moveTo>
+                <a:lnTo>
+                  <a:pt x="120000" y="0"/>
+                </a:lnTo>
+                <a:lnTo>
+                  <a:pt x="120000" y="120000"/>
+                </a:lnTo>
+                <a:lnTo>
+                  <a:pt x="0" y="120000"/>
+                </a:lnTo>
+                <a:close/>
+              </a:path>
+            </a:pathLst>
+          </a:custGeom>
+        </p:spPr>
+      </p:sp>
+      <p:sp>
+        <p:nvSpPr>
+          <p:cNvPr id="272" name="Google Shape;272;g5110320caa_0_121:notes"/>
+          <p:cNvSpPr txBox="1"/>
+          <p:nvPr>
+            <p:ph idx="1" type="body"/>
+          </p:nvPr>
+        </p:nvSpPr>
+        <p:spPr>
+          <a:xfrm>
+            <a:off x="685800" y="4343400"/>
+            <a:ext cx="5486400" cy="4114800"/>
+          </a:xfrm>
+          <a:prstGeom prst="rect">
+            <a:avLst/>
+          </a:prstGeom>
+        </p:spPr>
+        <p:txBody>
+          <a:bodyPr anchorCtr="0" anchor="t" bIns="91425" lIns="91425" spcFirstLastPara="1" rIns="91425" wrap="square" tIns="91425">
+            <a:noAutofit/>
+          </a:bodyPr>
+          <a:lstStyle/>
+          <a:p>
+            <a:pPr indent="0" lvl="0" marL="0" rtl="0" algn="l">
+              <a:spcBef>
+                <a:spcPts val="0"/>
+              </a:spcBef>
+              <a:spcAft>
+                <a:spcPts val="0"/>
+              </a:spcAft>
+              <a:buNone/>
+            </a:pPr>
+            <a:r>
+              <a:t/>
+            </a:r>
+            <a:endParaRPr/>
+          </a:p>
+        </p:txBody>
+      </p:sp>
+    </p:spTree>
+  </p:cSld>
+  <p:clrMapOvr>
+    <a:masterClrMapping/>
+  </p:clrMapOvr>
+</p:notes>
+</file>
+
+<file path=ppt/notesSlides/notesSlide32.xml><?xml version="1.0" encoding="utf-8"?>
+<p:notes xmlns:a="http://schemas.openxmlformats.org/drawingml/2006/main" xmlns:r="http://schemas.openxmlformats.org/officeDocument/2006/relationships" xmlns:mc="http://schemas.openxmlformats.org/markup-compatibility/2006" xmlns:mv="urn:schemas-microsoft-com:mac:vml" xmlns:p="http://schemas.openxmlformats.org/presentationml/2006/main" xmlns:c="http://schemas.openxmlformats.org/drawingml/2006/chart" xmlns:dgm="http://schemas.openxmlformats.org/drawingml/2006/diagram" xmlns:o="urn:schemas-microsoft-com:office:office" xmlns:v="urn:schemas-microsoft-com:vml" xmlns:pvml="urn:schemas-microsoft-com:office:powerpoint" xmlns:com="http://schemas.openxmlformats.org/drawingml/2006/compatibility" xmlns:p14="http://schemas.microsoft.com/office/powerpoint/2010/main" xmlns:p15="http://schemas.microsoft.com/office/powerpoint/2012/main" showMasterPhAnim="0" showMasterSp="0">
+  <p:cSld>
+    <p:spTree>
+      <p:nvGrpSpPr>
+        <p:cNvPr id="275" name="Shape 275"/>
+        <p:cNvGrpSpPr/>
+        <p:nvPr/>
+      </p:nvGrpSpPr>
+      <p:grpSpPr>
+        <a:xfrm>
+          <a:off x="0" y="0"/>
+          <a:ext cx="0" cy="0"/>
+          <a:chOff x="0" y="0"/>
+          <a:chExt cx="0" cy="0"/>
+        </a:xfrm>
+      </p:grpSpPr>
+      <p:sp>
+        <p:nvSpPr>
+          <p:cNvPr id="276" name="Google Shape;276;g5110320caa_0_126:notes"/>
+          <p:cNvSpPr/>
+          <p:nvPr>
+            <p:ph idx="2" type="sldImg"/>
+          </p:nvPr>
+        </p:nvSpPr>
+        <p:spPr>
+          <a:xfrm>
+            <a:off x="381300" y="685800"/>
+            <a:ext cx="6096000" cy="3429000"/>
+          </a:xfrm>
+          <a:custGeom>
+            <a:rect b="b" l="l" r="r" t="t"/>
+            <a:pathLst>
+              <a:path extrusionOk="0" h="120000" w="120000">
+                <a:moveTo>
+                  <a:pt x="0" y="0"/>
+                </a:moveTo>
+                <a:lnTo>
+                  <a:pt x="120000" y="0"/>
+                </a:lnTo>
+                <a:lnTo>
+                  <a:pt x="120000" y="120000"/>
+                </a:lnTo>
+                <a:lnTo>
+                  <a:pt x="0" y="120000"/>
+                </a:lnTo>
+                <a:close/>
+              </a:path>
+            </a:pathLst>
+          </a:custGeom>
+        </p:spPr>
+      </p:sp>
+      <p:sp>
+        <p:nvSpPr>
+          <p:cNvPr id="277" name="Google Shape;277;g5110320caa_0_126:notes"/>
+          <p:cNvSpPr txBox="1"/>
+          <p:nvPr>
+            <p:ph idx="1" type="body"/>
+          </p:nvPr>
+        </p:nvSpPr>
+        <p:spPr>
+          <a:xfrm>
+            <a:off x="685800" y="4343400"/>
+            <a:ext cx="5486400" cy="4114800"/>
+          </a:xfrm>
+          <a:prstGeom prst="rect">
+            <a:avLst/>
+          </a:prstGeom>
+        </p:spPr>
+        <p:txBody>
+          <a:bodyPr anchorCtr="0" anchor="t" bIns="91425" lIns="91425" spcFirstLastPara="1" rIns="91425" wrap="square" tIns="91425">
+            <a:noAutofit/>
+          </a:bodyPr>
+          <a:lstStyle/>
+          <a:p>
+            <a:pPr indent="0" lvl="0" marL="0" rtl="0" algn="l">
+              <a:spcBef>
+                <a:spcPts val="0"/>
+              </a:spcBef>
+              <a:spcAft>
+                <a:spcPts val="0"/>
+              </a:spcAft>
+              <a:buNone/>
+            </a:pPr>
+            <a:r>
+              <a:t/>
+            </a:r>
+            <a:endParaRPr/>
+          </a:p>
+        </p:txBody>
+      </p:sp>
+    </p:spTree>
+  </p:cSld>
+  <p:clrMapOvr>
+    <a:masterClrMapping/>
+  </p:clrMapOvr>
+</p:notes>
+</file>
+
+<file path=ppt/notesSlides/notesSlide33.xml><?xml version="1.0" encoding="utf-8"?>
+<p:notes xmlns:a="http://schemas.openxmlformats.org/drawingml/2006/main" xmlns:r="http://schemas.openxmlformats.org/officeDocument/2006/relationships" xmlns:mc="http://schemas.openxmlformats.org/markup-compatibility/2006" xmlns:mv="urn:schemas-microsoft-com:mac:vml" xmlns:p="http://schemas.openxmlformats.org/presentationml/2006/main" xmlns:c="http://schemas.openxmlformats.org/drawingml/2006/chart" xmlns:dgm="http://schemas.openxmlformats.org/drawingml/2006/diagram" xmlns:o="urn:schemas-microsoft-com:office:office" xmlns:v="urn:schemas-microsoft-com:vml" xmlns:pvml="urn:schemas-microsoft-com:office:powerpoint" xmlns:com="http://schemas.openxmlformats.org/drawingml/2006/compatibility" xmlns:p14="http://schemas.microsoft.com/office/powerpoint/2010/main" xmlns:p15="http://schemas.microsoft.com/office/powerpoint/2012/main" showMasterPhAnim="0" showMasterSp="0">
+  <p:cSld>
+    <p:spTree>
+      <p:nvGrpSpPr>
+        <p:cNvPr id="280" name="Shape 280"/>
+        <p:cNvGrpSpPr/>
+        <p:nvPr/>
+      </p:nvGrpSpPr>
+      <p:grpSpPr>
+        <a:xfrm>
+          <a:off x="0" y="0"/>
+          <a:ext cx="0" cy="0"/>
+          <a:chOff x="0" y="0"/>
+          <a:chExt cx="0" cy="0"/>
+        </a:xfrm>
+      </p:grpSpPr>
+      <p:sp>
+        <p:nvSpPr>
+          <p:cNvPr id="281" name="Google Shape;281;g5110320caa_0_100:notes"/>
+          <p:cNvSpPr/>
+          <p:nvPr>
+            <p:ph idx="2" type="sldImg"/>
+          </p:nvPr>
+        </p:nvSpPr>
+        <p:spPr>
+          <a:xfrm>
+            <a:off x="381300" y="685800"/>
+            <a:ext cx="6096000" cy="3429000"/>
+          </a:xfrm>
+          <a:custGeom>
+            <a:rect b="b" l="l" r="r" t="t"/>
+            <a:pathLst>
+              <a:path extrusionOk="0" h="120000" w="120000">
+                <a:moveTo>
+                  <a:pt x="0" y="0"/>
+                </a:moveTo>
+                <a:lnTo>
+                  <a:pt x="120000" y="0"/>
+                </a:lnTo>
+                <a:lnTo>
+                  <a:pt x="120000" y="120000"/>
+                </a:lnTo>
+                <a:lnTo>
+                  <a:pt x="0" y="120000"/>
+                </a:lnTo>
+                <a:close/>
+              </a:path>
+            </a:pathLst>
+          </a:custGeom>
+        </p:spPr>
+      </p:sp>
+      <p:sp>
+        <p:nvSpPr>
+          <p:cNvPr id="282" name="Google Shape;282;g5110320caa_0_100:notes"/>
+          <p:cNvSpPr txBox="1"/>
+          <p:nvPr>
+            <p:ph idx="1" type="body"/>
+          </p:nvPr>
+        </p:nvSpPr>
+        <p:spPr>
+          <a:xfrm>
+            <a:off x="685800" y="4343400"/>
+            <a:ext cx="5486400" cy="4114800"/>
+          </a:xfrm>
+          <a:prstGeom prst="rect">
+            <a:avLst/>
+          </a:prstGeom>
+        </p:spPr>
+        <p:txBody>
+          <a:bodyPr anchorCtr="0" anchor="t" bIns="91425" lIns="91425" spcFirstLastPara="1" rIns="91425" wrap="square" tIns="91425">
+            <a:noAutofit/>
+          </a:bodyPr>
+          <a:lstStyle/>
+          <a:p>
+            <a:pPr indent="0" lvl="0" marL="0" rtl="0" algn="l">
+              <a:spcBef>
+                <a:spcPts val="0"/>
+              </a:spcBef>
+              <a:spcAft>
+                <a:spcPts val="0"/>
+              </a:spcAft>
+              <a:buNone/>
+            </a:pPr>
+            <a:r>
+              <a:t/>
+            </a:r>
+            <a:endParaRPr/>
+          </a:p>
+        </p:txBody>
+      </p:sp>
+    </p:spTree>
+  </p:cSld>
+  <p:clrMapOvr>
+    <a:masterClrMapping/>
+  </p:clrMapOvr>
+</p:notes>
+</file>
+
+<file path=ppt/notesSlides/notesSlide34.xml><?xml version="1.0" encoding="utf-8"?>
+<p:notes xmlns:a="http://schemas.openxmlformats.org/drawingml/2006/main" xmlns:r="http://schemas.openxmlformats.org/officeDocument/2006/relationships" xmlns:mc="http://schemas.openxmlformats.org/markup-compatibility/2006" xmlns:mv="urn:schemas-microsoft-com:mac:vml" xmlns:p="http://schemas.openxmlformats.org/presentationml/2006/main" xmlns:c="http://schemas.openxmlformats.org/drawingml/2006/chart" xmlns:dgm="http://schemas.openxmlformats.org/drawingml/2006/diagram" xmlns:o="urn:schemas-microsoft-com:office:office" xmlns:v="urn:schemas-microsoft-com:vml" xmlns:pvml="urn:schemas-microsoft-com:office:powerpoint" xmlns:com="http://schemas.openxmlformats.org/drawingml/2006/compatibility" xmlns:p14="http://schemas.microsoft.com/office/powerpoint/2010/main" xmlns:p15="http://schemas.microsoft.com/office/powerpoint/2012/main" showMasterPhAnim="0" showMasterSp="0">
+  <p:cSld>
+    <p:spTree>
+      <p:nvGrpSpPr>
+        <p:cNvPr id="289" name="Shape 289"/>
+        <p:cNvGrpSpPr/>
+        <p:nvPr/>
+      </p:nvGrpSpPr>
+      <p:grpSpPr>
+        <a:xfrm>
+          <a:off x="0" y="0"/>
+          <a:ext cx="0" cy="0"/>
+          <a:chOff x="0" y="0"/>
+          <a:chExt cx="0" cy="0"/>
+        </a:xfrm>
+      </p:grpSpPr>
+      <p:sp>
+        <p:nvSpPr>
+          <p:cNvPr id="290" name="Google Shape;290;g57f9366b05_0_141:notes"/>
+          <p:cNvSpPr/>
+          <p:nvPr>
+            <p:ph idx="2" type="sldImg"/>
+          </p:nvPr>
+        </p:nvSpPr>
+        <p:spPr>
+          <a:xfrm>
+            <a:off x="381300" y="685800"/>
+            <a:ext cx="6096000" cy="3429000"/>
+          </a:xfrm>
+          <a:custGeom>
+            <a:rect b="b" l="l" r="r" t="t"/>
+            <a:pathLst>
+              <a:path extrusionOk="0" h="120000" w="120000">
+                <a:moveTo>
+                  <a:pt x="0" y="0"/>
+                </a:moveTo>
+                <a:lnTo>
+                  <a:pt x="120000" y="0"/>
+                </a:lnTo>
+                <a:lnTo>
+                  <a:pt x="120000" y="120000"/>
+                </a:lnTo>
+                <a:lnTo>
+                  <a:pt x="0" y="120000"/>
+                </a:lnTo>
+                <a:close/>
+              </a:path>
+            </a:pathLst>
+          </a:custGeom>
+        </p:spPr>
+      </p:sp>
+      <p:sp>
+        <p:nvSpPr>
+          <p:cNvPr id="291" name="Google Shape;291;g57f9366b05_0_141:notes"/>
           <p:cNvSpPr txBox="1"/>
           <p:nvPr>
             <p:ph idx="1" type="body"/>
@@ -2102,7 +3602,7 @@
   <p:cSld>
     <p:spTree>
       <p:nvGrpSpPr>
-        <p:cNvPr id="115" name="Shape 115"/>
+        <p:cNvPr id="114" name="Shape 114"/>
         <p:cNvGrpSpPr/>
         <p:nvPr/>
       </p:nvGrpSpPr>
@@ -2116,7 +3616,7 @@
       </p:grpSpPr>
       <p:sp>
         <p:nvSpPr>
-          <p:cNvPr id="116" name="Google Shape;116;g57f9366b05_0_37:notes"/>
+          <p:cNvPr id="115" name="Google Shape;115;g5110320caa_0_30:notes"/>
           <p:cNvSpPr/>
           <p:nvPr>
             <p:ph idx="2" type="sldImg"/>
@@ -2151,7 +3651,7 @@
       </p:sp>
       <p:sp>
         <p:nvSpPr>
-          <p:cNvPr id="117" name="Google Shape;117;g57f9366b05_0_37:notes"/>
+          <p:cNvPr id="116" name="Google Shape;116;g5110320caa_0_30:notes"/>
           <p:cNvSpPr txBox="1"/>
           <p:nvPr>
             <p:ph idx="1" type="body"/>
@@ -2201,7 +3701,7 @@
   <p:cSld>
     <p:spTree>
       <p:nvGrpSpPr>
-        <p:cNvPr id="125" name="Shape 125"/>
+        <p:cNvPr id="120" name="Shape 120"/>
         <p:cNvGrpSpPr/>
         <p:nvPr/>
       </p:nvGrpSpPr>
@@ -2215,7 +3715,7 @@
       </p:grpSpPr>
       <p:sp>
         <p:nvSpPr>
-          <p:cNvPr id="126" name="Google Shape;126;g57f9366b05_0_47:notes"/>
+          <p:cNvPr id="121" name="Google Shape;121;g57f9366b05_0_37:notes"/>
           <p:cNvSpPr/>
           <p:nvPr>
             <p:ph idx="2" type="sldImg"/>
@@ -2223,8 +3723,8 @@
         </p:nvSpPr>
         <p:spPr>
           <a:xfrm>
-            <a:off x="381188" y="685800"/>
-            <a:ext cx="6096300" cy="3429000"/>
+            <a:off x="381300" y="685800"/>
+            <a:ext cx="6096000" cy="3429000"/>
           </a:xfrm>
           <a:custGeom>
             <a:rect b="b" l="l" r="r" t="t"/>
@@ -2250,7 +3750,7 @@
       </p:sp>
       <p:sp>
         <p:nvSpPr>
-          <p:cNvPr id="127" name="Google Shape;127;g57f9366b05_0_47:notes"/>
+          <p:cNvPr id="122" name="Google Shape;122;g57f9366b05_0_37:notes"/>
           <p:cNvSpPr txBox="1"/>
           <p:nvPr>
             <p:ph idx="1" type="body"/>
@@ -2314,7 +3814,7 @@
       </p:grpSpPr>
       <p:sp>
         <p:nvSpPr>
-          <p:cNvPr id="131" name="Google Shape;131;g57f9366b05_0_51:notes"/>
+          <p:cNvPr id="131" name="Google Shape;131;g5110320caa_0_131:notes"/>
           <p:cNvSpPr/>
           <p:nvPr>
             <p:ph idx="2" type="sldImg"/>
@@ -2349,7 +3849,7 @@
       </p:sp>
       <p:sp>
         <p:nvSpPr>
-          <p:cNvPr id="132" name="Google Shape;132;g57f9366b05_0_51:notes"/>
+          <p:cNvPr id="132" name="Google Shape;132;g5110320caa_0_131:notes"/>
           <p:cNvSpPr txBox="1"/>
           <p:nvPr>
             <p:ph idx="1" type="body"/>
@@ -2399,7 +3899,7 @@
   <p:cSld>
     <p:spTree>
       <p:nvGrpSpPr>
-        <p:cNvPr id="137" name="Shape 137"/>
+        <p:cNvPr id="135" name="Shape 135"/>
         <p:cNvGrpSpPr/>
         <p:nvPr/>
       </p:nvGrpSpPr>
@@ -2413,7 +3913,7 @@
       </p:grpSpPr>
       <p:sp>
         <p:nvSpPr>
-          <p:cNvPr id="138" name="Google Shape;138;g57f9366b05_0_57:notes"/>
+          <p:cNvPr id="136" name="Google Shape;136;g5110320caa_0_135:notes"/>
           <p:cNvSpPr/>
           <p:nvPr>
             <p:ph idx="2" type="sldImg"/>
@@ -2421,8 +3921,8 @@
         </p:nvSpPr>
         <p:spPr>
           <a:xfrm>
-            <a:off x="381300" y="685800"/>
-            <a:ext cx="6096000" cy="3429000"/>
+            <a:off x="381188" y="685800"/>
+            <a:ext cx="6096300" cy="3429000"/>
           </a:xfrm>
           <a:custGeom>
             <a:rect b="b" l="l" r="r" t="t"/>
@@ -2448,7 +3948,7 @@
       </p:sp>
       <p:sp>
         <p:nvSpPr>
-          <p:cNvPr id="139" name="Google Shape;139;g57f9366b05_0_57:notes"/>
+          <p:cNvPr id="137" name="Google Shape;137;g5110320caa_0_135:notes"/>
           <p:cNvSpPr txBox="1"/>
           <p:nvPr>
             <p:ph idx="1" type="body"/>
@@ -2498,7 +3998,7 @@
   <p:cSld>
     <p:spTree>
       <p:nvGrpSpPr>
-        <p:cNvPr id="145" name="Shape 145"/>
+        <p:cNvPr id="141" name="Shape 141"/>
         <p:cNvGrpSpPr/>
         <p:nvPr/>
       </p:nvGrpSpPr>
@@ -2512,7 +4012,7 @@
       </p:grpSpPr>
       <p:sp>
         <p:nvSpPr>
-          <p:cNvPr id="146" name="Google Shape;146;gc6f9e470d_0_24:notes"/>
+          <p:cNvPr id="142" name="Google Shape;142;g5110320caa_0_141:notes"/>
           <p:cNvSpPr/>
           <p:nvPr>
             <p:ph idx="2" type="sldImg"/>
@@ -2520,8 +4020,8 @@
         </p:nvSpPr>
         <p:spPr>
           <a:xfrm>
-            <a:off x="381188" y="685800"/>
-            <a:ext cx="6096300" cy="3429000"/>
+            <a:off x="381300" y="685800"/>
+            <a:ext cx="6096000" cy="3429000"/>
           </a:xfrm>
           <a:custGeom>
             <a:rect b="b" l="l" r="r" t="t"/>
@@ -2547,7 +4047,7 @@
       </p:sp>
       <p:sp>
         <p:nvSpPr>
-          <p:cNvPr id="147" name="Google Shape;147;gc6f9e470d_0_24:notes"/>
+          <p:cNvPr id="143" name="Google Shape;143;g5110320caa_0_141:notes"/>
           <p:cNvSpPr txBox="1"/>
           <p:nvPr>
             <p:ph idx="1" type="body"/>
@@ -9890,7 +11390,7 @@
             </a:pPr>
             <a:r>
               <a:rPr lang="en"/>
-              <a:t>By:	Prayag Jain (170001037)</a:t>
+              <a:t>By :	 Prayag Jain (170001037)</a:t>
             </a:r>
             <a:endParaRPr/>
           </a:p>
@@ -9906,7 +11406,7 @@
             </a:pPr>
             <a:r>
               <a:rPr lang="en"/>
-              <a:t>	Yasasvi V Peruvemba (170002061)</a:t>
+              <a:t>	 Yasasvi V Peruvemba (170002061)</a:t>
             </a:r>
             <a:endParaRPr/>
           </a:p>
@@ -9925,7 +11425,7 @@
   <p:cSld>
     <p:spTree>
       <p:nvGrpSpPr>
-        <p:cNvPr id="154" name="Shape 154"/>
+        <p:cNvPr id="151" name="Shape 151"/>
         <p:cNvGrpSpPr/>
         <p:nvPr/>
       </p:nvGrpSpPr>
@@ -9937,50 +11437,34 @@
           <a:chExt cx="0" cy="0"/>
         </a:xfrm>
       </p:grpSpPr>
-      <p:sp>
-        <p:nvSpPr>
-          <p:cNvPr id="155" name="Google Shape;155;p23"/>
-          <p:cNvSpPr txBox="1"/>
-          <p:nvPr>
-            <p:ph type="title"/>
-          </p:nvPr>
-        </p:nvSpPr>
-        <p:spPr>
-          <a:xfrm>
-            <a:off x="598100" y="2152347"/>
-            <a:ext cx="8222100" cy="838800"/>
+      <p:pic>
+        <p:nvPicPr>
+          <p:cNvPr id="152" name="Google Shape;152;p23"/>
+          <p:cNvPicPr preferRelativeResize="0"/>
+          <p:nvPr/>
+        </p:nvPicPr>
+        <p:blipFill>
+          <a:blip r:embed="rId3">
+            <a:alphaModFix/>
+          </a:blip>
+          <a:stretch>
+            <a:fillRect/>
+          </a:stretch>
+        </p:blipFill>
+        <p:spPr>
+          <a:xfrm>
+            <a:off x="129175" y="190400"/>
+            <a:ext cx="8885650" cy="4762700"/>
           </a:xfrm>
           <a:prstGeom prst="rect">
             <a:avLst/>
           </a:prstGeom>
-        </p:spPr>
-        <p:txBody>
-          <a:bodyPr anchorCtr="0" anchor="ctr" bIns="91425" lIns="91425" spcFirstLastPara="1" rIns="91425" wrap="square" tIns="91425">
-            <a:noAutofit/>
-          </a:bodyPr>
-          <a:lstStyle/>
-          <a:p>
-            <a:pPr indent="0" lvl="0" marL="0" rtl="0" algn="l">
-              <a:spcBef>
-                <a:spcPts val="0"/>
-              </a:spcBef>
-              <a:spcAft>
-                <a:spcPts val="0"/>
-              </a:spcAft>
-              <a:buNone/>
-            </a:pPr>
-            <a:r>
-              <a:rPr lang="en" sz="3600"/>
-              <a:t>Viterbi</a:t>
-            </a:r>
-            <a:r>
-              <a:rPr lang="en" sz="3600"/>
-              <a:t> Algorithm</a:t>
-            </a:r>
-            <a:endParaRPr sz="3600"/>
-          </a:p>
-        </p:txBody>
-      </p:sp>
+          <a:noFill/>
+          <a:ln>
+            <a:noFill/>
+          </a:ln>
+        </p:spPr>
+      </p:pic>
     </p:spTree>
   </p:cSld>
   <p:clrMapOvr>
@@ -9994,7 +11478,7 @@
   <p:cSld>
     <p:spTree>
       <p:nvGrpSpPr>
-        <p:cNvPr id="159" name="Shape 159"/>
+        <p:cNvPr id="156" name="Shape 156"/>
         <p:cNvGrpSpPr/>
         <p:nvPr/>
       </p:nvGrpSpPr>
@@ -10006,111 +11490,23 @@
           <a:chExt cx="0" cy="0"/>
         </a:xfrm>
       </p:grpSpPr>
-      <p:sp>
-        <p:nvSpPr>
-          <p:cNvPr id="160" name="Google Shape;160;p24"/>
-          <p:cNvSpPr txBox="1"/>
-          <p:nvPr>
-            <p:ph type="title"/>
-          </p:nvPr>
-        </p:nvSpPr>
-        <p:spPr>
-          <a:xfrm>
-            <a:off x="4796675" y="1469575"/>
-            <a:ext cx="4045200" cy="1564500"/>
-          </a:xfrm>
-          <a:prstGeom prst="rect">
-            <a:avLst/>
-          </a:prstGeom>
-        </p:spPr>
-        <p:txBody>
-          <a:bodyPr anchorCtr="0" anchor="b" bIns="91425" lIns="91425" spcFirstLastPara="1" rIns="91425" wrap="square" tIns="91425">
-            <a:noAutofit/>
-          </a:bodyPr>
-          <a:lstStyle/>
-          <a:p>
-            <a:pPr indent="0" lvl="0" marL="0" rtl="0" algn="ctr">
-              <a:spcBef>
-                <a:spcPts val="0"/>
-              </a:spcBef>
-              <a:spcAft>
-                <a:spcPts val="0"/>
-              </a:spcAft>
-              <a:buNone/>
-            </a:pPr>
-            <a:r>
-              <a:rPr lang="en">
-                <a:solidFill>
-                  <a:srgbClr val="FFFFFF"/>
-                </a:solidFill>
-              </a:rPr>
-              <a:t>Definition</a:t>
-            </a:r>
-            <a:endParaRPr>
-              <a:solidFill>
-                <a:srgbClr val="FFFFFF"/>
-              </a:solidFill>
-            </a:endParaRPr>
-          </a:p>
-        </p:txBody>
-      </p:sp>
-      <p:sp>
-        <p:nvSpPr>
-          <p:cNvPr id="161" name="Google Shape;161;p24"/>
-          <p:cNvSpPr txBox="1"/>
-          <p:nvPr>
-            <p:ph idx="1" type="subTitle"/>
-          </p:nvPr>
-        </p:nvSpPr>
-        <p:spPr>
-          <a:xfrm>
-            <a:off x="265500" y="2769001"/>
-            <a:ext cx="4045200" cy="1269300"/>
-          </a:xfrm>
-          <a:prstGeom prst="rect">
-            <a:avLst/>
-          </a:prstGeom>
-        </p:spPr>
-        <p:txBody>
-          <a:bodyPr anchorCtr="0" anchor="t" bIns="91425" lIns="91425" spcFirstLastPara="1" rIns="91425" wrap="square" tIns="91425">
-            <a:noAutofit/>
-          </a:bodyPr>
-          <a:lstStyle/>
-          <a:p>
-            <a:pPr indent="0" lvl="0" marL="0" rtl="0" algn="ctr">
-              <a:spcBef>
-                <a:spcPts val="0"/>
-              </a:spcBef>
-              <a:spcAft>
-                <a:spcPts val="0"/>
-              </a:spcAft>
-              <a:buNone/>
-            </a:pPr>
-            <a:r>
-              <a:t/>
-            </a:r>
-            <a:endParaRPr/>
-          </a:p>
-        </p:txBody>
-      </p:sp>
       <p:pic>
         <p:nvPicPr>
-          <p:cNvPr id="162" name="Google Shape;162;p24"/>
+          <p:cNvPr id="157" name="Google Shape;157;p24"/>
           <p:cNvPicPr preferRelativeResize="0"/>
           <p:nvPr/>
         </p:nvPicPr>
-        <p:blipFill>
+        <p:blipFill rotWithShape="1">
           <a:blip r:embed="rId3">
             <a:alphaModFix/>
           </a:blip>
-          <a:stretch>
-            <a:fillRect/>
-          </a:stretch>
+          <a:srcRect b="49996" l="59553" r="6429" t="17670"/>
+          <a:stretch/>
         </p:blipFill>
         <p:spPr>
           <a:xfrm>
-            <a:off x="2100" y="1983247"/>
-            <a:ext cx="4572000" cy="1401202"/>
+            <a:off x="617750" y="370400"/>
+            <a:ext cx="7775699" cy="4155350"/>
           </a:xfrm>
           <a:prstGeom prst="rect">
             <a:avLst/>
@@ -10130,6 +11526,58 @@
 </file>
 
 <file path=ppt/slides/slide12.xml><?xml version="1.0" encoding="utf-8"?>
+<p:sld xmlns:a="http://schemas.openxmlformats.org/drawingml/2006/main" xmlns:r="http://schemas.openxmlformats.org/officeDocument/2006/relationships" xmlns:mc="http://schemas.openxmlformats.org/markup-compatibility/2006" xmlns:mv="urn:schemas-microsoft-com:mac:vml" xmlns:p="http://schemas.openxmlformats.org/presentationml/2006/main" xmlns:c="http://schemas.openxmlformats.org/drawingml/2006/chart" xmlns:dgm="http://schemas.openxmlformats.org/drawingml/2006/diagram" xmlns:o="urn:schemas-microsoft-com:office:office" xmlns:v="urn:schemas-microsoft-com:vml" xmlns:pvml="urn:schemas-microsoft-com:office:powerpoint" xmlns:com="http://schemas.openxmlformats.org/drawingml/2006/compatibility" xmlns:p14="http://schemas.microsoft.com/office/powerpoint/2010/main" xmlns:p15="http://schemas.microsoft.com/office/powerpoint/2012/main">
+  <p:cSld>
+    <p:spTree>
+      <p:nvGrpSpPr>
+        <p:cNvPr id="161" name="Shape 161"/>
+        <p:cNvGrpSpPr/>
+        <p:nvPr/>
+      </p:nvGrpSpPr>
+      <p:grpSpPr>
+        <a:xfrm>
+          <a:off x="0" y="0"/>
+          <a:ext cx="0" cy="0"/>
+          <a:chOff x="0" y="0"/>
+          <a:chExt cx="0" cy="0"/>
+        </a:xfrm>
+      </p:grpSpPr>
+      <p:pic>
+        <p:nvPicPr>
+          <p:cNvPr id="162" name="Google Shape;162;p25"/>
+          <p:cNvPicPr preferRelativeResize="0"/>
+          <p:nvPr/>
+        </p:nvPicPr>
+        <p:blipFill rotWithShape="1">
+          <a:blip r:embed="rId3">
+            <a:alphaModFix/>
+          </a:blip>
+          <a:srcRect b="48751" l="59397" r="6585" t="17944"/>
+          <a:stretch/>
+        </p:blipFill>
+        <p:spPr>
+          <a:xfrm>
+            <a:off x="419650" y="231525"/>
+            <a:ext cx="8108074" cy="4463124"/>
+          </a:xfrm>
+          <a:prstGeom prst="rect">
+            <a:avLst/>
+          </a:prstGeom>
+          <a:noFill/>
+          <a:ln>
+            <a:noFill/>
+          </a:ln>
+        </p:spPr>
+      </p:pic>
+    </p:spTree>
+  </p:cSld>
+  <p:clrMapOvr>
+    <a:masterClrMapping/>
+  </p:clrMapOvr>
+</p:sld>
+</file>
+
+<file path=ppt/slides/slide13.xml><?xml version="1.0" encoding="utf-8"?>
 <p:sld xmlns:a="http://schemas.openxmlformats.org/drawingml/2006/main" xmlns:r="http://schemas.openxmlformats.org/officeDocument/2006/relationships" xmlns:mc="http://schemas.openxmlformats.org/markup-compatibility/2006" xmlns:mv="urn:schemas-microsoft-com:mac:vml" xmlns:p="http://schemas.openxmlformats.org/presentationml/2006/main" xmlns:c="http://schemas.openxmlformats.org/drawingml/2006/chart" xmlns:dgm="http://schemas.openxmlformats.org/drawingml/2006/diagram" xmlns:o="urn:schemas-microsoft-com:office:office" xmlns:v="urn:schemas-microsoft-com:vml" xmlns:pvml="urn:schemas-microsoft-com:office:powerpoint" xmlns:com="http://schemas.openxmlformats.org/drawingml/2006/compatibility" xmlns:p14="http://schemas.microsoft.com/office/powerpoint/2010/main" xmlns:p15="http://schemas.microsoft.com/office/powerpoint/2012/main">
   <p:cSld>
     <p:spTree>
@@ -10146,302 +11594,23 @@
           <a:chExt cx="0" cy="0"/>
         </a:xfrm>
       </p:grpSpPr>
-      <p:sp>
-        <p:nvSpPr>
-          <p:cNvPr id="167" name="Google Shape;167;p25"/>
-          <p:cNvSpPr txBox="1"/>
-          <p:nvPr>
-            <p:ph type="title"/>
-          </p:nvPr>
-        </p:nvSpPr>
-        <p:spPr>
-          <a:xfrm>
-            <a:off x="311700" y="410000"/>
-            <a:ext cx="8520600" cy="607800"/>
-          </a:xfrm>
-          <a:prstGeom prst="rect">
-            <a:avLst/>
-          </a:prstGeom>
-        </p:spPr>
-        <p:txBody>
-          <a:bodyPr anchorCtr="0" anchor="t" bIns="91425" lIns="91425" spcFirstLastPara="1" rIns="91425" wrap="square" tIns="91425">
-            <a:noAutofit/>
-          </a:bodyPr>
-          <a:lstStyle/>
-          <a:p>
-            <a:pPr indent="0" lvl="0" marL="0" rtl="0" algn="l">
-              <a:spcBef>
-                <a:spcPts val="0"/>
-              </a:spcBef>
-              <a:spcAft>
-                <a:spcPts val="0"/>
-              </a:spcAft>
-              <a:buNone/>
-            </a:pPr>
-            <a:r>
-              <a:rPr lang="en"/>
-              <a:t>Pseudocode</a:t>
-            </a:r>
-            <a:endParaRPr/>
-          </a:p>
-        </p:txBody>
-      </p:sp>
-      <p:sp>
-        <p:nvSpPr>
-          <p:cNvPr id="168" name="Google Shape;168;p25"/>
-          <p:cNvSpPr txBox="1"/>
-          <p:nvPr>
-            <p:ph idx="1" type="body"/>
-          </p:nvPr>
-        </p:nvSpPr>
-        <p:spPr>
-          <a:xfrm>
-            <a:off x="311700" y="1229875"/>
-            <a:ext cx="8520600" cy="3339000"/>
-          </a:xfrm>
-          <a:prstGeom prst="rect">
-            <a:avLst/>
-          </a:prstGeom>
-        </p:spPr>
-        <p:txBody>
-          <a:bodyPr anchorCtr="0" anchor="t" bIns="91425" lIns="91425" spcFirstLastPara="1" rIns="91425" wrap="square" tIns="91425">
-            <a:noAutofit/>
-          </a:bodyPr>
-          <a:lstStyle/>
-          <a:p>
-            <a:pPr indent="0" lvl="0" marL="0" rtl="0" algn="l">
-              <a:spcBef>
-                <a:spcPts val="0"/>
-              </a:spcBef>
-              <a:spcAft>
-                <a:spcPts val="1600"/>
-              </a:spcAft>
-              <a:buNone/>
-            </a:pPr>
-            <a:r>
-              <a:t/>
-            </a:r>
-            <a:endParaRPr/>
-          </a:p>
-        </p:txBody>
-      </p:sp>
-      <p:sp>
-        <p:nvSpPr>
-          <p:cNvPr id="169" name="Google Shape;169;p25"/>
-          <p:cNvSpPr txBox="1"/>
-          <p:nvPr/>
-        </p:nvSpPr>
-        <p:spPr>
-          <a:xfrm>
-            <a:off x="5273675" y="2382775"/>
-            <a:ext cx="5511000" cy="1033200"/>
-          </a:xfrm>
-          <a:prstGeom prst="rect">
-            <a:avLst/>
-          </a:prstGeom>
-          <a:noFill/>
-          <a:ln>
-            <a:noFill/>
-          </a:ln>
-        </p:spPr>
-        <p:txBody>
-          <a:bodyPr anchorCtr="0" anchor="t" bIns="91425" lIns="91425" spcFirstLastPara="1" rIns="91425" wrap="square" tIns="91425">
-            <a:noAutofit/>
-          </a:bodyPr>
-          <a:lstStyle/>
-          <a:p>
-            <a:pPr indent="0" lvl="0" marL="0" rtl="0" algn="l">
-              <a:spcBef>
-                <a:spcPts val="0"/>
-              </a:spcBef>
-              <a:spcAft>
-                <a:spcPts val="0"/>
-              </a:spcAft>
-              <a:buNone/>
-            </a:pPr>
-            <a:r>
-              <a:rPr lang="en" u="sng">
-                <a:solidFill>
-                  <a:schemeClr val="hlink"/>
-                </a:solidFill>
-                <a:latin typeface="Roboto"/>
-                <a:ea typeface="Roboto"/>
-                <a:cs typeface="Roboto"/>
-                <a:sym typeface="Roboto"/>
-                <a:hlinkClick r:id="rId3"/>
-              </a:rPr>
-              <a:t>Viterbi C++ Implementation</a:t>
-            </a:r>
-            <a:endParaRPr>
-              <a:latin typeface="Roboto"/>
-              <a:ea typeface="Roboto"/>
-              <a:cs typeface="Roboto"/>
-              <a:sym typeface="Roboto"/>
-            </a:endParaRPr>
-          </a:p>
-        </p:txBody>
-      </p:sp>
       <p:pic>
         <p:nvPicPr>
-          <p:cNvPr id="170" name="Google Shape;170;p25"/>
+          <p:cNvPr id="167" name="Google Shape;167;p26"/>
           <p:cNvPicPr preferRelativeResize="0"/>
           <p:nvPr/>
         </p:nvPicPr>
-        <p:blipFill>
-          <a:blip r:embed="rId4">
-            <a:alphaModFix/>
-          </a:blip>
-          <a:stretch>
-            <a:fillRect/>
-          </a:stretch>
-        </p:blipFill>
-        <p:spPr>
-          <a:xfrm>
-            <a:off x="311703" y="1094350"/>
-            <a:ext cx="3715275" cy="3543799"/>
-          </a:xfrm>
-          <a:prstGeom prst="rect">
-            <a:avLst/>
-          </a:prstGeom>
-          <a:noFill/>
-          <a:ln>
-            <a:noFill/>
-          </a:ln>
-        </p:spPr>
-      </p:pic>
-    </p:spTree>
-  </p:cSld>
-  <p:clrMapOvr>
-    <a:masterClrMapping/>
-  </p:clrMapOvr>
-</p:sld>
-</file>
-
-<file path=ppt/slides/slide13.xml><?xml version="1.0" encoding="utf-8"?>
-<p:sld xmlns:a="http://schemas.openxmlformats.org/drawingml/2006/main" xmlns:r="http://schemas.openxmlformats.org/officeDocument/2006/relationships" xmlns:mc="http://schemas.openxmlformats.org/markup-compatibility/2006" xmlns:mv="urn:schemas-microsoft-com:mac:vml" xmlns:p="http://schemas.openxmlformats.org/presentationml/2006/main" xmlns:c="http://schemas.openxmlformats.org/drawingml/2006/chart" xmlns:dgm="http://schemas.openxmlformats.org/drawingml/2006/diagram" xmlns:o="urn:schemas-microsoft-com:office:office" xmlns:v="urn:schemas-microsoft-com:vml" xmlns:pvml="urn:schemas-microsoft-com:office:powerpoint" xmlns:com="http://schemas.openxmlformats.org/drawingml/2006/compatibility" xmlns:p14="http://schemas.microsoft.com/office/powerpoint/2010/main" xmlns:p15="http://schemas.microsoft.com/office/powerpoint/2012/main">
-  <p:cSld>
-    <p:spTree>
-      <p:nvGrpSpPr>
-        <p:cNvPr id="174" name="Shape 174"/>
-        <p:cNvGrpSpPr/>
-        <p:nvPr/>
-      </p:nvGrpSpPr>
-      <p:grpSpPr>
-        <a:xfrm>
-          <a:off x="0" y="0"/>
-          <a:ext cx="0" cy="0"/>
-          <a:chOff x="0" y="0"/>
-          <a:chExt cx="0" cy="0"/>
-        </a:xfrm>
-      </p:grpSpPr>
-      <p:sp>
-        <p:nvSpPr>
-          <p:cNvPr id="175" name="Google Shape;175;p26"/>
-          <p:cNvSpPr txBox="1"/>
-          <p:nvPr/>
-        </p:nvSpPr>
-        <p:spPr>
-          <a:xfrm>
-            <a:off x="474550" y="1844700"/>
-            <a:ext cx="3505500" cy="3298800"/>
-          </a:xfrm>
-          <a:prstGeom prst="rect">
-            <a:avLst/>
-          </a:prstGeom>
-          <a:noFill/>
-          <a:ln>
-            <a:noFill/>
-          </a:ln>
-        </p:spPr>
-        <p:txBody>
-          <a:bodyPr anchorCtr="0" anchor="t" bIns="91425" lIns="91425" spcFirstLastPara="1" rIns="91425" wrap="square" tIns="91425">
-            <a:noAutofit/>
-          </a:bodyPr>
-          <a:lstStyle/>
-          <a:p>
-            <a:pPr indent="0" lvl="0" marL="0" rtl="0" algn="ctr">
-              <a:spcBef>
-                <a:spcPts val="0"/>
-              </a:spcBef>
-              <a:spcAft>
-                <a:spcPts val="0"/>
-              </a:spcAft>
-              <a:buNone/>
-            </a:pPr>
-            <a:r>
-              <a:rPr lang="en" sz="3000">
-                <a:solidFill>
-                  <a:srgbClr val="FFFFFF"/>
-                </a:solidFill>
-                <a:latin typeface="Roboto"/>
-                <a:ea typeface="Roboto"/>
-                <a:cs typeface="Roboto"/>
-                <a:sym typeface="Roboto"/>
-              </a:rPr>
-              <a:t>Time </a:t>
-            </a:r>
-            <a:endParaRPr sz="3000">
-              <a:solidFill>
-                <a:srgbClr val="FFFFFF"/>
-              </a:solidFill>
-              <a:latin typeface="Roboto"/>
-              <a:ea typeface="Roboto"/>
-              <a:cs typeface="Roboto"/>
-              <a:sym typeface="Roboto"/>
-            </a:endParaRPr>
-          </a:p>
-          <a:p>
-            <a:pPr indent="0" lvl="0" marL="0" rtl="0" algn="ctr">
-              <a:spcBef>
-                <a:spcPts val="0"/>
-              </a:spcBef>
-              <a:spcAft>
-                <a:spcPts val="0"/>
-              </a:spcAft>
-              <a:buNone/>
-            </a:pPr>
-            <a:r>
-              <a:rPr lang="en" sz="3000">
-                <a:solidFill>
-                  <a:srgbClr val="FFFFFF"/>
-                </a:solidFill>
-                <a:latin typeface="Roboto"/>
-                <a:ea typeface="Roboto"/>
-                <a:cs typeface="Roboto"/>
-                <a:sym typeface="Roboto"/>
-              </a:rPr>
-              <a:t>Complexity</a:t>
-            </a:r>
-            <a:endParaRPr sz="3000">
-              <a:solidFill>
-                <a:srgbClr val="FFFFFF"/>
-              </a:solidFill>
-              <a:latin typeface="Roboto"/>
-              <a:ea typeface="Roboto"/>
-              <a:cs typeface="Roboto"/>
-              <a:sym typeface="Roboto"/>
-            </a:endParaRPr>
-          </a:p>
-        </p:txBody>
-      </p:sp>
-      <p:pic>
-        <p:nvPicPr>
-          <p:cNvPr id="176" name="Google Shape;176;p26"/>
-          <p:cNvPicPr preferRelativeResize="0"/>
-          <p:nvPr/>
-        </p:nvPicPr>
-        <p:blipFill>
+        <p:blipFill rotWithShape="1">
           <a:blip r:embed="rId3">
             <a:alphaModFix/>
           </a:blip>
-          <a:stretch>
-            <a:fillRect/>
-          </a:stretch>
+          <a:srcRect b="48751" l="59397" r="6117" t="17944"/>
+          <a:stretch/>
         </p:blipFill>
         <p:spPr>
           <a:xfrm>
-            <a:off x="4572000" y="1645525"/>
-            <a:ext cx="4572001" cy="1852438"/>
+            <a:off x="335275" y="203700"/>
+            <a:ext cx="8313326" cy="4514001"/>
           </a:xfrm>
           <a:prstGeom prst="rect">
             <a:avLst/>
@@ -10465,7 +11634,59 @@
   <p:cSld>
     <p:spTree>
       <p:nvGrpSpPr>
-        <p:cNvPr id="180" name="Shape 180"/>
+        <p:cNvPr id="171" name="Shape 171"/>
+        <p:cNvGrpSpPr/>
+        <p:nvPr/>
+      </p:nvGrpSpPr>
+      <p:grpSpPr>
+        <a:xfrm>
+          <a:off x="0" y="0"/>
+          <a:ext cx="0" cy="0"/>
+          <a:chOff x="0" y="0"/>
+          <a:chExt cx="0" cy="0"/>
+        </a:xfrm>
+      </p:grpSpPr>
+      <p:pic>
+        <p:nvPicPr>
+          <p:cNvPr id="172" name="Google Shape;172;p27"/>
+          <p:cNvPicPr preferRelativeResize="0"/>
+          <p:nvPr/>
+        </p:nvPicPr>
+        <p:blipFill rotWithShape="1">
+          <a:blip r:embed="rId3">
+            <a:alphaModFix/>
+          </a:blip>
+          <a:srcRect b="48750" l="59552" r="5805" t="17667"/>
+          <a:stretch/>
+        </p:blipFill>
+        <p:spPr>
+          <a:xfrm>
+            <a:off x="404300" y="217475"/>
+            <a:ext cx="8244298" cy="4493451"/>
+          </a:xfrm>
+          <a:prstGeom prst="rect">
+            <a:avLst/>
+          </a:prstGeom>
+          <a:noFill/>
+          <a:ln>
+            <a:noFill/>
+          </a:ln>
+        </p:spPr>
+      </p:pic>
+    </p:spTree>
+  </p:cSld>
+  <p:clrMapOvr>
+    <a:masterClrMapping/>
+  </p:clrMapOvr>
+</p:sld>
+</file>
+
+<file path=ppt/slides/slide15.xml><?xml version="1.0" encoding="utf-8"?>
+<p:sld xmlns:a="http://schemas.openxmlformats.org/drawingml/2006/main" xmlns:r="http://schemas.openxmlformats.org/officeDocument/2006/relationships" xmlns:mc="http://schemas.openxmlformats.org/markup-compatibility/2006" xmlns:mv="urn:schemas-microsoft-com:mac:vml" xmlns:p="http://schemas.openxmlformats.org/presentationml/2006/main" xmlns:c="http://schemas.openxmlformats.org/drawingml/2006/chart" xmlns:dgm="http://schemas.openxmlformats.org/drawingml/2006/diagram" xmlns:o="urn:schemas-microsoft-com:office:office" xmlns:v="urn:schemas-microsoft-com:vml" xmlns:pvml="urn:schemas-microsoft-com:office:powerpoint" xmlns:com="http://schemas.openxmlformats.org/drawingml/2006/compatibility" xmlns:p14="http://schemas.microsoft.com/office/powerpoint/2010/main" xmlns:p15="http://schemas.microsoft.com/office/powerpoint/2012/main">
+  <p:cSld>
+    <p:spTree>
+      <p:nvGrpSpPr>
+        <p:cNvPr id="176" name="Shape 176"/>
         <p:cNvGrpSpPr/>
         <p:nvPr/>
       </p:nvGrpSpPr>
@@ -10479,465 +11700,7 @@
       </p:grpSpPr>
       <p:sp>
         <p:nvSpPr>
-          <p:cNvPr id="181" name="Google Shape;181;p27"/>
-          <p:cNvSpPr txBox="1"/>
-          <p:nvPr>
-            <p:ph type="title"/>
-          </p:nvPr>
-        </p:nvSpPr>
-        <p:spPr>
-          <a:xfrm>
-            <a:off x="598100" y="2152347"/>
-            <a:ext cx="8222100" cy="838800"/>
-          </a:xfrm>
-          <a:prstGeom prst="rect">
-            <a:avLst/>
-          </a:prstGeom>
-        </p:spPr>
-        <p:txBody>
-          <a:bodyPr anchorCtr="0" anchor="ctr" bIns="91425" lIns="91425" spcFirstLastPara="1" rIns="91425" wrap="square" tIns="91425">
-            <a:noAutofit/>
-          </a:bodyPr>
-          <a:lstStyle/>
-          <a:p>
-            <a:pPr indent="0" lvl="0" marL="0" rtl="0" algn="l">
-              <a:spcBef>
-                <a:spcPts val="0"/>
-              </a:spcBef>
-              <a:spcAft>
-                <a:spcPts val="0"/>
-              </a:spcAft>
-              <a:buNone/>
-            </a:pPr>
-            <a:r>
-              <a:rPr lang="en" sz="3600"/>
-              <a:t>CarpeDiem</a:t>
-            </a:r>
-            <a:r>
-              <a:rPr lang="en" sz="3600"/>
-              <a:t> Algorithm</a:t>
-            </a:r>
-            <a:endParaRPr sz="3600"/>
-          </a:p>
-        </p:txBody>
-      </p:sp>
-    </p:spTree>
-  </p:cSld>
-  <p:clrMapOvr>
-    <a:masterClrMapping/>
-  </p:clrMapOvr>
-</p:sld>
-</file>
-
-<file path=ppt/slides/slide15.xml><?xml version="1.0" encoding="utf-8"?>
-<p:sld xmlns:a="http://schemas.openxmlformats.org/drawingml/2006/main" xmlns:r="http://schemas.openxmlformats.org/officeDocument/2006/relationships" xmlns:mc="http://schemas.openxmlformats.org/markup-compatibility/2006" xmlns:mv="urn:schemas-microsoft-com:mac:vml" xmlns:p="http://schemas.openxmlformats.org/presentationml/2006/main" xmlns:c="http://schemas.openxmlformats.org/drawingml/2006/chart" xmlns:dgm="http://schemas.openxmlformats.org/drawingml/2006/diagram" xmlns:o="urn:schemas-microsoft-com:office:office" xmlns:v="urn:schemas-microsoft-com:vml" xmlns:pvml="urn:schemas-microsoft-com:office:powerpoint" xmlns:com="http://schemas.openxmlformats.org/drawingml/2006/compatibility" xmlns:p14="http://schemas.microsoft.com/office/powerpoint/2010/main" xmlns:p15="http://schemas.microsoft.com/office/powerpoint/2012/main">
-  <p:cSld>
-    <p:spTree>
-      <p:nvGrpSpPr>
-        <p:cNvPr id="185" name="Shape 185"/>
-        <p:cNvGrpSpPr/>
-        <p:nvPr/>
-      </p:nvGrpSpPr>
-      <p:grpSpPr>
-        <a:xfrm>
-          <a:off x="0" y="0"/>
-          <a:ext cx="0" cy="0"/>
-          <a:chOff x="0" y="0"/>
-          <a:chExt cx="0" cy="0"/>
-        </a:xfrm>
-      </p:grpSpPr>
-      <p:sp>
-        <p:nvSpPr>
-          <p:cNvPr id="186" name="Google Shape;186;p28"/>
-          <p:cNvSpPr txBox="1"/>
-          <p:nvPr>
-            <p:ph type="title"/>
-          </p:nvPr>
-        </p:nvSpPr>
-        <p:spPr>
-          <a:xfrm>
-            <a:off x="4796675" y="1469575"/>
-            <a:ext cx="4045200" cy="1564500"/>
-          </a:xfrm>
-          <a:prstGeom prst="rect">
-            <a:avLst/>
-          </a:prstGeom>
-        </p:spPr>
-        <p:txBody>
-          <a:bodyPr anchorCtr="0" anchor="b" bIns="91425" lIns="91425" spcFirstLastPara="1" rIns="91425" wrap="square" tIns="91425">
-            <a:noAutofit/>
-          </a:bodyPr>
-          <a:lstStyle/>
-          <a:p>
-            <a:pPr indent="0" lvl="0" marL="0" rtl="0" algn="ctr">
-              <a:spcBef>
-                <a:spcPts val="0"/>
-              </a:spcBef>
-              <a:spcAft>
-                <a:spcPts val="0"/>
-              </a:spcAft>
-              <a:buNone/>
-            </a:pPr>
-            <a:r>
-              <a:rPr lang="en">
-                <a:solidFill>
-                  <a:srgbClr val="FFFFFF"/>
-                </a:solidFill>
-              </a:rPr>
-              <a:t>Definition</a:t>
-            </a:r>
-            <a:endParaRPr>
-              <a:solidFill>
-                <a:srgbClr val="FFFFFF"/>
-              </a:solidFill>
-            </a:endParaRPr>
-          </a:p>
-        </p:txBody>
-      </p:sp>
-      <p:sp>
-        <p:nvSpPr>
-          <p:cNvPr id="187" name="Google Shape;187;p28"/>
-          <p:cNvSpPr txBox="1"/>
-          <p:nvPr>
-            <p:ph idx="1" type="subTitle"/>
-          </p:nvPr>
-        </p:nvSpPr>
-        <p:spPr>
-          <a:xfrm>
-            <a:off x="303775" y="1469573"/>
-            <a:ext cx="4158600" cy="3303600"/>
-          </a:xfrm>
-          <a:prstGeom prst="rect">
-            <a:avLst/>
-          </a:prstGeom>
-        </p:spPr>
-        <p:txBody>
-          <a:bodyPr anchorCtr="0" anchor="t" bIns="91425" lIns="91425" spcFirstLastPara="1" rIns="91425" wrap="square" tIns="91425">
-            <a:noAutofit/>
-          </a:bodyPr>
-          <a:lstStyle/>
-          <a:p>
-            <a:pPr indent="0" lvl="0" marL="0" rtl="0" algn="ctr">
-              <a:spcBef>
-                <a:spcPts val="0"/>
-              </a:spcBef>
-              <a:spcAft>
-                <a:spcPts val="0"/>
-              </a:spcAft>
-              <a:buNone/>
-            </a:pPr>
-            <a:r>
-              <a:rPr lang="en" sz="1400">
-                <a:solidFill>
-                  <a:srgbClr val="222222"/>
-                </a:solidFill>
-              </a:rPr>
-              <a:t>I</a:t>
-            </a:r>
-            <a:r>
-              <a:rPr lang="en" sz="1400">
-                <a:solidFill>
-                  <a:srgbClr val="222222"/>
-                </a:solidFill>
-              </a:rPr>
-              <a:t>n order to determine the end point of the best path to a given layer, one can avoid inspecting all vertices in that layer. In particular, after sorting the vertices in layer t according to their vertical weight, the search can be stopped when the difference in vertical weight of the best node so far and the next vertex in the ordering is big enough to counterbalance any advantage that can be possibly derived from exploiting a better transition and/or a better ancestor</a:t>
-            </a:r>
-            <a:endParaRPr sz="1400">
-              <a:solidFill>
-                <a:srgbClr val="222222"/>
-              </a:solidFill>
-            </a:endParaRPr>
-          </a:p>
-        </p:txBody>
-      </p:sp>
-    </p:spTree>
-  </p:cSld>
-  <p:clrMapOvr>
-    <a:masterClrMapping/>
-  </p:clrMapOvr>
-</p:sld>
-</file>
-
-<file path=ppt/slides/slide16.xml><?xml version="1.0" encoding="utf-8"?>
-<p:sld xmlns:a="http://schemas.openxmlformats.org/drawingml/2006/main" xmlns:r="http://schemas.openxmlformats.org/officeDocument/2006/relationships" xmlns:mc="http://schemas.openxmlformats.org/markup-compatibility/2006" xmlns:mv="urn:schemas-microsoft-com:mac:vml" xmlns:p="http://schemas.openxmlformats.org/presentationml/2006/main" xmlns:c="http://schemas.openxmlformats.org/drawingml/2006/chart" xmlns:dgm="http://schemas.openxmlformats.org/drawingml/2006/diagram" xmlns:o="urn:schemas-microsoft-com:office:office" xmlns:v="urn:schemas-microsoft-com:vml" xmlns:pvml="urn:schemas-microsoft-com:office:powerpoint" xmlns:com="http://schemas.openxmlformats.org/drawingml/2006/compatibility" xmlns:p14="http://schemas.microsoft.com/office/powerpoint/2010/main" xmlns:p15="http://schemas.microsoft.com/office/powerpoint/2012/main">
-  <p:cSld>
-    <p:spTree>
-      <p:nvGrpSpPr>
-        <p:cNvPr id="191" name="Shape 191"/>
-        <p:cNvGrpSpPr/>
-        <p:nvPr/>
-      </p:nvGrpSpPr>
-      <p:grpSpPr>
-        <a:xfrm>
-          <a:off x="0" y="0"/>
-          <a:ext cx="0" cy="0"/>
-          <a:chOff x="0" y="0"/>
-          <a:chExt cx="0" cy="0"/>
-        </a:xfrm>
-      </p:grpSpPr>
-      <p:pic>
-        <p:nvPicPr>
-          <p:cNvPr id="192" name="Google Shape;192;p29"/>
-          <p:cNvPicPr preferRelativeResize="0"/>
-          <p:nvPr/>
-        </p:nvPicPr>
-        <p:blipFill>
-          <a:blip r:embed="rId3">
-            <a:alphaModFix/>
-          </a:blip>
-          <a:stretch>
-            <a:fillRect/>
-          </a:stretch>
-        </p:blipFill>
-        <p:spPr>
-          <a:xfrm>
-            <a:off x="373425" y="774475"/>
-            <a:ext cx="8397150" cy="4369024"/>
-          </a:xfrm>
-          <a:prstGeom prst="rect">
-            <a:avLst/>
-          </a:prstGeom>
-          <a:noFill/>
-          <a:ln>
-            <a:noFill/>
-          </a:ln>
-        </p:spPr>
-      </p:pic>
-      <p:sp>
-        <p:nvSpPr>
-          <p:cNvPr id="193" name="Google Shape;193;p29"/>
-          <p:cNvSpPr txBox="1"/>
-          <p:nvPr/>
-        </p:nvSpPr>
-        <p:spPr>
-          <a:xfrm>
-            <a:off x="696525" y="191350"/>
-            <a:ext cx="6880800" cy="583200"/>
-          </a:xfrm>
-          <a:prstGeom prst="rect">
-            <a:avLst/>
-          </a:prstGeom>
-          <a:noFill/>
-          <a:ln>
-            <a:noFill/>
-          </a:ln>
-        </p:spPr>
-        <p:txBody>
-          <a:bodyPr anchorCtr="0" anchor="t" bIns="91425" lIns="91425" spcFirstLastPara="1" rIns="91425" wrap="square" tIns="91425">
-            <a:noAutofit/>
-          </a:bodyPr>
-          <a:lstStyle/>
-          <a:p>
-            <a:pPr indent="0" lvl="0" marL="0" rtl="0" algn="l">
-              <a:spcBef>
-                <a:spcPts val="0"/>
-              </a:spcBef>
-              <a:spcAft>
-                <a:spcPts val="0"/>
-              </a:spcAft>
-              <a:buNone/>
-            </a:pPr>
-            <a:r>
-              <a:rPr i="1" lang="en" sz="2400">
-                <a:solidFill>
-                  <a:srgbClr val="0C343D"/>
-                </a:solidFill>
-                <a:latin typeface="Comic Sans MS"/>
-                <a:ea typeface="Comic Sans MS"/>
-                <a:cs typeface="Comic Sans MS"/>
-                <a:sym typeface="Comic Sans MS"/>
-              </a:rPr>
-              <a:t>Lets Define</a:t>
-            </a:r>
-            <a:endParaRPr i="1" sz="2400">
-              <a:solidFill>
-                <a:srgbClr val="0C343D"/>
-              </a:solidFill>
-              <a:latin typeface="Comic Sans MS"/>
-              <a:ea typeface="Comic Sans MS"/>
-              <a:cs typeface="Comic Sans MS"/>
-              <a:sym typeface="Comic Sans MS"/>
-            </a:endParaRPr>
-          </a:p>
-        </p:txBody>
-      </p:sp>
-    </p:spTree>
-  </p:cSld>
-  <p:clrMapOvr>
-    <a:masterClrMapping/>
-  </p:clrMapOvr>
-</p:sld>
-</file>
-
-<file path=ppt/slides/slide17.xml><?xml version="1.0" encoding="utf-8"?>
-<p:sld xmlns:a="http://schemas.openxmlformats.org/drawingml/2006/main" xmlns:r="http://schemas.openxmlformats.org/officeDocument/2006/relationships" xmlns:mc="http://schemas.openxmlformats.org/markup-compatibility/2006" xmlns:mv="urn:schemas-microsoft-com:mac:vml" xmlns:p="http://schemas.openxmlformats.org/presentationml/2006/main" xmlns:c="http://schemas.openxmlformats.org/drawingml/2006/chart" xmlns:dgm="http://schemas.openxmlformats.org/drawingml/2006/diagram" xmlns:o="urn:schemas-microsoft-com:office:office" xmlns:v="urn:schemas-microsoft-com:vml" xmlns:pvml="urn:schemas-microsoft-com:office:powerpoint" xmlns:com="http://schemas.openxmlformats.org/drawingml/2006/compatibility" xmlns:p14="http://schemas.microsoft.com/office/powerpoint/2010/main" xmlns:p15="http://schemas.microsoft.com/office/powerpoint/2012/main">
-  <p:cSld>
-    <p:spTree>
-      <p:nvGrpSpPr>
-        <p:cNvPr id="197" name="Shape 197"/>
-        <p:cNvGrpSpPr/>
-        <p:nvPr/>
-      </p:nvGrpSpPr>
-      <p:grpSpPr>
-        <a:xfrm>
-          <a:off x="0" y="0"/>
-          <a:ext cx="0" cy="0"/>
-          <a:chOff x="0" y="0"/>
-          <a:chExt cx="0" cy="0"/>
-        </a:xfrm>
-      </p:grpSpPr>
-      <p:sp>
-        <p:nvSpPr>
-          <p:cNvPr id="198" name="Google Shape;198;p30"/>
-          <p:cNvSpPr txBox="1"/>
-          <p:nvPr>
-            <p:ph type="title"/>
-          </p:nvPr>
-        </p:nvSpPr>
-        <p:spPr>
-          <a:xfrm>
-            <a:off x="395900" y="341100"/>
-            <a:ext cx="8520600" cy="607800"/>
-          </a:xfrm>
-          <a:prstGeom prst="rect">
-            <a:avLst/>
-          </a:prstGeom>
-        </p:spPr>
-        <p:txBody>
-          <a:bodyPr anchorCtr="0" anchor="t" bIns="91425" lIns="91425" spcFirstLastPara="1" rIns="91425" wrap="square" tIns="91425">
-            <a:noAutofit/>
-          </a:bodyPr>
-          <a:lstStyle/>
-          <a:p>
-            <a:pPr indent="0" lvl="0" marL="0" rtl="0" algn="l">
-              <a:spcBef>
-                <a:spcPts val="0"/>
-              </a:spcBef>
-              <a:spcAft>
-                <a:spcPts val="0"/>
-              </a:spcAft>
-              <a:buNone/>
-            </a:pPr>
-            <a:r>
-              <a:rPr lang="en"/>
-              <a:t>Pseudocode</a:t>
-            </a:r>
-            <a:endParaRPr/>
-          </a:p>
-        </p:txBody>
-      </p:sp>
-      <p:pic>
-        <p:nvPicPr>
-          <p:cNvPr id="199" name="Google Shape;199;p30"/>
-          <p:cNvPicPr preferRelativeResize="0"/>
-          <p:nvPr/>
-        </p:nvPicPr>
-        <p:blipFill>
-          <a:blip r:embed="rId3">
-            <a:alphaModFix/>
-          </a:blip>
-          <a:stretch>
-            <a:fillRect/>
-          </a:stretch>
-        </p:blipFill>
-        <p:spPr>
-          <a:xfrm>
-            <a:off x="0" y="1017875"/>
-            <a:ext cx="3477950" cy="2480574"/>
-          </a:xfrm>
-          <a:prstGeom prst="rect">
-            <a:avLst/>
-          </a:prstGeom>
-          <a:noFill/>
-          <a:ln>
-            <a:noFill/>
-          </a:ln>
-        </p:spPr>
-      </p:pic>
-      <p:pic>
-        <p:nvPicPr>
-          <p:cNvPr id="200" name="Google Shape;200;p30"/>
-          <p:cNvPicPr preferRelativeResize="0"/>
-          <p:nvPr/>
-        </p:nvPicPr>
-        <p:blipFill>
-          <a:blip r:embed="rId4">
-            <a:alphaModFix/>
-          </a:blip>
-          <a:stretch>
-            <a:fillRect/>
-          </a:stretch>
-        </p:blipFill>
-        <p:spPr>
-          <a:xfrm>
-            <a:off x="3115450" y="1041063"/>
-            <a:ext cx="3316828" cy="2419124"/>
-          </a:xfrm>
-          <a:prstGeom prst="rect">
-            <a:avLst/>
-          </a:prstGeom>
-          <a:noFill/>
-          <a:ln>
-            <a:noFill/>
-          </a:ln>
-        </p:spPr>
-      </p:pic>
-      <p:pic>
-        <p:nvPicPr>
-          <p:cNvPr id="201" name="Google Shape;201;p30"/>
-          <p:cNvPicPr preferRelativeResize="0"/>
-          <p:nvPr/>
-        </p:nvPicPr>
-        <p:blipFill>
-          <a:blip r:embed="rId5">
-            <a:alphaModFix/>
-          </a:blip>
-          <a:stretch>
-            <a:fillRect/>
-          </a:stretch>
-        </p:blipFill>
-        <p:spPr>
-          <a:xfrm>
-            <a:off x="6230375" y="1108851"/>
-            <a:ext cx="2889844" cy="2419099"/>
-          </a:xfrm>
-          <a:prstGeom prst="rect">
-            <a:avLst/>
-          </a:prstGeom>
-          <a:noFill/>
-          <a:ln>
-            <a:noFill/>
-          </a:ln>
-        </p:spPr>
-      </p:pic>
-    </p:spTree>
-  </p:cSld>
-  <p:clrMapOvr>
-    <a:masterClrMapping/>
-  </p:clrMapOvr>
-</p:sld>
-</file>
-
-<file path=ppt/slides/slide18.xml><?xml version="1.0" encoding="utf-8"?>
-<p:sld xmlns:a="http://schemas.openxmlformats.org/drawingml/2006/main" xmlns:r="http://schemas.openxmlformats.org/officeDocument/2006/relationships" xmlns:mc="http://schemas.openxmlformats.org/markup-compatibility/2006" xmlns:mv="urn:schemas-microsoft-com:mac:vml" xmlns:p="http://schemas.openxmlformats.org/presentationml/2006/main" xmlns:c="http://schemas.openxmlformats.org/drawingml/2006/chart" xmlns:dgm="http://schemas.openxmlformats.org/drawingml/2006/diagram" xmlns:o="urn:schemas-microsoft-com:office:office" xmlns:v="urn:schemas-microsoft-com:vml" xmlns:pvml="urn:schemas-microsoft-com:office:powerpoint" xmlns:com="http://schemas.openxmlformats.org/drawingml/2006/compatibility" xmlns:p14="http://schemas.microsoft.com/office/powerpoint/2010/main" xmlns:p15="http://schemas.microsoft.com/office/powerpoint/2012/main">
-  <p:cSld>
-    <p:spTree>
-      <p:nvGrpSpPr>
-        <p:cNvPr id="205" name="Shape 205"/>
-        <p:cNvGrpSpPr/>
-        <p:nvPr/>
-      </p:nvGrpSpPr>
-      <p:grpSpPr>
-        <a:xfrm>
-          <a:off x="0" y="0"/>
-          <a:ext cx="0" cy="0"/>
-          <a:chOff x="0" y="0"/>
-          <a:chExt cx="0" cy="0"/>
-        </a:xfrm>
-      </p:grpSpPr>
-      <p:sp>
-        <p:nvSpPr>
-          <p:cNvPr id="206" name="Google Shape;206;p31"/>
+          <p:cNvPr id="177" name="Google Shape;177;p28"/>
           <p:cNvSpPr txBox="1"/>
           <p:nvPr/>
         </p:nvSpPr>
@@ -11027,14 +11790,14 @@
       </p:sp>
       <p:sp>
         <p:nvSpPr>
-          <p:cNvPr id="207" name="Google Shape;207;p31"/>
+          <p:cNvPr id="178" name="Google Shape;178;p28"/>
           <p:cNvSpPr txBox="1"/>
           <p:nvPr/>
         </p:nvSpPr>
         <p:spPr>
           <a:xfrm>
-            <a:off x="0" y="0"/>
-            <a:ext cx="3000000" cy="3000000"/>
+            <a:off x="4791550" y="1342950"/>
+            <a:ext cx="6077400" cy="3000000"/>
           </a:xfrm>
           <a:prstGeom prst="rect">
             <a:avLst/>
@@ -11061,30 +11824,296 @@
             </a:pPr>
             <a:r>
               <a:rPr lang="en"/>
-              <a:t>￼</a:t>
+              <a:t>The Time complexity of this algorithm is </a:t>
+            </a:r>
+            <a:endParaRPr/>
+          </a:p>
+          <a:p>
+            <a:pPr indent="0" lvl="0" marL="0" rtl="0" algn="l">
+              <a:spcBef>
+                <a:spcPts val="0"/>
+              </a:spcBef>
+              <a:spcAft>
+                <a:spcPts val="0"/>
+              </a:spcAft>
+              <a:buNone/>
+            </a:pPr>
+            <a:r>
+              <a:rPr lang="en"/>
+              <a:t>O(NT^2)</a:t>
+            </a:r>
+            <a:endParaRPr/>
+          </a:p>
+          <a:p>
+            <a:pPr indent="0" lvl="0" marL="0" rtl="0" algn="l">
+              <a:spcBef>
+                <a:spcPts val="0"/>
+              </a:spcBef>
+              <a:spcAft>
+                <a:spcPts val="0"/>
+              </a:spcAft>
+              <a:buNone/>
+            </a:pPr>
+            <a:r>
+              <a:t/>
+            </a:r>
+            <a:endParaRPr/>
+          </a:p>
+          <a:p>
+            <a:pPr indent="0" lvl="0" marL="0" rtl="0" algn="l">
+              <a:spcBef>
+                <a:spcPts val="0"/>
+              </a:spcBef>
+              <a:spcAft>
+                <a:spcPts val="0"/>
+              </a:spcAft>
+              <a:buNone/>
+            </a:pPr>
+            <a:r>
+              <a:rPr lang="en"/>
+              <a:t>And the space complexity is </a:t>
+            </a:r>
+            <a:endParaRPr/>
+          </a:p>
+          <a:p>
+            <a:pPr indent="0" lvl="0" marL="0" rtl="0" algn="l">
+              <a:spcBef>
+                <a:spcPts val="0"/>
+              </a:spcBef>
+              <a:spcAft>
+                <a:spcPts val="0"/>
+              </a:spcAft>
+              <a:buNone/>
+            </a:pPr>
+            <a:r>
+              <a:rPr lang="en"/>
+              <a:t>O(T^2 + kT + NT)</a:t>
+            </a:r>
+            <a:endParaRPr/>
+          </a:p>
+          <a:p>
+            <a:pPr indent="0" lvl="0" marL="0" rtl="0" algn="l">
+              <a:spcBef>
+                <a:spcPts val="0"/>
+              </a:spcBef>
+              <a:spcAft>
+                <a:spcPts val="0"/>
+              </a:spcAft>
+              <a:buNone/>
+            </a:pPr>
+            <a:r>
+              <a:t/>
+            </a:r>
+            <a:endParaRPr/>
+          </a:p>
+          <a:p>
+            <a:pPr indent="0" lvl="0" marL="0" rtl="0" algn="l">
+              <a:spcBef>
+                <a:spcPts val="0"/>
+              </a:spcBef>
+              <a:spcAft>
+                <a:spcPts val="0"/>
+              </a:spcAft>
+              <a:buNone/>
+            </a:pPr>
+            <a:r>
+              <a:rPr lang="en"/>
+              <a:t>K is the total number of unique observable states.</a:t>
+            </a:r>
+            <a:endParaRPr/>
+          </a:p>
+          <a:p>
+            <a:pPr indent="0" lvl="0" marL="0" rtl="0" algn="l">
+              <a:spcBef>
+                <a:spcPts val="0"/>
+              </a:spcBef>
+              <a:spcAft>
+                <a:spcPts val="0"/>
+              </a:spcAft>
+              <a:buNone/>
+            </a:pPr>
+            <a:r>
+              <a:rPr lang="en"/>
+              <a:t>T is the total number of unique hidden states.</a:t>
+            </a:r>
+            <a:endParaRPr/>
+          </a:p>
+          <a:p>
+            <a:pPr indent="0" lvl="0" marL="0" rtl="0" algn="l">
+              <a:spcBef>
+                <a:spcPts val="0"/>
+              </a:spcBef>
+              <a:spcAft>
+                <a:spcPts val="0"/>
+              </a:spcAft>
+              <a:buNone/>
+            </a:pPr>
+            <a:r>
+              <a:rPr lang="en"/>
+              <a:t>N is the length of the observed sequence.</a:t>
             </a:r>
             <a:endParaRPr/>
           </a:p>
         </p:txBody>
       </p:sp>
+    </p:spTree>
+  </p:cSld>
+  <p:clrMapOvr>
+    <a:masterClrMapping/>
+  </p:clrMapOvr>
+</p:sld>
+</file>
+
+<file path=ppt/slides/slide16.xml><?xml version="1.0" encoding="utf-8"?>
+<p:sld xmlns:a="http://schemas.openxmlformats.org/drawingml/2006/main" xmlns:r="http://schemas.openxmlformats.org/officeDocument/2006/relationships" xmlns:mc="http://schemas.openxmlformats.org/markup-compatibility/2006" xmlns:mv="urn:schemas-microsoft-com:mac:vml" xmlns:p="http://schemas.openxmlformats.org/presentationml/2006/main" xmlns:c="http://schemas.openxmlformats.org/drawingml/2006/chart" xmlns:dgm="http://schemas.openxmlformats.org/drawingml/2006/diagram" xmlns:o="urn:schemas-microsoft-com:office:office" xmlns:v="urn:schemas-microsoft-com:vml" xmlns:pvml="urn:schemas-microsoft-com:office:powerpoint" xmlns:com="http://schemas.openxmlformats.org/drawingml/2006/compatibility" xmlns:p14="http://schemas.microsoft.com/office/powerpoint/2010/main" xmlns:p15="http://schemas.microsoft.com/office/powerpoint/2012/main">
+  <p:cSld>
+    <p:spTree>
+      <p:nvGrpSpPr>
+        <p:cNvPr id="182" name="Shape 182"/>
+        <p:cNvGrpSpPr/>
+        <p:nvPr/>
+      </p:nvGrpSpPr>
+      <p:grpSpPr>
+        <a:xfrm>
+          <a:off x="0" y="0"/>
+          <a:ext cx="0" cy="0"/>
+          <a:chOff x="0" y="0"/>
+          <a:chExt cx="0" cy="0"/>
+        </a:xfrm>
+      </p:grpSpPr>
       <p:sp>
         <p:nvSpPr>
-          <p:cNvPr id="208" name="Google Shape;208;p31"/>
+          <p:cNvPr id="183" name="Google Shape;183;p29"/>
           <p:cNvSpPr txBox="1"/>
-          <p:nvPr/>
+          <p:nvPr>
+            <p:ph type="title"/>
+          </p:nvPr>
         </p:nvSpPr>
         <p:spPr>
           <a:xfrm>
-            <a:off x="152400" y="152400"/>
-            <a:ext cx="3000000" cy="3000000"/>
+            <a:off x="598100" y="2152347"/>
+            <a:ext cx="8222100" cy="838800"/>
           </a:xfrm>
           <a:prstGeom prst="rect">
             <a:avLst/>
           </a:prstGeom>
-          <a:noFill/>
-          <a:ln>
-            <a:noFill/>
-          </a:ln>
+        </p:spPr>
+        <p:txBody>
+          <a:bodyPr anchorCtr="0" anchor="ctr" bIns="91425" lIns="91425" spcFirstLastPara="1" rIns="91425" wrap="square" tIns="91425">
+            <a:noAutofit/>
+          </a:bodyPr>
+          <a:lstStyle/>
+          <a:p>
+            <a:pPr indent="0" lvl="0" marL="0" rtl="0" algn="l">
+              <a:spcBef>
+                <a:spcPts val="0"/>
+              </a:spcBef>
+              <a:spcAft>
+                <a:spcPts val="0"/>
+              </a:spcAft>
+              <a:buNone/>
+            </a:pPr>
+            <a:r>
+              <a:rPr lang="en" sz="3600"/>
+              <a:t>Forward</a:t>
+            </a:r>
+            <a:r>
+              <a:rPr lang="en" sz="3600"/>
+              <a:t> &amp; Backward Algorithm</a:t>
+            </a:r>
+            <a:endParaRPr sz="3600"/>
+          </a:p>
+        </p:txBody>
+      </p:sp>
+    </p:spTree>
+  </p:cSld>
+  <p:clrMapOvr>
+    <a:masterClrMapping/>
+  </p:clrMapOvr>
+</p:sld>
+</file>
+
+<file path=ppt/slides/slide17.xml><?xml version="1.0" encoding="utf-8"?>
+<p:sld xmlns:a="http://schemas.openxmlformats.org/drawingml/2006/main" xmlns:r="http://schemas.openxmlformats.org/officeDocument/2006/relationships" xmlns:mc="http://schemas.openxmlformats.org/markup-compatibility/2006" xmlns:mv="urn:schemas-microsoft-com:mac:vml" xmlns:p="http://schemas.openxmlformats.org/presentationml/2006/main" xmlns:c="http://schemas.openxmlformats.org/drawingml/2006/chart" xmlns:dgm="http://schemas.openxmlformats.org/drawingml/2006/diagram" xmlns:o="urn:schemas-microsoft-com:office:office" xmlns:v="urn:schemas-microsoft-com:vml" xmlns:pvml="urn:schemas-microsoft-com:office:powerpoint" xmlns:com="http://schemas.openxmlformats.org/drawingml/2006/compatibility" xmlns:p14="http://schemas.microsoft.com/office/powerpoint/2010/main" xmlns:p15="http://schemas.microsoft.com/office/powerpoint/2012/main">
+  <p:cSld>
+    <p:spTree>
+      <p:nvGrpSpPr>
+        <p:cNvPr id="187" name="Shape 187"/>
+        <p:cNvGrpSpPr/>
+        <p:nvPr/>
+      </p:nvGrpSpPr>
+      <p:grpSpPr>
+        <a:xfrm>
+          <a:off x="0" y="0"/>
+          <a:ext cx="0" cy="0"/>
+          <a:chOff x="0" y="0"/>
+          <a:chExt cx="0" cy="0"/>
+        </a:xfrm>
+      </p:grpSpPr>
+      <p:sp>
+        <p:nvSpPr>
+          <p:cNvPr id="188" name="Google Shape;188;p30"/>
+          <p:cNvSpPr txBox="1"/>
+          <p:nvPr>
+            <p:ph type="title"/>
+          </p:nvPr>
+        </p:nvSpPr>
+        <p:spPr>
+          <a:xfrm>
+            <a:off x="4796675" y="1469575"/>
+            <a:ext cx="4045200" cy="1564500"/>
+          </a:xfrm>
+          <a:prstGeom prst="rect">
+            <a:avLst/>
+          </a:prstGeom>
+        </p:spPr>
+        <p:txBody>
+          <a:bodyPr anchorCtr="0" anchor="b" bIns="91425" lIns="91425" spcFirstLastPara="1" rIns="91425" wrap="square" tIns="91425">
+            <a:noAutofit/>
+          </a:bodyPr>
+          <a:lstStyle/>
+          <a:p>
+            <a:pPr indent="0" lvl="0" marL="0" rtl="0" algn="ctr">
+              <a:spcBef>
+                <a:spcPts val="0"/>
+              </a:spcBef>
+              <a:spcAft>
+                <a:spcPts val="0"/>
+              </a:spcAft>
+              <a:buNone/>
+            </a:pPr>
+            <a:r>
+              <a:rPr lang="en">
+                <a:solidFill>
+                  <a:srgbClr val="FFFFFF"/>
+                </a:solidFill>
+              </a:rPr>
+              <a:t>Definition</a:t>
+            </a:r>
+            <a:endParaRPr>
+              <a:solidFill>
+                <a:srgbClr val="FFFFFF"/>
+              </a:solidFill>
+            </a:endParaRPr>
+          </a:p>
+        </p:txBody>
+      </p:sp>
+      <p:sp>
+        <p:nvSpPr>
+          <p:cNvPr id="189" name="Google Shape;189;p30"/>
+          <p:cNvSpPr txBox="1"/>
+          <p:nvPr>
+            <p:ph idx="1" type="subTitle"/>
+          </p:nvPr>
+        </p:nvSpPr>
+        <p:spPr>
+          <a:xfrm>
+            <a:off x="265500" y="2769001"/>
+            <a:ext cx="4045200" cy="1269300"/>
+          </a:xfrm>
+          <a:prstGeom prst="rect">
+            <a:avLst/>
+          </a:prstGeom>
         </p:spPr>
         <p:txBody>
           <a:bodyPr anchorCtr="0" anchor="t" bIns="91425" lIns="91425" spcFirstLastPara="1" rIns="91425" wrap="square" tIns="91425">
@@ -11092,7 +12121,7 @@
           </a:bodyPr>
           <a:lstStyle/>
           <a:p>
-            <a:pPr indent="0" lvl="0" marL="0" rtl="0" algn="l">
+            <a:pPr indent="0" lvl="0" marL="0" rtl="0" algn="ctr">
               <a:spcBef>
                 <a:spcPts val="0"/>
               </a:spcBef>
@@ -11102,8 +12131,7 @@
               <a:buNone/>
             </a:pPr>
             <a:r>
-              <a:rPr lang="en"/>
-              <a:t>￼</a:t>
+              <a:t/>
             </a:r>
             <a:endParaRPr/>
           </a:p>
@@ -11111,7 +12139,7 @@
       </p:sp>
       <p:pic>
         <p:nvPicPr>
-          <p:cNvPr id="209" name="Google Shape;209;p31"/>
+          <p:cNvPr id="190" name="Google Shape;190;p30"/>
           <p:cNvPicPr preferRelativeResize="0"/>
           <p:nvPr/>
         </p:nvPicPr>
@@ -11125,8 +12153,8 @@
         </p:blipFill>
         <p:spPr>
           <a:xfrm>
-            <a:off x="4572000" y="1737534"/>
-            <a:ext cx="4572000" cy="1414864"/>
+            <a:off x="46250" y="1469575"/>
+            <a:ext cx="4525751" cy="2683500"/>
           </a:xfrm>
           <a:prstGeom prst="rect">
             <a:avLst/>
@@ -11137,35 +12165,50 @@
           </a:ln>
         </p:spPr>
       </p:pic>
+    </p:spTree>
+  </p:cSld>
+  <p:clrMapOvr>
+    <a:masterClrMapping/>
+  </p:clrMapOvr>
+</p:sld>
+</file>
+
+<file path=ppt/slides/slide18.xml><?xml version="1.0" encoding="utf-8"?>
+<p:sld xmlns:a="http://schemas.openxmlformats.org/drawingml/2006/main" xmlns:r="http://schemas.openxmlformats.org/officeDocument/2006/relationships" xmlns:mc="http://schemas.openxmlformats.org/markup-compatibility/2006" xmlns:mv="urn:schemas-microsoft-com:mac:vml" xmlns:p="http://schemas.openxmlformats.org/presentationml/2006/main" xmlns:c="http://schemas.openxmlformats.org/drawingml/2006/chart" xmlns:dgm="http://schemas.openxmlformats.org/drawingml/2006/diagram" xmlns:o="urn:schemas-microsoft-com:office:office" xmlns:v="urn:schemas-microsoft-com:vml" xmlns:pvml="urn:schemas-microsoft-com:office:powerpoint" xmlns:com="http://schemas.openxmlformats.org/drawingml/2006/compatibility" xmlns:p14="http://schemas.microsoft.com/office/powerpoint/2010/main" xmlns:p15="http://schemas.microsoft.com/office/powerpoint/2012/main">
+  <p:cSld>
+    <p:spTree>
+      <p:nvGrpSpPr>
+        <p:cNvPr id="194" name="Shape 194"/>
+        <p:cNvGrpSpPr/>
+        <p:nvPr/>
+      </p:nvGrpSpPr>
+      <p:grpSpPr>
+        <a:xfrm>
+          <a:off x="0" y="0"/>
+          <a:ext cx="0" cy="0"/>
+          <a:chOff x="0" y="0"/>
+          <a:chExt cx="0" cy="0"/>
+        </a:xfrm>
+      </p:grpSpPr>
       <p:sp>
         <p:nvSpPr>
-          <p:cNvPr id="210" name="Google Shape;210;p31"/>
-          <p:cNvSpPr/>
-          <p:nvPr/>
+          <p:cNvPr id="195" name="Google Shape;195;p31"/>
+          <p:cNvSpPr txBox="1"/>
+          <p:nvPr>
+            <p:ph type="title"/>
+          </p:nvPr>
         </p:nvSpPr>
         <p:spPr>
           <a:xfrm>
-            <a:off x="4572000" y="2824325"/>
-            <a:ext cx="558600" cy="137700"/>
+            <a:off x="311700" y="410000"/>
+            <a:ext cx="8520600" cy="607800"/>
           </a:xfrm>
           <a:prstGeom prst="rect">
             <a:avLst/>
           </a:prstGeom>
-          <a:solidFill>
-            <a:srgbClr val="FFFFFF"/>
-          </a:solidFill>
-          <a:ln cap="flat" cmpd="sng" w="9525">
-            <a:solidFill>
-              <a:srgbClr val="FFFFFF"/>
-            </a:solidFill>
-            <a:prstDash val="solid"/>
-            <a:round/>
-            <a:headEnd len="sm" w="sm" type="none"/>
-            <a:tailEnd len="sm" w="sm" type="none"/>
-          </a:ln>
         </p:spPr>
         <p:txBody>
-          <a:bodyPr anchorCtr="0" anchor="ctr" bIns="91425" lIns="91425" spcFirstLastPara="1" rIns="91425" wrap="square" tIns="91425">
+          <a:bodyPr anchorCtr="0" anchor="t" bIns="91425" lIns="91425" spcFirstLastPara="1" rIns="91425" wrap="square" tIns="91425">
             <a:noAutofit/>
           </a:bodyPr>
           <a:lstStyle/>
@@ -11176,6 +12219,46 @@
               </a:spcBef>
               <a:spcAft>
                 <a:spcPts val="0"/>
+              </a:spcAft>
+              <a:buNone/>
+            </a:pPr>
+            <a:r>
+              <a:rPr lang="en"/>
+              <a:t>Pseudocode (Backward)</a:t>
+            </a:r>
+            <a:endParaRPr/>
+          </a:p>
+        </p:txBody>
+      </p:sp>
+      <p:sp>
+        <p:nvSpPr>
+          <p:cNvPr id="196" name="Google Shape;196;p31"/>
+          <p:cNvSpPr txBox="1"/>
+          <p:nvPr>
+            <p:ph idx="1" type="body"/>
+          </p:nvPr>
+        </p:nvSpPr>
+        <p:spPr>
+          <a:xfrm>
+            <a:off x="311700" y="1229875"/>
+            <a:ext cx="8520600" cy="3339000"/>
+          </a:xfrm>
+          <a:prstGeom prst="rect">
+            <a:avLst/>
+          </a:prstGeom>
+        </p:spPr>
+        <p:txBody>
+          <a:bodyPr anchorCtr="0" anchor="t" bIns="91425" lIns="91425" spcFirstLastPara="1" rIns="91425" wrap="square" tIns="91425">
+            <a:noAutofit/>
+          </a:bodyPr>
+          <a:lstStyle/>
+          <a:p>
+            <a:pPr indent="0" lvl="0" marL="0" rtl="0" algn="l">
+              <a:spcBef>
+                <a:spcPts val="0"/>
+              </a:spcBef>
+              <a:spcAft>
+                <a:spcPts val="1600"/>
               </a:spcAft>
               <a:buNone/>
             </a:pPr>
@@ -11186,35 +12269,55 @@
           </a:p>
         </p:txBody>
       </p:sp>
-      <p:sp>
-        <p:nvSpPr>
-          <p:cNvPr id="211" name="Google Shape;211;p31"/>
-          <p:cNvSpPr/>
+      <p:pic>
+        <p:nvPicPr>
+          <p:cNvPr id="197" name="Google Shape;197;p31"/>
+          <p:cNvPicPr preferRelativeResize="0"/>
           <p:nvPr/>
-        </p:nvSpPr>
-        <p:spPr>
-          <a:xfrm>
-            <a:off x="5864850" y="2571750"/>
-            <a:ext cx="558600" cy="137700"/>
+        </p:nvPicPr>
+        <p:blipFill>
+          <a:blip r:embed="rId3">
+            <a:alphaModFix/>
+          </a:blip>
+          <a:stretch>
+            <a:fillRect/>
+          </a:stretch>
+        </p:blipFill>
+        <p:spPr>
+          <a:xfrm>
+            <a:off x="311688" y="1109650"/>
+            <a:ext cx="8181975" cy="2495550"/>
           </a:xfrm>
           <a:prstGeom prst="rect">
             <a:avLst/>
           </a:prstGeom>
-          <a:solidFill>
-            <a:srgbClr val="FFFFFF"/>
-          </a:solidFill>
-          <a:ln cap="flat" cmpd="sng" w="9525">
-            <a:solidFill>
-              <a:srgbClr val="FFFFFF"/>
-            </a:solidFill>
-            <a:prstDash val="solid"/>
-            <a:round/>
-            <a:headEnd len="sm" w="sm" type="none"/>
-            <a:tailEnd len="sm" w="sm" type="none"/>
+          <a:noFill/>
+          <a:ln>
+            <a:noFill/>
           </a:ln>
         </p:spPr>
+      </p:pic>
+      <p:sp>
+        <p:nvSpPr>
+          <p:cNvPr id="198" name="Google Shape;198;p31"/>
+          <p:cNvSpPr txBox="1"/>
+          <p:nvPr/>
+        </p:nvSpPr>
+        <p:spPr>
+          <a:xfrm>
+            <a:off x="857250" y="3819375"/>
+            <a:ext cx="5511000" cy="1033200"/>
+          </a:xfrm>
+          <a:prstGeom prst="rect">
+            <a:avLst/>
+          </a:prstGeom>
+          <a:noFill/>
+          <a:ln>
+            <a:noFill/>
+          </a:ln>
+        </p:spPr>
         <p:txBody>
-          <a:bodyPr anchorCtr="0" anchor="ctr" bIns="91425" lIns="91425" spcFirstLastPara="1" rIns="91425" wrap="square" tIns="91425">
+          <a:bodyPr anchorCtr="0" anchor="t" bIns="91425" lIns="91425" spcFirstLastPara="1" rIns="91425" wrap="square" tIns="91425">
             <a:noAutofit/>
           </a:bodyPr>
           <a:lstStyle/>
@@ -11229,9 +12332,24 @@
               <a:buNone/>
             </a:pPr>
             <a:r>
-              <a:t/>
+              <a:rPr lang="en" u="sng">
+                <a:solidFill>
+                  <a:schemeClr val="hlink"/>
+                </a:solidFill>
+                <a:latin typeface="Roboto"/>
+                <a:ea typeface="Roboto"/>
+                <a:cs typeface="Roboto"/>
+                <a:sym typeface="Roboto"/>
+                <a:hlinkClick r:id="rId4"/>
+              </a:rPr>
+              <a:t>Forward Backward C++ Implementation</a:t>
             </a:r>
-            <a:endParaRPr/>
+            <a:endParaRPr>
+              <a:latin typeface="Roboto"/>
+              <a:ea typeface="Roboto"/>
+              <a:cs typeface="Roboto"/>
+              <a:sym typeface="Roboto"/>
+            </a:endParaRPr>
           </a:p>
         </p:txBody>
       </p:sp>
@@ -11248,7 +12366,7 @@
   <p:cSld>
     <p:spTree>
       <p:nvGrpSpPr>
-        <p:cNvPr id="215" name="Shape 215"/>
+        <p:cNvPr id="202" name="Shape 202"/>
         <p:cNvGrpSpPr/>
         <p:nvPr/>
       </p:nvGrpSpPr>
@@ -11262,7 +12380,7 @@
       </p:grpSpPr>
       <p:sp>
         <p:nvSpPr>
-          <p:cNvPr id="216" name="Google Shape;216;p32"/>
+          <p:cNvPr id="203" name="Google Shape;203;p32"/>
           <p:cNvSpPr txBox="1"/>
           <p:nvPr>
             <p:ph type="title"/>
@@ -11270,15 +12388,15 @@
         </p:nvSpPr>
         <p:spPr>
           <a:xfrm>
-            <a:off x="598100" y="2152347"/>
-            <a:ext cx="8222100" cy="838800"/>
+            <a:off x="311700" y="410000"/>
+            <a:ext cx="8520600" cy="607800"/>
           </a:xfrm>
           <a:prstGeom prst="rect">
             <a:avLst/>
           </a:prstGeom>
         </p:spPr>
         <p:txBody>
-          <a:bodyPr anchorCtr="0" anchor="ctr" bIns="91425" lIns="91425" spcFirstLastPara="1" rIns="91425" wrap="square" tIns="91425">
+          <a:bodyPr anchorCtr="0" anchor="t" bIns="91425" lIns="91425" spcFirstLastPara="1" rIns="91425" wrap="square" tIns="91425">
             <a:noAutofit/>
           </a:bodyPr>
           <a:lstStyle/>
@@ -11294,12 +12412,134 @@
             </a:pPr>
             <a:r>
               <a:rPr lang="en"/>
-              <a:t>Thank You!!</a:t>
+              <a:t>Pseudocode (Forward)</a:t>
             </a:r>
             <a:endParaRPr/>
           </a:p>
         </p:txBody>
       </p:sp>
+      <p:sp>
+        <p:nvSpPr>
+          <p:cNvPr id="204" name="Google Shape;204;p32"/>
+          <p:cNvSpPr txBox="1"/>
+          <p:nvPr>
+            <p:ph idx="1" type="body"/>
+          </p:nvPr>
+        </p:nvSpPr>
+        <p:spPr>
+          <a:xfrm>
+            <a:off x="311700" y="1229875"/>
+            <a:ext cx="8520600" cy="3339000"/>
+          </a:xfrm>
+          <a:prstGeom prst="rect">
+            <a:avLst/>
+          </a:prstGeom>
+        </p:spPr>
+        <p:txBody>
+          <a:bodyPr anchorCtr="0" anchor="t" bIns="91425" lIns="91425" spcFirstLastPara="1" rIns="91425" wrap="square" tIns="91425">
+            <a:noAutofit/>
+          </a:bodyPr>
+          <a:lstStyle/>
+          <a:p>
+            <a:pPr indent="0" lvl="0" marL="0" rtl="0" algn="l">
+              <a:spcBef>
+                <a:spcPts val="0"/>
+              </a:spcBef>
+              <a:spcAft>
+                <a:spcPts val="1600"/>
+              </a:spcAft>
+              <a:buNone/>
+            </a:pPr>
+            <a:r>
+              <a:t/>
+            </a:r>
+            <a:endParaRPr/>
+          </a:p>
+        </p:txBody>
+      </p:sp>
+      <p:sp>
+        <p:nvSpPr>
+          <p:cNvPr id="205" name="Google Shape;205;p32"/>
+          <p:cNvSpPr txBox="1"/>
+          <p:nvPr/>
+        </p:nvSpPr>
+        <p:spPr>
+          <a:xfrm>
+            <a:off x="857250" y="3819375"/>
+            <a:ext cx="5511000" cy="1033200"/>
+          </a:xfrm>
+          <a:prstGeom prst="rect">
+            <a:avLst/>
+          </a:prstGeom>
+          <a:noFill/>
+          <a:ln>
+            <a:noFill/>
+          </a:ln>
+        </p:spPr>
+        <p:txBody>
+          <a:bodyPr anchorCtr="0" anchor="t" bIns="91425" lIns="91425" spcFirstLastPara="1" rIns="91425" wrap="square" tIns="91425">
+            <a:noAutofit/>
+          </a:bodyPr>
+          <a:lstStyle/>
+          <a:p>
+            <a:pPr indent="0" lvl="0" marL="0" rtl="0" algn="l">
+              <a:spcBef>
+                <a:spcPts val="0"/>
+              </a:spcBef>
+              <a:spcAft>
+                <a:spcPts val="0"/>
+              </a:spcAft>
+              <a:buNone/>
+            </a:pPr>
+            <a:r>
+              <a:rPr lang="en" u="sng">
+                <a:solidFill>
+                  <a:schemeClr val="hlink"/>
+                </a:solidFill>
+                <a:latin typeface="Roboto"/>
+                <a:ea typeface="Roboto"/>
+                <a:cs typeface="Roboto"/>
+                <a:sym typeface="Roboto"/>
+                <a:hlinkClick r:id="rId3"/>
+              </a:rPr>
+              <a:t>Forward Backward C++ Implementation</a:t>
+            </a:r>
+            <a:endParaRPr>
+              <a:latin typeface="Roboto"/>
+              <a:ea typeface="Roboto"/>
+              <a:cs typeface="Roboto"/>
+              <a:sym typeface="Roboto"/>
+            </a:endParaRPr>
+          </a:p>
+        </p:txBody>
+      </p:sp>
+      <p:pic>
+        <p:nvPicPr>
+          <p:cNvPr id="206" name="Google Shape;206;p32"/>
+          <p:cNvPicPr preferRelativeResize="0"/>
+          <p:nvPr/>
+        </p:nvPicPr>
+        <p:blipFill rotWithShape="1">
+          <a:blip r:embed="rId4">
+            <a:alphaModFix/>
+          </a:blip>
+          <a:srcRect b="38517" l="18065" r="37580" t="34837"/>
+          <a:stretch/>
+        </p:blipFill>
+        <p:spPr>
+          <a:xfrm>
+            <a:off x="235500" y="1229875"/>
+            <a:ext cx="7849876" cy="2651249"/>
+          </a:xfrm>
+          <a:prstGeom prst="rect">
+            <a:avLst/>
+          </a:prstGeom>
+          <a:noFill/>
+          <a:ln>
+            <a:noFill/>
+          </a:ln>
+        </p:spPr>
+      </p:pic>
     </p:spTree>
   </p:cSld>
   <p:clrMapOvr>
@@ -11629,6 +12869,1110 @@
 </p:sld>
 </file>
 
+<file path=ppt/slides/slide20.xml><?xml version="1.0" encoding="utf-8"?>
+<p:sld xmlns:a="http://schemas.openxmlformats.org/drawingml/2006/main" xmlns:r="http://schemas.openxmlformats.org/officeDocument/2006/relationships" xmlns:mc="http://schemas.openxmlformats.org/markup-compatibility/2006" xmlns:mv="urn:schemas-microsoft-com:mac:vml" xmlns:p="http://schemas.openxmlformats.org/presentationml/2006/main" xmlns:c="http://schemas.openxmlformats.org/drawingml/2006/chart" xmlns:dgm="http://schemas.openxmlformats.org/drawingml/2006/diagram" xmlns:o="urn:schemas-microsoft-com:office:office" xmlns:v="urn:schemas-microsoft-com:vml" xmlns:pvml="urn:schemas-microsoft-com:office:powerpoint" xmlns:com="http://schemas.openxmlformats.org/drawingml/2006/compatibility" xmlns:p14="http://schemas.microsoft.com/office/powerpoint/2010/main" xmlns:p15="http://schemas.microsoft.com/office/powerpoint/2012/main">
+  <p:cSld>
+    <p:spTree>
+      <p:nvGrpSpPr>
+        <p:cNvPr id="210" name="Shape 210"/>
+        <p:cNvGrpSpPr/>
+        <p:nvPr/>
+      </p:nvGrpSpPr>
+      <p:grpSpPr>
+        <a:xfrm>
+          <a:off x="0" y="0"/>
+          <a:ext cx="0" cy="0"/>
+          <a:chOff x="0" y="0"/>
+          <a:chExt cx="0" cy="0"/>
+        </a:xfrm>
+      </p:grpSpPr>
+      <p:pic>
+        <p:nvPicPr>
+          <p:cNvPr id="211" name="Google Shape;211;p33"/>
+          <p:cNvPicPr preferRelativeResize="0"/>
+          <p:nvPr/>
+        </p:nvPicPr>
+        <p:blipFill>
+          <a:blip r:embed="rId3">
+            <a:alphaModFix/>
+          </a:blip>
+          <a:stretch>
+            <a:fillRect/>
+          </a:stretch>
+        </p:blipFill>
+        <p:spPr>
+          <a:xfrm>
+            <a:off x="8450" y="1941450"/>
+            <a:ext cx="4572000" cy="2237813"/>
+          </a:xfrm>
+          <a:prstGeom prst="rect">
+            <a:avLst/>
+          </a:prstGeom>
+          <a:noFill/>
+          <a:ln>
+            <a:noFill/>
+          </a:ln>
+        </p:spPr>
+      </p:pic>
+      <p:sp>
+        <p:nvSpPr>
+          <p:cNvPr id="212" name="Google Shape;212;p33"/>
+          <p:cNvSpPr txBox="1"/>
+          <p:nvPr/>
+        </p:nvSpPr>
+        <p:spPr>
+          <a:xfrm>
+            <a:off x="541700" y="188025"/>
+            <a:ext cx="3505500" cy="3263400"/>
+          </a:xfrm>
+          <a:prstGeom prst="rect">
+            <a:avLst/>
+          </a:prstGeom>
+          <a:noFill/>
+          <a:ln>
+            <a:noFill/>
+          </a:ln>
+        </p:spPr>
+        <p:txBody>
+          <a:bodyPr anchorCtr="0" anchor="t" bIns="91425" lIns="91425" spcFirstLastPara="1" rIns="91425" wrap="square" tIns="91425">
+            <a:noAutofit/>
+          </a:bodyPr>
+          <a:lstStyle/>
+          <a:p>
+            <a:pPr indent="0" lvl="0" marL="0" rtl="0" algn="ctr">
+              <a:spcBef>
+                <a:spcPts val="0"/>
+              </a:spcBef>
+              <a:spcAft>
+                <a:spcPts val="0"/>
+              </a:spcAft>
+              <a:buNone/>
+            </a:pPr>
+            <a:r>
+              <a:rPr lang="en" sz="3000">
+                <a:solidFill>
+                  <a:srgbClr val="FFFFFF"/>
+                </a:solidFill>
+                <a:latin typeface="Roboto"/>
+                <a:ea typeface="Roboto"/>
+                <a:cs typeface="Roboto"/>
+                <a:sym typeface="Roboto"/>
+              </a:rPr>
+              <a:t>Time </a:t>
+            </a:r>
+            <a:endParaRPr sz="3000">
+              <a:solidFill>
+                <a:srgbClr val="FFFFFF"/>
+              </a:solidFill>
+              <a:latin typeface="Roboto"/>
+              <a:ea typeface="Roboto"/>
+              <a:cs typeface="Roboto"/>
+              <a:sym typeface="Roboto"/>
+            </a:endParaRPr>
+          </a:p>
+          <a:p>
+            <a:pPr indent="0" lvl="0" marL="0" rtl="0" algn="ctr">
+              <a:spcBef>
+                <a:spcPts val="0"/>
+              </a:spcBef>
+              <a:spcAft>
+                <a:spcPts val="0"/>
+              </a:spcAft>
+              <a:buNone/>
+            </a:pPr>
+            <a:r>
+              <a:rPr lang="en" sz="3000">
+                <a:solidFill>
+                  <a:srgbClr val="FFFFFF"/>
+                </a:solidFill>
+                <a:latin typeface="Roboto"/>
+                <a:ea typeface="Roboto"/>
+                <a:cs typeface="Roboto"/>
+                <a:sym typeface="Roboto"/>
+              </a:rPr>
+              <a:t>Complexity</a:t>
+            </a:r>
+            <a:endParaRPr sz="3000">
+              <a:solidFill>
+                <a:srgbClr val="FFFFFF"/>
+              </a:solidFill>
+              <a:latin typeface="Roboto"/>
+              <a:ea typeface="Roboto"/>
+              <a:cs typeface="Roboto"/>
+              <a:sym typeface="Roboto"/>
+            </a:endParaRPr>
+          </a:p>
+        </p:txBody>
+      </p:sp>
+      <p:pic>
+        <p:nvPicPr>
+          <p:cNvPr id="213" name="Google Shape;213;p33"/>
+          <p:cNvPicPr preferRelativeResize="0"/>
+          <p:nvPr/>
+        </p:nvPicPr>
+        <p:blipFill rotWithShape="1">
+          <a:blip r:embed="rId4">
+            <a:alphaModFix/>
+          </a:blip>
+          <a:srcRect b="30906" l="5589" r="14678" t="31968"/>
+          <a:stretch/>
+        </p:blipFill>
+        <p:spPr>
+          <a:xfrm>
+            <a:off x="4807750" y="2326413"/>
+            <a:ext cx="4203449" cy="1467900"/>
+          </a:xfrm>
+          <a:prstGeom prst="rect">
+            <a:avLst/>
+          </a:prstGeom>
+          <a:noFill/>
+          <a:ln>
+            <a:noFill/>
+          </a:ln>
+        </p:spPr>
+      </p:pic>
+      <p:sp>
+        <p:nvSpPr>
+          <p:cNvPr id="214" name="Google Shape;214;p33"/>
+          <p:cNvSpPr txBox="1"/>
+          <p:nvPr/>
+        </p:nvSpPr>
+        <p:spPr>
+          <a:xfrm>
+            <a:off x="4955475" y="1455350"/>
+            <a:ext cx="4270500" cy="795000"/>
+          </a:xfrm>
+          <a:prstGeom prst="rect">
+            <a:avLst/>
+          </a:prstGeom>
+          <a:noFill/>
+          <a:ln>
+            <a:noFill/>
+          </a:ln>
+        </p:spPr>
+        <p:txBody>
+          <a:bodyPr anchorCtr="0" anchor="t" bIns="91425" lIns="91425" spcFirstLastPara="1" rIns="91425" wrap="square" tIns="91425">
+            <a:noAutofit/>
+          </a:bodyPr>
+          <a:lstStyle/>
+          <a:p>
+            <a:pPr indent="0" lvl="0" marL="0" rtl="0" algn="l">
+              <a:spcBef>
+                <a:spcPts val="0"/>
+              </a:spcBef>
+              <a:spcAft>
+                <a:spcPts val="0"/>
+              </a:spcAft>
+              <a:buNone/>
+            </a:pPr>
+            <a:r>
+              <a:rPr b="1" lang="en">
+                <a:latin typeface="Georgia"/>
+                <a:ea typeface="Georgia"/>
+                <a:cs typeface="Georgia"/>
+                <a:sym typeface="Georgia"/>
+              </a:rPr>
+              <a:t>z </a:t>
+            </a:r>
+            <a:r>
+              <a:rPr lang="en">
+                <a:solidFill>
+                  <a:srgbClr val="222222"/>
+                </a:solidFill>
+                <a:highlight>
+                  <a:srgbClr val="FFFFFF"/>
+                </a:highlight>
+              </a:rPr>
+              <a:t>∈</a:t>
+            </a:r>
+            <a:r>
+              <a:rPr lang="en" sz="1100">
+                <a:solidFill>
+                  <a:srgbClr val="222222"/>
+                </a:solidFill>
+                <a:highlight>
+                  <a:srgbClr val="FFFFFF"/>
+                </a:highlight>
+              </a:rPr>
+              <a:t> </a:t>
+            </a:r>
+            <a:r>
+              <a:rPr lang="en">
+                <a:solidFill>
+                  <a:srgbClr val="222222"/>
+                </a:solidFill>
+                <a:highlight>
+                  <a:srgbClr val="FFFFFF"/>
+                </a:highlight>
+                <a:latin typeface="Georgia"/>
+                <a:ea typeface="Georgia"/>
+                <a:cs typeface="Georgia"/>
+                <a:sym typeface="Georgia"/>
+              </a:rPr>
+              <a:t>Hidden States in a layer</a:t>
+            </a:r>
+            <a:r>
+              <a:rPr lang="en" sz="1100">
+                <a:solidFill>
+                  <a:srgbClr val="222222"/>
+                </a:solidFill>
+                <a:highlight>
+                  <a:srgbClr val="FFFFFF"/>
+                </a:highlight>
+                <a:latin typeface="Georgia"/>
+                <a:ea typeface="Georgia"/>
+                <a:cs typeface="Georgia"/>
+                <a:sym typeface="Georgia"/>
+              </a:rPr>
+              <a:t> </a:t>
+            </a:r>
+            <a:endParaRPr sz="1100">
+              <a:solidFill>
+                <a:srgbClr val="222222"/>
+              </a:solidFill>
+              <a:highlight>
+                <a:srgbClr val="FFFFFF"/>
+              </a:highlight>
+              <a:latin typeface="Georgia"/>
+              <a:ea typeface="Georgia"/>
+              <a:cs typeface="Georgia"/>
+              <a:sym typeface="Georgia"/>
+            </a:endParaRPr>
+          </a:p>
+          <a:p>
+            <a:pPr indent="0" lvl="0" marL="0" rtl="0" algn="l">
+              <a:spcBef>
+                <a:spcPts val="0"/>
+              </a:spcBef>
+              <a:spcAft>
+                <a:spcPts val="0"/>
+              </a:spcAft>
+              <a:buNone/>
+            </a:pPr>
+            <a:r>
+              <a:rPr b="1" lang="en">
+                <a:solidFill>
+                  <a:srgbClr val="222222"/>
+                </a:solidFill>
+                <a:highlight>
+                  <a:srgbClr val="FFFFFF"/>
+                </a:highlight>
+                <a:latin typeface="Georgia"/>
+                <a:ea typeface="Georgia"/>
+                <a:cs typeface="Georgia"/>
+                <a:sym typeface="Georgia"/>
+              </a:rPr>
+              <a:t>m</a:t>
+            </a:r>
+            <a:r>
+              <a:rPr lang="en">
+                <a:solidFill>
+                  <a:srgbClr val="222222"/>
+                </a:solidFill>
+                <a:highlight>
+                  <a:srgbClr val="FFFFFF"/>
+                </a:highlight>
+                <a:latin typeface="Georgia"/>
+                <a:ea typeface="Georgia"/>
+                <a:cs typeface="Georgia"/>
+                <a:sym typeface="Georgia"/>
+              </a:rPr>
+              <a:t> is the set of Hidden States</a:t>
+            </a:r>
+            <a:endParaRPr>
+              <a:solidFill>
+                <a:srgbClr val="222222"/>
+              </a:solidFill>
+              <a:highlight>
+                <a:srgbClr val="FFFFFF"/>
+              </a:highlight>
+              <a:latin typeface="Georgia"/>
+              <a:ea typeface="Georgia"/>
+              <a:cs typeface="Georgia"/>
+              <a:sym typeface="Georgia"/>
+            </a:endParaRPr>
+          </a:p>
+          <a:p>
+            <a:pPr indent="0" lvl="0" marL="0" rtl="0" algn="l">
+              <a:spcBef>
+                <a:spcPts val="0"/>
+              </a:spcBef>
+              <a:spcAft>
+                <a:spcPts val="0"/>
+              </a:spcAft>
+              <a:buNone/>
+            </a:pPr>
+            <a:r>
+              <a:rPr b="1" lang="en">
+                <a:solidFill>
+                  <a:srgbClr val="222222"/>
+                </a:solidFill>
+                <a:highlight>
+                  <a:srgbClr val="FFFFFF"/>
+                </a:highlight>
+                <a:latin typeface="Georgia"/>
+                <a:ea typeface="Georgia"/>
+                <a:cs typeface="Georgia"/>
+                <a:sym typeface="Georgia"/>
+              </a:rPr>
+              <a:t>n</a:t>
+            </a:r>
+            <a:r>
+              <a:rPr lang="en">
+                <a:solidFill>
+                  <a:srgbClr val="222222"/>
+                </a:solidFill>
+                <a:highlight>
+                  <a:srgbClr val="FFFFFF"/>
+                </a:highlight>
+                <a:latin typeface="Georgia"/>
+                <a:ea typeface="Georgia"/>
+                <a:cs typeface="Georgia"/>
+                <a:sym typeface="Georgia"/>
+              </a:rPr>
+              <a:t> is the length of observed sequence </a:t>
+            </a:r>
+            <a:endParaRPr>
+              <a:solidFill>
+                <a:srgbClr val="222222"/>
+              </a:solidFill>
+              <a:highlight>
+                <a:srgbClr val="FFFFFF"/>
+              </a:highlight>
+              <a:latin typeface="Georgia"/>
+              <a:ea typeface="Georgia"/>
+              <a:cs typeface="Georgia"/>
+              <a:sym typeface="Georgia"/>
+            </a:endParaRPr>
+          </a:p>
+        </p:txBody>
+      </p:sp>
+    </p:spTree>
+  </p:cSld>
+  <p:clrMapOvr>
+    <a:masterClrMapping/>
+  </p:clrMapOvr>
+</p:sld>
+</file>
+
+<file path=ppt/slides/slide21.xml><?xml version="1.0" encoding="utf-8"?>
+<p:sld xmlns:a="http://schemas.openxmlformats.org/drawingml/2006/main" xmlns:r="http://schemas.openxmlformats.org/officeDocument/2006/relationships" xmlns:mc="http://schemas.openxmlformats.org/markup-compatibility/2006" xmlns:mv="urn:schemas-microsoft-com:mac:vml" xmlns:p="http://schemas.openxmlformats.org/presentationml/2006/main" xmlns:c="http://schemas.openxmlformats.org/drawingml/2006/chart" xmlns:dgm="http://schemas.openxmlformats.org/drawingml/2006/diagram" xmlns:o="urn:schemas-microsoft-com:office:office" xmlns:v="urn:schemas-microsoft-com:vml" xmlns:pvml="urn:schemas-microsoft-com:office:powerpoint" xmlns:com="http://schemas.openxmlformats.org/drawingml/2006/compatibility" xmlns:p14="http://schemas.microsoft.com/office/powerpoint/2010/main" xmlns:p15="http://schemas.microsoft.com/office/powerpoint/2012/main">
+  <p:cSld>
+    <p:spTree>
+      <p:nvGrpSpPr>
+        <p:cNvPr id="218" name="Shape 218"/>
+        <p:cNvGrpSpPr/>
+        <p:nvPr/>
+      </p:nvGrpSpPr>
+      <p:grpSpPr>
+        <a:xfrm>
+          <a:off x="0" y="0"/>
+          <a:ext cx="0" cy="0"/>
+          <a:chOff x="0" y="0"/>
+          <a:chExt cx="0" cy="0"/>
+        </a:xfrm>
+      </p:grpSpPr>
+      <p:sp>
+        <p:nvSpPr>
+          <p:cNvPr id="219" name="Google Shape;219;p34"/>
+          <p:cNvSpPr txBox="1"/>
+          <p:nvPr>
+            <p:ph type="title"/>
+          </p:nvPr>
+        </p:nvSpPr>
+        <p:spPr>
+          <a:xfrm>
+            <a:off x="598100" y="2152347"/>
+            <a:ext cx="8222100" cy="838800"/>
+          </a:xfrm>
+          <a:prstGeom prst="rect">
+            <a:avLst/>
+          </a:prstGeom>
+        </p:spPr>
+        <p:txBody>
+          <a:bodyPr anchorCtr="0" anchor="ctr" bIns="91425" lIns="91425" spcFirstLastPara="1" rIns="91425" wrap="square" tIns="91425">
+            <a:noAutofit/>
+          </a:bodyPr>
+          <a:lstStyle/>
+          <a:p>
+            <a:pPr indent="0" lvl="0" marL="0" rtl="0" algn="l">
+              <a:spcBef>
+                <a:spcPts val="0"/>
+              </a:spcBef>
+              <a:spcAft>
+                <a:spcPts val="0"/>
+              </a:spcAft>
+              <a:buNone/>
+            </a:pPr>
+            <a:r>
+              <a:rPr lang="en" sz="3600"/>
+              <a:t>CarpeDiem</a:t>
+            </a:r>
+            <a:r>
+              <a:rPr lang="en" sz="3600"/>
+              <a:t> Algorithm</a:t>
+            </a:r>
+            <a:endParaRPr sz="3600"/>
+          </a:p>
+        </p:txBody>
+      </p:sp>
+    </p:spTree>
+  </p:cSld>
+  <p:clrMapOvr>
+    <a:masterClrMapping/>
+  </p:clrMapOvr>
+</p:sld>
+</file>
+
+<file path=ppt/slides/slide22.xml><?xml version="1.0" encoding="utf-8"?>
+<p:sld xmlns:a="http://schemas.openxmlformats.org/drawingml/2006/main" xmlns:r="http://schemas.openxmlformats.org/officeDocument/2006/relationships" xmlns:mc="http://schemas.openxmlformats.org/markup-compatibility/2006" xmlns:mv="urn:schemas-microsoft-com:mac:vml" xmlns:p="http://schemas.openxmlformats.org/presentationml/2006/main" xmlns:c="http://schemas.openxmlformats.org/drawingml/2006/chart" xmlns:dgm="http://schemas.openxmlformats.org/drawingml/2006/diagram" xmlns:o="urn:schemas-microsoft-com:office:office" xmlns:v="urn:schemas-microsoft-com:vml" xmlns:pvml="urn:schemas-microsoft-com:office:powerpoint" xmlns:com="http://schemas.openxmlformats.org/drawingml/2006/compatibility" xmlns:p14="http://schemas.microsoft.com/office/powerpoint/2010/main" xmlns:p15="http://schemas.microsoft.com/office/powerpoint/2012/main">
+  <p:cSld>
+    <p:spTree>
+      <p:nvGrpSpPr>
+        <p:cNvPr id="223" name="Shape 223"/>
+        <p:cNvGrpSpPr/>
+        <p:nvPr/>
+      </p:nvGrpSpPr>
+      <p:grpSpPr>
+        <a:xfrm>
+          <a:off x="0" y="0"/>
+          <a:ext cx="0" cy="0"/>
+          <a:chOff x="0" y="0"/>
+          <a:chExt cx="0" cy="0"/>
+        </a:xfrm>
+      </p:grpSpPr>
+      <p:sp>
+        <p:nvSpPr>
+          <p:cNvPr id="224" name="Google Shape;224;p35"/>
+          <p:cNvSpPr txBox="1"/>
+          <p:nvPr>
+            <p:ph type="title"/>
+          </p:nvPr>
+        </p:nvSpPr>
+        <p:spPr>
+          <a:xfrm>
+            <a:off x="4796675" y="1469575"/>
+            <a:ext cx="4045200" cy="1564500"/>
+          </a:xfrm>
+          <a:prstGeom prst="rect">
+            <a:avLst/>
+          </a:prstGeom>
+        </p:spPr>
+        <p:txBody>
+          <a:bodyPr anchorCtr="0" anchor="b" bIns="91425" lIns="91425" spcFirstLastPara="1" rIns="91425" wrap="square" tIns="91425">
+            <a:noAutofit/>
+          </a:bodyPr>
+          <a:lstStyle/>
+          <a:p>
+            <a:pPr indent="0" lvl="0" marL="0" rtl="0" algn="ctr">
+              <a:spcBef>
+                <a:spcPts val="0"/>
+              </a:spcBef>
+              <a:spcAft>
+                <a:spcPts val="0"/>
+              </a:spcAft>
+              <a:buNone/>
+            </a:pPr>
+            <a:r>
+              <a:rPr lang="en">
+                <a:solidFill>
+                  <a:srgbClr val="FFFFFF"/>
+                </a:solidFill>
+              </a:rPr>
+              <a:t>Definition</a:t>
+            </a:r>
+            <a:endParaRPr>
+              <a:solidFill>
+                <a:srgbClr val="FFFFFF"/>
+              </a:solidFill>
+            </a:endParaRPr>
+          </a:p>
+        </p:txBody>
+      </p:sp>
+      <p:sp>
+        <p:nvSpPr>
+          <p:cNvPr id="225" name="Google Shape;225;p35"/>
+          <p:cNvSpPr txBox="1"/>
+          <p:nvPr>
+            <p:ph idx="1" type="subTitle"/>
+          </p:nvPr>
+        </p:nvSpPr>
+        <p:spPr>
+          <a:xfrm>
+            <a:off x="303775" y="1469573"/>
+            <a:ext cx="4158600" cy="3303600"/>
+          </a:xfrm>
+          <a:prstGeom prst="rect">
+            <a:avLst/>
+          </a:prstGeom>
+        </p:spPr>
+        <p:txBody>
+          <a:bodyPr anchorCtr="0" anchor="t" bIns="91425" lIns="91425" spcFirstLastPara="1" rIns="91425" wrap="square" tIns="91425">
+            <a:noAutofit/>
+          </a:bodyPr>
+          <a:lstStyle/>
+          <a:p>
+            <a:pPr indent="0" lvl="0" marL="0" rtl="0" algn="ctr">
+              <a:spcBef>
+                <a:spcPts val="0"/>
+              </a:spcBef>
+              <a:spcAft>
+                <a:spcPts val="0"/>
+              </a:spcAft>
+              <a:buNone/>
+            </a:pPr>
+            <a:r>
+              <a:rPr lang="en" sz="1400">
+                <a:solidFill>
+                  <a:srgbClr val="222222"/>
+                </a:solidFill>
+              </a:rPr>
+              <a:t>I</a:t>
+            </a:r>
+            <a:r>
+              <a:rPr lang="en" sz="1400">
+                <a:solidFill>
+                  <a:srgbClr val="222222"/>
+                </a:solidFill>
+              </a:rPr>
+              <a:t>n order to determine the end point of the best path to a given layer, one can avoid inspecting all vertices in that layer. In particular, after sorting the vertices in layer t according to their vertical weight, the search can be stopped when the difference in vertical weight of the best node so far and the next vertex in the ordering is big enough to counterbalance any advantage that can be possibly derived from exploiting a better transition and/or a better ancestor.</a:t>
+            </a:r>
+            <a:endParaRPr sz="1400">
+              <a:solidFill>
+                <a:srgbClr val="222222"/>
+              </a:solidFill>
+            </a:endParaRPr>
+          </a:p>
+        </p:txBody>
+      </p:sp>
+    </p:spTree>
+  </p:cSld>
+  <p:clrMapOvr>
+    <a:masterClrMapping/>
+  </p:clrMapOvr>
+</p:sld>
+</file>
+
+<file path=ppt/slides/slide23.xml><?xml version="1.0" encoding="utf-8"?>
+<p:sld xmlns:a="http://schemas.openxmlformats.org/drawingml/2006/main" xmlns:r="http://schemas.openxmlformats.org/officeDocument/2006/relationships" xmlns:mc="http://schemas.openxmlformats.org/markup-compatibility/2006" xmlns:mv="urn:schemas-microsoft-com:mac:vml" xmlns:p="http://schemas.openxmlformats.org/presentationml/2006/main" xmlns:c="http://schemas.openxmlformats.org/drawingml/2006/chart" xmlns:dgm="http://schemas.openxmlformats.org/drawingml/2006/diagram" xmlns:o="urn:schemas-microsoft-com:office:office" xmlns:v="urn:schemas-microsoft-com:vml" xmlns:pvml="urn:schemas-microsoft-com:office:powerpoint" xmlns:com="http://schemas.openxmlformats.org/drawingml/2006/compatibility" xmlns:p14="http://schemas.microsoft.com/office/powerpoint/2010/main" xmlns:p15="http://schemas.microsoft.com/office/powerpoint/2012/main">
+  <p:cSld>
+    <p:spTree>
+      <p:nvGrpSpPr>
+        <p:cNvPr id="229" name="Shape 229"/>
+        <p:cNvGrpSpPr/>
+        <p:nvPr/>
+      </p:nvGrpSpPr>
+      <p:grpSpPr>
+        <a:xfrm>
+          <a:off x="0" y="0"/>
+          <a:ext cx="0" cy="0"/>
+          <a:chOff x="0" y="0"/>
+          <a:chExt cx="0" cy="0"/>
+        </a:xfrm>
+      </p:grpSpPr>
+      <p:pic>
+        <p:nvPicPr>
+          <p:cNvPr id="230" name="Google Shape;230;p36"/>
+          <p:cNvPicPr preferRelativeResize="0"/>
+          <p:nvPr/>
+        </p:nvPicPr>
+        <p:blipFill>
+          <a:blip r:embed="rId3">
+            <a:alphaModFix/>
+          </a:blip>
+          <a:stretch>
+            <a:fillRect/>
+          </a:stretch>
+        </p:blipFill>
+        <p:spPr>
+          <a:xfrm>
+            <a:off x="373425" y="698275"/>
+            <a:ext cx="8397150" cy="4369024"/>
+          </a:xfrm>
+          <a:prstGeom prst="rect">
+            <a:avLst/>
+          </a:prstGeom>
+          <a:noFill/>
+          <a:ln>
+            <a:noFill/>
+          </a:ln>
+        </p:spPr>
+      </p:pic>
+      <p:sp>
+        <p:nvSpPr>
+          <p:cNvPr id="231" name="Google Shape;231;p36"/>
+          <p:cNvSpPr txBox="1"/>
+          <p:nvPr/>
+        </p:nvSpPr>
+        <p:spPr>
+          <a:xfrm>
+            <a:off x="696525" y="191350"/>
+            <a:ext cx="6880800" cy="583200"/>
+          </a:xfrm>
+          <a:prstGeom prst="rect">
+            <a:avLst/>
+          </a:prstGeom>
+          <a:noFill/>
+          <a:ln>
+            <a:noFill/>
+          </a:ln>
+        </p:spPr>
+        <p:txBody>
+          <a:bodyPr anchorCtr="0" anchor="t" bIns="91425" lIns="91425" spcFirstLastPara="1" rIns="91425" wrap="square" tIns="91425">
+            <a:noAutofit/>
+          </a:bodyPr>
+          <a:lstStyle/>
+          <a:p>
+            <a:pPr indent="0" lvl="0" marL="0" rtl="0" algn="l">
+              <a:spcBef>
+                <a:spcPts val="0"/>
+              </a:spcBef>
+              <a:spcAft>
+                <a:spcPts val="0"/>
+              </a:spcAft>
+              <a:buNone/>
+            </a:pPr>
+            <a:r>
+              <a:rPr i="1" lang="en" sz="2400">
+                <a:solidFill>
+                  <a:srgbClr val="0C343D"/>
+                </a:solidFill>
+                <a:latin typeface="Comic Sans MS"/>
+                <a:ea typeface="Comic Sans MS"/>
+                <a:cs typeface="Comic Sans MS"/>
+                <a:sym typeface="Comic Sans MS"/>
+              </a:rPr>
+              <a:t>Lets Define</a:t>
+            </a:r>
+            <a:endParaRPr i="1" sz="2400">
+              <a:solidFill>
+                <a:srgbClr val="0C343D"/>
+              </a:solidFill>
+              <a:latin typeface="Comic Sans MS"/>
+              <a:ea typeface="Comic Sans MS"/>
+              <a:cs typeface="Comic Sans MS"/>
+              <a:sym typeface="Comic Sans MS"/>
+            </a:endParaRPr>
+          </a:p>
+        </p:txBody>
+      </p:sp>
+    </p:spTree>
+  </p:cSld>
+  <p:clrMapOvr>
+    <a:masterClrMapping/>
+  </p:clrMapOvr>
+</p:sld>
+</file>
+
+<file path=ppt/slides/slide24.xml><?xml version="1.0" encoding="utf-8"?>
+<p:sld xmlns:a="http://schemas.openxmlformats.org/drawingml/2006/main" xmlns:r="http://schemas.openxmlformats.org/officeDocument/2006/relationships" xmlns:mc="http://schemas.openxmlformats.org/markup-compatibility/2006" xmlns:mv="urn:schemas-microsoft-com:mac:vml" xmlns:p="http://schemas.openxmlformats.org/presentationml/2006/main" xmlns:c="http://schemas.openxmlformats.org/drawingml/2006/chart" xmlns:dgm="http://schemas.openxmlformats.org/drawingml/2006/diagram" xmlns:o="urn:schemas-microsoft-com:office:office" xmlns:v="urn:schemas-microsoft-com:vml" xmlns:pvml="urn:schemas-microsoft-com:office:powerpoint" xmlns:com="http://schemas.openxmlformats.org/drawingml/2006/compatibility" xmlns:p14="http://schemas.microsoft.com/office/powerpoint/2010/main" xmlns:p15="http://schemas.microsoft.com/office/powerpoint/2012/main">
+  <p:cSld>
+    <p:spTree>
+      <p:nvGrpSpPr>
+        <p:cNvPr id="235" name="Shape 235"/>
+        <p:cNvGrpSpPr/>
+        <p:nvPr/>
+      </p:nvGrpSpPr>
+      <p:grpSpPr>
+        <a:xfrm>
+          <a:off x="0" y="0"/>
+          <a:ext cx="0" cy="0"/>
+          <a:chOff x="0" y="0"/>
+          <a:chExt cx="0" cy="0"/>
+        </a:xfrm>
+      </p:grpSpPr>
+      <p:sp>
+        <p:nvSpPr>
+          <p:cNvPr id="236" name="Google Shape;236;p37"/>
+          <p:cNvSpPr txBox="1"/>
+          <p:nvPr>
+            <p:ph type="title"/>
+          </p:nvPr>
+        </p:nvSpPr>
+        <p:spPr>
+          <a:xfrm>
+            <a:off x="395900" y="341100"/>
+            <a:ext cx="8520600" cy="607800"/>
+          </a:xfrm>
+          <a:prstGeom prst="rect">
+            <a:avLst/>
+          </a:prstGeom>
+        </p:spPr>
+        <p:txBody>
+          <a:bodyPr anchorCtr="0" anchor="t" bIns="91425" lIns="91425" spcFirstLastPara="1" rIns="91425" wrap="square" tIns="91425">
+            <a:noAutofit/>
+          </a:bodyPr>
+          <a:lstStyle/>
+          <a:p>
+            <a:pPr indent="0" lvl="0" marL="0" rtl="0" algn="l">
+              <a:spcBef>
+                <a:spcPts val="0"/>
+              </a:spcBef>
+              <a:spcAft>
+                <a:spcPts val="0"/>
+              </a:spcAft>
+              <a:buNone/>
+            </a:pPr>
+            <a:r>
+              <a:rPr lang="en"/>
+              <a:t>Pseudocode (CarpeDiem)</a:t>
+            </a:r>
+            <a:endParaRPr/>
+          </a:p>
+        </p:txBody>
+      </p:sp>
+      <p:pic>
+        <p:nvPicPr>
+          <p:cNvPr id="237" name="Google Shape;237;p37"/>
+          <p:cNvPicPr preferRelativeResize="0"/>
+          <p:nvPr/>
+        </p:nvPicPr>
+        <p:blipFill>
+          <a:blip r:embed="rId3">
+            <a:alphaModFix/>
+          </a:blip>
+          <a:stretch>
+            <a:fillRect/>
+          </a:stretch>
+        </p:blipFill>
+        <p:spPr>
+          <a:xfrm>
+            <a:off x="0" y="1017875"/>
+            <a:ext cx="3477950" cy="2480574"/>
+          </a:xfrm>
+          <a:prstGeom prst="rect">
+            <a:avLst/>
+          </a:prstGeom>
+          <a:noFill/>
+          <a:ln>
+            <a:noFill/>
+          </a:ln>
+        </p:spPr>
+      </p:pic>
+      <p:pic>
+        <p:nvPicPr>
+          <p:cNvPr id="238" name="Google Shape;238;p37"/>
+          <p:cNvPicPr preferRelativeResize="0"/>
+          <p:nvPr/>
+        </p:nvPicPr>
+        <p:blipFill>
+          <a:blip r:embed="rId4">
+            <a:alphaModFix/>
+          </a:blip>
+          <a:stretch>
+            <a:fillRect/>
+          </a:stretch>
+        </p:blipFill>
+        <p:spPr>
+          <a:xfrm>
+            <a:off x="3115450" y="1041063"/>
+            <a:ext cx="3316828" cy="2419124"/>
+          </a:xfrm>
+          <a:prstGeom prst="rect">
+            <a:avLst/>
+          </a:prstGeom>
+          <a:noFill/>
+          <a:ln>
+            <a:noFill/>
+          </a:ln>
+        </p:spPr>
+      </p:pic>
+      <p:pic>
+        <p:nvPicPr>
+          <p:cNvPr id="239" name="Google Shape;239;p37"/>
+          <p:cNvPicPr preferRelativeResize="0"/>
+          <p:nvPr/>
+        </p:nvPicPr>
+        <p:blipFill>
+          <a:blip r:embed="rId5">
+            <a:alphaModFix/>
+          </a:blip>
+          <a:stretch>
+            <a:fillRect/>
+          </a:stretch>
+        </p:blipFill>
+        <p:spPr>
+          <a:xfrm>
+            <a:off x="6230375" y="1108851"/>
+            <a:ext cx="2889844" cy="2419099"/>
+          </a:xfrm>
+          <a:prstGeom prst="rect">
+            <a:avLst/>
+          </a:prstGeom>
+          <a:noFill/>
+          <a:ln>
+            <a:noFill/>
+          </a:ln>
+        </p:spPr>
+      </p:pic>
+    </p:spTree>
+  </p:cSld>
+  <p:clrMapOvr>
+    <a:masterClrMapping/>
+  </p:clrMapOvr>
+</p:sld>
+</file>
+
+<file path=ppt/slides/slide25.xml><?xml version="1.0" encoding="utf-8"?>
+<p:sld xmlns:a="http://schemas.openxmlformats.org/drawingml/2006/main" xmlns:r="http://schemas.openxmlformats.org/officeDocument/2006/relationships" xmlns:mc="http://schemas.openxmlformats.org/markup-compatibility/2006" xmlns:mv="urn:schemas-microsoft-com:mac:vml" xmlns:p="http://schemas.openxmlformats.org/presentationml/2006/main" xmlns:c="http://schemas.openxmlformats.org/drawingml/2006/chart" xmlns:dgm="http://schemas.openxmlformats.org/drawingml/2006/diagram" xmlns:o="urn:schemas-microsoft-com:office:office" xmlns:v="urn:schemas-microsoft-com:vml" xmlns:pvml="urn:schemas-microsoft-com:office:powerpoint" xmlns:com="http://schemas.openxmlformats.org/drawingml/2006/compatibility" xmlns:p14="http://schemas.microsoft.com/office/powerpoint/2010/main" xmlns:p15="http://schemas.microsoft.com/office/powerpoint/2012/main">
+  <p:cSld>
+    <p:spTree>
+      <p:nvGrpSpPr>
+        <p:cNvPr id="243" name="Shape 243"/>
+        <p:cNvGrpSpPr/>
+        <p:nvPr/>
+      </p:nvGrpSpPr>
+      <p:grpSpPr>
+        <a:xfrm>
+          <a:off x="0" y="0"/>
+          <a:ext cx="0" cy="0"/>
+          <a:chOff x="0" y="0"/>
+          <a:chExt cx="0" cy="0"/>
+        </a:xfrm>
+      </p:grpSpPr>
+      <p:pic>
+        <p:nvPicPr>
+          <p:cNvPr id="244" name="Google Shape;244;p38"/>
+          <p:cNvPicPr preferRelativeResize="0"/>
+          <p:nvPr/>
+        </p:nvPicPr>
+        <p:blipFill rotWithShape="1">
+          <a:blip r:embed="rId3">
+            <a:alphaModFix/>
+          </a:blip>
+          <a:srcRect b="48966" l="22567" r="50307" t="27379"/>
+          <a:stretch/>
+        </p:blipFill>
+        <p:spPr>
+          <a:xfrm>
+            <a:off x="179625" y="228300"/>
+            <a:ext cx="8536124" cy="4185051"/>
+          </a:xfrm>
+          <a:prstGeom prst="rect">
+            <a:avLst/>
+          </a:prstGeom>
+          <a:noFill/>
+          <a:ln>
+            <a:noFill/>
+          </a:ln>
+        </p:spPr>
+      </p:pic>
+    </p:spTree>
+  </p:cSld>
+  <p:clrMapOvr>
+    <a:masterClrMapping/>
+  </p:clrMapOvr>
+</p:sld>
+</file>
+
+<file path=ppt/slides/slide26.xml><?xml version="1.0" encoding="utf-8"?>
+<p:sld xmlns:a="http://schemas.openxmlformats.org/drawingml/2006/main" xmlns:r="http://schemas.openxmlformats.org/officeDocument/2006/relationships" xmlns:mc="http://schemas.openxmlformats.org/markup-compatibility/2006" xmlns:mv="urn:schemas-microsoft-com:mac:vml" xmlns:p="http://schemas.openxmlformats.org/presentationml/2006/main" xmlns:c="http://schemas.openxmlformats.org/drawingml/2006/chart" xmlns:dgm="http://schemas.openxmlformats.org/drawingml/2006/diagram" xmlns:o="urn:schemas-microsoft-com:office:office" xmlns:v="urn:schemas-microsoft-com:vml" xmlns:pvml="urn:schemas-microsoft-com:office:powerpoint" xmlns:com="http://schemas.openxmlformats.org/drawingml/2006/compatibility" xmlns:p14="http://schemas.microsoft.com/office/powerpoint/2010/main" xmlns:p15="http://schemas.microsoft.com/office/powerpoint/2012/main">
+  <p:cSld>
+    <p:spTree>
+      <p:nvGrpSpPr>
+        <p:cNvPr id="248" name="Shape 248"/>
+        <p:cNvGrpSpPr/>
+        <p:nvPr/>
+      </p:nvGrpSpPr>
+      <p:grpSpPr>
+        <a:xfrm>
+          <a:off x="0" y="0"/>
+          <a:ext cx="0" cy="0"/>
+          <a:chOff x="0" y="0"/>
+          <a:chExt cx="0" cy="0"/>
+        </a:xfrm>
+      </p:grpSpPr>
+      <p:pic>
+        <p:nvPicPr>
+          <p:cNvPr id="249" name="Google Shape;249;p39"/>
+          <p:cNvPicPr preferRelativeResize="0"/>
+          <p:nvPr/>
+        </p:nvPicPr>
+        <p:blipFill rotWithShape="1">
+          <a:blip r:embed="rId3">
+            <a:alphaModFix/>
+          </a:blip>
+          <a:srcRect b="49249" l="50249" r="25383" t="27379"/>
+          <a:stretch/>
+        </p:blipFill>
+        <p:spPr>
+          <a:xfrm>
+            <a:off x="326975" y="228300"/>
+            <a:ext cx="8545549" cy="4607925"/>
+          </a:xfrm>
+          <a:prstGeom prst="rect">
+            <a:avLst/>
+          </a:prstGeom>
+          <a:noFill/>
+          <a:ln>
+            <a:noFill/>
+          </a:ln>
+        </p:spPr>
+      </p:pic>
+    </p:spTree>
+  </p:cSld>
+  <p:clrMapOvr>
+    <a:masterClrMapping/>
+  </p:clrMapOvr>
+</p:sld>
+</file>
+
+<file path=ppt/slides/slide27.xml><?xml version="1.0" encoding="utf-8"?>
+<p:sld xmlns:a="http://schemas.openxmlformats.org/drawingml/2006/main" xmlns:r="http://schemas.openxmlformats.org/officeDocument/2006/relationships" xmlns:mc="http://schemas.openxmlformats.org/markup-compatibility/2006" xmlns:mv="urn:schemas-microsoft-com:mac:vml" xmlns:p="http://schemas.openxmlformats.org/presentationml/2006/main" xmlns:c="http://schemas.openxmlformats.org/drawingml/2006/chart" xmlns:dgm="http://schemas.openxmlformats.org/drawingml/2006/diagram" xmlns:o="urn:schemas-microsoft-com:office:office" xmlns:v="urn:schemas-microsoft-com:vml" xmlns:pvml="urn:schemas-microsoft-com:office:powerpoint" xmlns:com="http://schemas.openxmlformats.org/drawingml/2006/compatibility" xmlns:p14="http://schemas.microsoft.com/office/powerpoint/2010/main" xmlns:p15="http://schemas.microsoft.com/office/powerpoint/2012/main">
+  <p:cSld>
+    <p:spTree>
+      <p:nvGrpSpPr>
+        <p:cNvPr id="253" name="Shape 253"/>
+        <p:cNvGrpSpPr/>
+        <p:nvPr/>
+      </p:nvGrpSpPr>
+      <p:grpSpPr>
+        <a:xfrm>
+          <a:off x="0" y="0"/>
+          <a:ext cx="0" cy="0"/>
+          <a:chOff x="0" y="0"/>
+          <a:chExt cx="0" cy="0"/>
+        </a:xfrm>
+      </p:grpSpPr>
+      <p:pic>
+        <p:nvPicPr>
+          <p:cNvPr id="254" name="Google Shape;254;p40"/>
+          <p:cNvPicPr preferRelativeResize="0"/>
+          <p:nvPr/>
+        </p:nvPicPr>
+        <p:blipFill rotWithShape="1">
+          <a:blip r:embed="rId3">
+            <a:alphaModFix/>
+          </a:blip>
+          <a:srcRect b="24603" l="24289" r="50467" t="51459"/>
+          <a:stretch/>
+        </p:blipFill>
+        <p:spPr>
+          <a:xfrm>
+            <a:off x="467250" y="302175"/>
+            <a:ext cx="8172600" cy="4356975"/>
+          </a:xfrm>
+          <a:prstGeom prst="rect">
+            <a:avLst/>
+          </a:prstGeom>
+          <a:noFill/>
+          <a:ln>
+            <a:noFill/>
+          </a:ln>
+        </p:spPr>
+      </p:pic>
+    </p:spTree>
+  </p:cSld>
+  <p:clrMapOvr>
+    <a:masterClrMapping/>
+  </p:clrMapOvr>
+</p:sld>
+</file>
+
+<file path=ppt/slides/slide28.xml><?xml version="1.0" encoding="utf-8"?>
+<p:sld xmlns:a="http://schemas.openxmlformats.org/drawingml/2006/main" xmlns:r="http://schemas.openxmlformats.org/officeDocument/2006/relationships" xmlns:mc="http://schemas.openxmlformats.org/markup-compatibility/2006" xmlns:mv="urn:schemas-microsoft-com:mac:vml" xmlns:p="http://schemas.openxmlformats.org/presentationml/2006/main" xmlns:c="http://schemas.openxmlformats.org/drawingml/2006/chart" xmlns:dgm="http://schemas.openxmlformats.org/drawingml/2006/diagram" xmlns:o="urn:schemas-microsoft-com:office:office" xmlns:v="urn:schemas-microsoft-com:vml" xmlns:pvml="urn:schemas-microsoft-com:office:powerpoint" xmlns:com="http://schemas.openxmlformats.org/drawingml/2006/compatibility" xmlns:p14="http://schemas.microsoft.com/office/powerpoint/2010/main" xmlns:p15="http://schemas.microsoft.com/office/powerpoint/2012/main">
+  <p:cSld>
+    <p:spTree>
+      <p:nvGrpSpPr>
+        <p:cNvPr id="258" name="Shape 258"/>
+        <p:cNvGrpSpPr/>
+        <p:nvPr/>
+      </p:nvGrpSpPr>
+      <p:grpSpPr>
+        <a:xfrm>
+          <a:off x="0" y="0"/>
+          <a:ext cx="0" cy="0"/>
+          <a:chOff x="0" y="0"/>
+          <a:chExt cx="0" cy="0"/>
+        </a:xfrm>
+      </p:grpSpPr>
+      <p:pic>
+        <p:nvPicPr>
+          <p:cNvPr id="259" name="Google Shape;259;p41"/>
+          <p:cNvPicPr preferRelativeResize="0"/>
+          <p:nvPr/>
+        </p:nvPicPr>
+        <p:blipFill rotWithShape="1">
+          <a:blip r:embed="rId3">
+            <a:alphaModFix/>
+          </a:blip>
+          <a:srcRect b="25878" l="50331" r="25619" t="51458"/>
+          <a:stretch/>
+        </p:blipFill>
+        <p:spPr>
+          <a:xfrm>
+            <a:off x="447549" y="213199"/>
+            <a:ext cx="8393448" cy="4446851"/>
+          </a:xfrm>
+          <a:prstGeom prst="rect">
+            <a:avLst/>
+          </a:prstGeom>
+          <a:noFill/>
+          <a:ln>
+            <a:noFill/>
+          </a:ln>
+        </p:spPr>
+      </p:pic>
+    </p:spTree>
+  </p:cSld>
+  <p:clrMapOvr>
+    <a:masterClrMapping/>
+  </p:clrMapOvr>
+</p:sld>
+</file>
+
+<file path=ppt/slides/slide29.xml><?xml version="1.0" encoding="utf-8"?>
+<p:sld xmlns:a="http://schemas.openxmlformats.org/drawingml/2006/main" xmlns:r="http://schemas.openxmlformats.org/officeDocument/2006/relationships" xmlns:mc="http://schemas.openxmlformats.org/markup-compatibility/2006" xmlns:mv="urn:schemas-microsoft-com:mac:vml" xmlns:p="http://schemas.openxmlformats.org/presentationml/2006/main" xmlns:c="http://schemas.openxmlformats.org/drawingml/2006/chart" xmlns:dgm="http://schemas.openxmlformats.org/drawingml/2006/diagram" xmlns:o="urn:schemas-microsoft-com:office:office" xmlns:v="urn:schemas-microsoft-com:vml" xmlns:pvml="urn:schemas-microsoft-com:office:powerpoint" xmlns:com="http://schemas.openxmlformats.org/drawingml/2006/compatibility" xmlns:p14="http://schemas.microsoft.com/office/powerpoint/2010/main" xmlns:p15="http://schemas.microsoft.com/office/powerpoint/2012/main">
+  <p:cSld>
+    <p:spTree>
+      <p:nvGrpSpPr>
+        <p:cNvPr id="263" name="Shape 263"/>
+        <p:cNvGrpSpPr/>
+        <p:nvPr/>
+      </p:nvGrpSpPr>
+      <p:grpSpPr>
+        <a:xfrm>
+          <a:off x="0" y="0"/>
+          <a:ext cx="0" cy="0"/>
+          <a:chOff x="0" y="0"/>
+          <a:chExt cx="0" cy="0"/>
+        </a:xfrm>
+      </p:grpSpPr>
+      <p:pic>
+        <p:nvPicPr>
+          <p:cNvPr id="264" name="Google Shape;264;p42"/>
+          <p:cNvPicPr preferRelativeResize="0"/>
+          <p:nvPr/>
+        </p:nvPicPr>
+        <p:blipFill rotWithShape="1">
+          <a:blip r:embed="rId3">
+            <a:alphaModFix/>
+          </a:blip>
+          <a:srcRect b="48700" l="24123" r="50637" t="28213"/>
+          <a:stretch/>
+        </p:blipFill>
+        <p:spPr>
+          <a:xfrm>
+            <a:off x="550600" y="353875"/>
+            <a:ext cx="7990574" cy="4109349"/>
+          </a:xfrm>
+          <a:prstGeom prst="rect">
+            <a:avLst/>
+          </a:prstGeom>
+          <a:noFill/>
+          <a:ln>
+            <a:noFill/>
+          </a:ln>
+        </p:spPr>
+      </p:pic>
+    </p:spTree>
+  </p:cSld>
+  <p:clrMapOvr>
+    <a:masterClrMapping/>
+  </p:clrMapOvr>
+</p:sld>
+</file>
+
 <file path=ppt/slides/slide3.xml><?xml version="1.0" encoding="utf-8"?>
 <p:sld xmlns:a="http://schemas.openxmlformats.org/drawingml/2006/main" xmlns:r="http://schemas.openxmlformats.org/officeDocument/2006/relationships" xmlns:mc="http://schemas.openxmlformats.org/markup-compatibility/2006" xmlns:mv="urn:schemas-microsoft-com:mac:vml" xmlns:p="http://schemas.openxmlformats.org/presentationml/2006/main" xmlns:c="http://schemas.openxmlformats.org/drawingml/2006/chart" xmlns:dgm="http://schemas.openxmlformats.org/drawingml/2006/diagram" xmlns:o="urn:schemas-microsoft-com:office:office" xmlns:v="urn:schemas-microsoft-com:vml" xmlns:pvml="urn:schemas-microsoft-com:office:powerpoint" xmlns:com="http://schemas.openxmlformats.org/drawingml/2006/compatibility" xmlns:p14="http://schemas.microsoft.com/office/powerpoint/2010/main" xmlns:p15="http://schemas.microsoft.com/office/powerpoint/2012/main">
   <p:cSld>
@@ -11681,6 +14025,485 @@
             <a:r>
               <a:rPr lang="en"/>
               <a:t>Hidden Markov Model</a:t>
+            </a:r>
+            <a:endParaRPr/>
+          </a:p>
+        </p:txBody>
+      </p:sp>
+    </p:spTree>
+  </p:cSld>
+  <p:clrMapOvr>
+    <a:masterClrMapping/>
+  </p:clrMapOvr>
+</p:sld>
+</file>
+
+<file path=ppt/slides/slide30.xml><?xml version="1.0" encoding="utf-8"?>
+<p:sld xmlns:a="http://schemas.openxmlformats.org/drawingml/2006/main" xmlns:r="http://schemas.openxmlformats.org/officeDocument/2006/relationships" xmlns:mc="http://schemas.openxmlformats.org/markup-compatibility/2006" xmlns:mv="urn:schemas-microsoft-com:mac:vml" xmlns:p="http://schemas.openxmlformats.org/presentationml/2006/main" xmlns:c="http://schemas.openxmlformats.org/drawingml/2006/chart" xmlns:dgm="http://schemas.openxmlformats.org/drawingml/2006/diagram" xmlns:o="urn:schemas-microsoft-com:office:office" xmlns:v="urn:schemas-microsoft-com:vml" xmlns:pvml="urn:schemas-microsoft-com:office:powerpoint" xmlns:com="http://schemas.openxmlformats.org/drawingml/2006/compatibility" xmlns:p14="http://schemas.microsoft.com/office/powerpoint/2010/main" xmlns:p15="http://schemas.microsoft.com/office/powerpoint/2012/main">
+  <p:cSld>
+    <p:spTree>
+      <p:nvGrpSpPr>
+        <p:cNvPr id="268" name="Shape 268"/>
+        <p:cNvGrpSpPr/>
+        <p:nvPr/>
+      </p:nvGrpSpPr>
+      <p:grpSpPr>
+        <a:xfrm>
+          <a:off x="0" y="0"/>
+          <a:ext cx="0" cy="0"/>
+          <a:chOff x="0" y="0"/>
+          <a:chExt cx="0" cy="0"/>
+        </a:xfrm>
+      </p:grpSpPr>
+      <p:pic>
+        <p:nvPicPr>
+          <p:cNvPr id="269" name="Google Shape;269;p43"/>
+          <p:cNvPicPr preferRelativeResize="0"/>
+          <p:nvPr/>
+        </p:nvPicPr>
+        <p:blipFill rotWithShape="1">
+          <a:blip r:embed="rId3">
+            <a:alphaModFix/>
+          </a:blip>
+          <a:srcRect b="48700" l="50338" r="25555" t="28213"/>
+          <a:stretch/>
+        </p:blipFill>
+        <p:spPr>
+          <a:xfrm>
+            <a:off x="434424" y="201475"/>
+            <a:ext cx="8285999" cy="4461575"/>
+          </a:xfrm>
+          <a:prstGeom prst="rect">
+            <a:avLst/>
+          </a:prstGeom>
+          <a:noFill/>
+          <a:ln>
+            <a:noFill/>
+          </a:ln>
+        </p:spPr>
+      </p:pic>
+    </p:spTree>
+  </p:cSld>
+  <p:clrMapOvr>
+    <a:masterClrMapping/>
+  </p:clrMapOvr>
+</p:sld>
+</file>
+
+<file path=ppt/slides/slide31.xml><?xml version="1.0" encoding="utf-8"?>
+<p:sld xmlns:a="http://schemas.openxmlformats.org/drawingml/2006/main" xmlns:r="http://schemas.openxmlformats.org/officeDocument/2006/relationships" xmlns:mc="http://schemas.openxmlformats.org/markup-compatibility/2006" xmlns:mv="urn:schemas-microsoft-com:mac:vml" xmlns:p="http://schemas.openxmlformats.org/presentationml/2006/main" xmlns:c="http://schemas.openxmlformats.org/drawingml/2006/chart" xmlns:dgm="http://schemas.openxmlformats.org/drawingml/2006/diagram" xmlns:o="urn:schemas-microsoft-com:office:office" xmlns:v="urn:schemas-microsoft-com:vml" xmlns:pvml="urn:schemas-microsoft-com:office:powerpoint" xmlns:com="http://schemas.openxmlformats.org/drawingml/2006/compatibility" xmlns:p14="http://schemas.microsoft.com/office/powerpoint/2010/main" xmlns:p15="http://schemas.microsoft.com/office/powerpoint/2012/main">
+  <p:cSld>
+    <p:spTree>
+      <p:nvGrpSpPr>
+        <p:cNvPr id="273" name="Shape 273"/>
+        <p:cNvGrpSpPr/>
+        <p:nvPr/>
+      </p:nvGrpSpPr>
+      <p:grpSpPr>
+        <a:xfrm>
+          <a:off x="0" y="0"/>
+          <a:ext cx="0" cy="0"/>
+          <a:chOff x="0" y="0"/>
+          <a:chExt cx="0" cy="0"/>
+        </a:xfrm>
+      </p:grpSpPr>
+      <p:pic>
+        <p:nvPicPr>
+          <p:cNvPr id="274" name="Google Shape;274;p44"/>
+          <p:cNvPicPr preferRelativeResize="0"/>
+          <p:nvPr/>
+        </p:nvPicPr>
+        <p:blipFill rotWithShape="1">
+          <a:blip r:embed="rId3">
+            <a:alphaModFix/>
+          </a:blip>
+          <a:srcRect b="24714" l="24376" r="50637" t="52199"/>
+          <a:stretch/>
+        </p:blipFill>
+        <p:spPr>
+          <a:xfrm>
+            <a:off x="590900" y="287701"/>
+            <a:ext cx="8098000" cy="4206801"/>
+          </a:xfrm>
+          <a:prstGeom prst="rect">
+            <a:avLst/>
+          </a:prstGeom>
+          <a:noFill/>
+          <a:ln>
+            <a:noFill/>
+          </a:ln>
+        </p:spPr>
+      </p:pic>
+    </p:spTree>
+  </p:cSld>
+  <p:clrMapOvr>
+    <a:masterClrMapping/>
+  </p:clrMapOvr>
+</p:sld>
+</file>
+
+<file path=ppt/slides/slide32.xml><?xml version="1.0" encoding="utf-8"?>
+<p:sld xmlns:a="http://schemas.openxmlformats.org/drawingml/2006/main" xmlns:r="http://schemas.openxmlformats.org/officeDocument/2006/relationships" xmlns:mc="http://schemas.openxmlformats.org/markup-compatibility/2006" xmlns:mv="urn:schemas-microsoft-com:mac:vml" xmlns:p="http://schemas.openxmlformats.org/presentationml/2006/main" xmlns:c="http://schemas.openxmlformats.org/drawingml/2006/chart" xmlns:dgm="http://schemas.openxmlformats.org/drawingml/2006/diagram" xmlns:o="urn:schemas-microsoft-com:office:office" xmlns:v="urn:schemas-microsoft-com:vml" xmlns:pvml="urn:schemas-microsoft-com:office:powerpoint" xmlns:com="http://schemas.openxmlformats.org/drawingml/2006/compatibility" xmlns:p14="http://schemas.microsoft.com/office/powerpoint/2010/main" xmlns:p15="http://schemas.microsoft.com/office/powerpoint/2012/main">
+  <p:cSld>
+    <p:spTree>
+      <p:nvGrpSpPr>
+        <p:cNvPr id="278" name="Shape 278"/>
+        <p:cNvGrpSpPr/>
+        <p:nvPr/>
+      </p:nvGrpSpPr>
+      <p:grpSpPr>
+        <a:xfrm>
+          <a:off x="0" y="0"/>
+          <a:ext cx="0" cy="0"/>
+          <a:chOff x="0" y="0"/>
+          <a:chExt cx="0" cy="0"/>
+        </a:xfrm>
+      </p:grpSpPr>
+      <p:pic>
+        <p:nvPicPr>
+          <p:cNvPr id="279" name="Google Shape;279;p45"/>
+          <p:cNvPicPr preferRelativeResize="0"/>
+          <p:nvPr/>
+        </p:nvPicPr>
+        <p:blipFill rotWithShape="1">
+          <a:blip r:embed="rId3">
+            <a:alphaModFix/>
+          </a:blip>
+          <a:srcRect b="24265" l="50592" r="25553" t="52347"/>
+          <a:stretch/>
+        </p:blipFill>
+        <p:spPr>
+          <a:xfrm>
+            <a:off x="725200" y="287750"/>
+            <a:ext cx="7842824" cy="4323251"/>
+          </a:xfrm>
+          <a:prstGeom prst="rect">
+            <a:avLst/>
+          </a:prstGeom>
+          <a:noFill/>
+          <a:ln>
+            <a:noFill/>
+          </a:ln>
+        </p:spPr>
+      </p:pic>
+    </p:spTree>
+  </p:cSld>
+  <p:clrMapOvr>
+    <a:masterClrMapping/>
+  </p:clrMapOvr>
+</p:sld>
+</file>
+
+<file path=ppt/slides/slide33.xml><?xml version="1.0" encoding="utf-8"?>
+<p:sld xmlns:a="http://schemas.openxmlformats.org/drawingml/2006/main" xmlns:r="http://schemas.openxmlformats.org/officeDocument/2006/relationships" xmlns:mc="http://schemas.openxmlformats.org/markup-compatibility/2006" xmlns:mv="urn:schemas-microsoft-com:mac:vml" xmlns:p="http://schemas.openxmlformats.org/presentationml/2006/main" xmlns:c="http://schemas.openxmlformats.org/drawingml/2006/chart" xmlns:dgm="http://schemas.openxmlformats.org/drawingml/2006/diagram" xmlns:o="urn:schemas-microsoft-com:office:office" xmlns:v="urn:schemas-microsoft-com:vml" xmlns:pvml="urn:schemas-microsoft-com:office:powerpoint" xmlns:com="http://schemas.openxmlformats.org/drawingml/2006/compatibility" xmlns:p14="http://schemas.microsoft.com/office/powerpoint/2010/main" xmlns:p15="http://schemas.microsoft.com/office/powerpoint/2012/main">
+  <p:cSld>
+    <p:spTree>
+      <p:nvGrpSpPr>
+        <p:cNvPr id="283" name="Shape 283"/>
+        <p:cNvGrpSpPr/>
+        <p:nvPr/>
+      </p:nvGrpSpPr>
+      <p:grpSpPr>
+        <a:xfrm>
+          <a:off x="0" y="0"/>
+          <a:ext cx="0" cy="0"/>
+          <a:chOff x="0" y="0"/>
+          <a:chExt cx="0" cy="0"/>
+        </a:xfrm>
+      </p:grpSpPr>
+      <p:pic>
+        <p:nvPicPr>
+          <p:cNvPr id="284" name="Google Shape;284;p46"/>
+          <p:cNvPicPr preferRelativeResize="0"/>
+          <p:nvPr/>
+        </p:nvPicPr>
+        <p:blipFill>
+          <a:blip r:embed="rId3">
+            <a:alphaModFix/>
+          </a:blip>
+          <a:stretch>
+            <a:fillRect/>
+          </a:stretch>
+        </p:blipFill>
+        <p:spPr>
+          <a:xfrm>
+            <a:off x="110599" y="1191100"/>
+            <a:ext cx="8922800" cy="2761300"/>
+          </a:xfrm>
+          <a:prstGeom prst="rect">
+            <a:avLst/>
+          </a:prstGeom>
+          <a:noFill/>
+          <a:ln>
+            <a:noFill/>
+          </a:ln>
+        </p:spPr>
+      </p:pic>
+      <p:sp>
+        <p:nvSpPr>
+          <p:cNvPr id="285" name="Google Shape;285;p46"/>
+          <p:cNvSpPr/>
+          <p:nvPr/>
+        </p:nvSpPr>
+        <p:spPr>
+          <a:xfrm>
+            <a:off x="1786125" y="2605325"/>
+            <a:ext cx="7238400" cy="496800"/>
+          </a:xfrm>
+          <a:prstGeom prst="rect">
+            <a:avLst/>
+          </a:prstGeom>
+          <a:solidFill>
+            <a:srgbClr val="FFFFFF"/>
+          </a:solidFill>
+          <a:ln cap="flat" cmpd="sng" w="9525">
+            <a:solidFill>
+              <a:srgbClr val="FFFFFF"/>
+            </a:solidFill>
+            <a:prstDash val="solid"/>
+            <a:round/>
+            <a:headEnd len="sm" w="sm" type="none"/>
+            <a:tailEnd len="sm" w="sm" type="none"/>
+          </a:ln>
+        </p:spPr>
+        <p:txBody>
+          <a:bodyPr anchorCtr="0" anchor="ctr" bIns="91425" lIns="91425" spcFirstLastPara="1" rIns="91425" wrap="square" tIns="91425">
+            <a:noAutofit/>
+          </a:bodyPr>
+          <a:lstStyle/>
+          <a:p>
+            <a:pPr indent="0" lvl="0" marL="0" rtl="0" algn="l">
+              <a:spcBef>
+                <a:spcPts val="0"/>
+              </a:spcBef>
+              <a:spcAft>
+                <a:spcPts val="0"/>
+              </a:spcAft>
+              <a:buNone/>
+            </a:pPr>
+            <a:r>
+              <a:t/>
+            </a:r>
+            <a:endParaRPr/>
+          </a:p>
+        </p:txBody>
+      </p:sp>
+      <p:sp>
+        <p:nvSpPr>
+          <p:cNvPr id="286" name="Google Shape;286;p46"/>
+          <p:cNvSpPr/>
+          <p:nvPr/>
+        </p:nvSpPr>
+        <p:spPr>
+          <a:xfrm>
+            <a:off x="110600" y="2806775"/>
+            <a:ext cx="1850100" cy="295200"/>
+          </a:xfrm>
+          <a:prstGeom prst="rect">
+            <a:avLst/>
+          </a:prstGeom>
+          <a:solidFill>
+            <a:srgbClr val="FFFFFF"/>
+          </a:solidFill>
+          <a:ln cap="flat" cmpd="sng" w="9525">
+            <a:solidFill>
+              <a:srgbClr val="FFFFFF"/>
+            </a:solidFill>
+            <a:prstDash val="solid"/>
+            <a:round/>
+            <a:headEnd len="sm" w="sm" type="none"/>
+            <a:tailEnd len="sm" w="sm" type="none"/>
+          </a:ln>
+        </p:spPr>
+        <p:txBody>
+          <a:bodyPr anchorCtr="0" anchor="ctr" bIns="91425" lIns="91425" spcFirstLastPara="1" rIns="91425" wrap="square" tIns="91425">
+            <a:noAutofit/>
+          </a:bodyPr>
+          <a:lstStyle/>
+          <a:p>
+            <a:pPr indent="0" lvl="0" marL="0" rtl="0" algn="l">
+              <a:spcBef>
+                <a:spcPts val="0"/>
+              </a:spcBef>
+              <a:spcAft>
+                <a:spcPts val="0"/>
+              </a:spcAft>
+              <a:buNone/>
+            </a:pPr>
+            <a:r>
+              <a:t/>
+            </a:r>
+            <a:endParaRPr/>
+          </a:p>
+        </p:txBody>
+      </p:sp>
+      <p:sp>
+        <p:nvSpPr>
+          <p:cNvPr id="287" name="Google Shape;287;p46"/>
+          <p:cNvSpPr/>
+          <p:nvPr/>
+        </p:nvSpPr>
+        <p:spPr>
+          <a:xfrm>
+            <a:off x="110600" y="3281475"/>
+            <a:ext cx="1089300" cy="295200"/>
+          </a:xfrm>
+          <a:prstGeom prst="rect">
+            <a:avLst/>
+          </a:prstGeom>
+          <a:solidFill>
+            <a:srgbClr val="FFFFFF"/>
+          </a:solidFill>
+          <a:ln cap="flat" cmpd="sng" w="9525">
+            <a:solidFill>
+              <a:srgbClr val="FFFFFF"/>
+            </a:solidFill>
+            <a:prstDash val="solid"/>
+            <a:round/>
+            <a:headEnd len="sm" w="sm" type="none"/>
+            <a:tailEnd len="sm" w="sm" type="none"/>
+          </a:ln>
+        </p:spPr>
+        <p:txBody>
+          <a:bodyPr anchorCtr="0" anchor="ctr" bIns="91425" lIns="91425" spcFirstLastPara="1" rIns="91425" wrap="square" tIns="91425">
+            <a:noAutofit/>
+          </a:bodyPr>
+          <a:lstStyle/>
+          <a:p>
+            <a:pPr indent="0" lvl="0" marL="0" rtl="0" algn="l">
+              <a:spcBef>
+                <a:spcPts val="0"/>
+              </a:spcBef>
+              <a:spcAft>
+                <a:spcPts val="0"/>
+              </a:spcAft>
+              <a:buNone/>
+            </a:pPr>
+            <a:r>
+              <a:t/>
+            </a:r>
+            <a:endParaRPr/>
+          </a:p>
+        </p:txBody>
+      </p:sp>
+      <p:sp>
+        <p:nvSpPr>
+          <p:cNvPr id="288" name="Google Shape;288;p46"/>
+          <p:cNvSpPr txBox="1"/>
+          <p:nvPr/>
+        </p:nvSpPr>
+        <p:spPr>
+          <a:xfrm>
+            <a:off x="308875" y="174575"/>
+            <a:ext cx="5828400" cy="698400"/>
+          </a:xfrm>
+          <a:prstGeom prst="rect">
+            <a:avLst/>
+          </a:prstGeom>
+          <a:noFill/>
+          <a:ln>
+            <a:noFill/>
+          </a:ln>
+        </p:spPr>
+        <p:txBody>
+          <a:bodyPr anchorCtr="0" anchor="t" bIns="91425" lIns="91425" spcFirstLastPara="1" rIns="91425" wrap="square" tIns="91425">
+            <a:noAutofit/>
+          </a:bodyPr>
+          <a:lstStyle/>
+          <a:p>
+            <a:pPr indent="0" lvl="0" marL="0" rtl="0" algn="l">
+              <a:spcBef>
+                <a:spcPts val="0"/>
+              </a:spcBef>
+              <a:spcAft>
+                <a:spcPts val="0"/>
+              </a:spcAft>
+              <a:buNone/>
+            </a:pPr>
+            <a:r>
+              <a:rPr lang="en" sz="3000">
+                <a:solidFill>
+                  <a:srgbClr val="0000FF"/>
+                </a:solidFill>
+                <a:latin typeface="Roboto"/>
+                <a:ea typeface="Roboto"/>
+                <a:cs typeface="Roboto"/>
+                <a:sym typeface="Roboto"/>
+              </a:rPr>
+              <a:t>Time Complexity</a:t>
+            </a:r>
+            <a:endParaRPr sz="3000">
+              <a:solidFill>
+                <a:srgbClr val="0000FF"/>
+              </a:solidFill>
+              <a:latin typeface="Roboto"/>
+              <a:ea typeface="Roboto"/>
+              <a:cs typeface="Roboto"/>
+              <a:sym typeface="Roboto"/>
+            </a:endParaRPr>
+          </a:p>
+        </p:txBody>
+      </p:sp>
+    </p:spTree>
+  </p:cSld>
+  <p:clrMapOvr>
+    <a:masterClrMapping/>
+  </p:clrMapOvr>
+</p:sld>
+</file>
+
+<file path=ppt/slides/slide34.xml><?xml version="1.0" encoding="utf-8"?>
+<p:sld xmlns:a="http://schemas.openxmlformats.org/drawingml/2006/main" xmlns:r="http://schemas.openxmlformats.org/officeDocument/2006/relationships" xmlns:mc="http://schemas.openxmlformats.org/markup-compatibility/2006" xmlns:mv="urn:schemas-microsoft-com:mac:vml" xmlns:p="http://schemas.openxmlformats.org/presentationml/2006/main" xmlns:c="http://schemas.openxmlformats.org/drawingml/2006/chart" xmlns:dgm="http://schemas.openxmlformats.org/drawingml/2006/diagram" xmlns:o="urn:schemas-microsoft-com:office:office" xmlns:v="urn:schemas-microsoft-com:vml" xmlns:pvml="urn:schemas-microsoft-com:office:powerpoint" xmlns:com="http://schemas.openxmlformats.org/drawingml/2006/compatibility" xmlns:p14="http://schemas.microsoft.com/office/powerpoint/2010/main" xmlns:p15="http://schemas.microsoft.com/office/powerpoint/2012/main">
+  <p:cSld>
+    <p:spTree>
+      <p:nvGrpSpPr>
+        <p:cNvPr id="292" name="Shape 292"/>
+        <p:cNvGrpSpPr/>
+        <p:nvPr/>
+      </p:nvGrpSpPr>
+      <p:grpSpPr>
+        <a:xfrm>
+          <a:off x="0" y="0"/>
+          <a:ext cx="0" cy="0"/>
+          <a:chOff x="0" y="0"/>
+          <a:chExt cx="0" cy="0"/>
+        </a:xfrm>
+      </p:grpSpPr>
+      <p:sp>
+        <p:nvSpPr>
+          <p:cNvPr id="293" name="Google Shape;293;p47"/>
+          <p:cNvSpPr txBox="1"/>
+          <p:nvPr>
+            <p:ph type="title"/>
+          </p:nvPr>
+        </p:nvSpPr>
+        <p:spPr>
+          <a:xfrm>
+            <a:off x="598100" y="2152347"/>
+            <a:ext cx="8222100" cy="838800"/>
+          </a:xfrm>
+          <a:prstGeom prst="rect">
+            <a:avLst/>
+          </a:prstGeom>
+        </p:spPr>
+        <p:txBody>
+          <a:bodyPr anchorCtr="0" anchor="ctr" bIns="91425" lIns="91425" spcFirstLastPara="1" rIns="91425" wrap="square" tIns="91425">
+            <a:noAutofit/>
+          </a:bodyPr>
+          <a:lstStyle/>
+          <a:p>
+            <a:pPr indent="0" lvl="0" marL="0" rtl="0" algn="l">
+              <a:spcBef>
+                <a:spcPts val="0"/>
+              </a:spcBef>
+              <a:spcAft>
+                <a:spcPts val="0"/>
+              </a:spcAft>
+              <a:buNone/>
+            </a:pPr>
+            <a:r>
+              <a:rPr lang="en"/>
+              <a:t>Thank You!!</a:t>
             </a:r>
             <a:endParaRPr/>
           </a:p>
@@ -11756,45 +14579,6 @@
           <p:cNvPr id="113" name="Google Shape;113;p17"/>
           <p:cNvSpPr txBox="1"/>
           <p:nvPr>
-            <p:ph idx="1" type="subTitle"/>
-          </p:nvPr>
-        </p:nvSpPr>
-        <p:spPr>
-          <a:xfrm>
-            <a:off x="265500" y="2769001"/>
-            <a:ext cx="4045200" cy="1269300"/>
-          </a:xfrm>
-          <a:prstGeom prst="rect">
-            <a:avLst/>
-          </a:prstGeom>
-        </p:spPr>
-        <p:txBody>
-          <a:bodyPr anchorCtr="0" anchor="t" bIns="91425" lIns="91425" spcFirstLastPara="1" rIns="91425" wrap="square" tIns="91425">
-            <a:noAutofit/>
-          </a:bodyPr>
-          <a:lstStyle/>
-          <a:p>
-            <a:pPr indent="0" lvl="0" marL="0" rtl="0" algn="ctr">
-              <a:spcBef>
-                <a:spcPts val="0"/>
-              </a:spcBef>
-              <a:spcAft>
-                <a:spcPts val="0"/>
-              </a:spcAft>
-              <a:buNone/>
-            </a:pPr>
-            <a:r>
-              <a:t/>
-            </a:r>
-            <a:endParaRPr/>
-          </a:p>
-        </p:txBody>
-      </p:sp>
-      <p:sp>
-        <p:nvSpPr>
-          <p:cNvPr id="114" name="Google Shape;114;p17"/>
-          <p:cNvSpPr txBox="1"/>
-          <p:nvPr>
             <p:ph idx="2" type="body"/>
           </p:nvPr>
         </p:nvSpPr>
@@ -11859,7 +14643,7 @@
   <p:cSld>
     <p:spTree>
       <p:nvGrpSpPr>
-        <p:cNvPr id="118" name="Shape 118"/>
+        <p:cNvPr id="117" name="Shape 117"/>
         <p:cNvGrpSpPr/>
         <p:nvPr/>
       </p:nvGrpSpPr>
@@ -11873,7 +14657,7 @@
       </p:grpSpPr>
       <p:sp>
         <p:nvSpPr>
-          <p:cNvPr id="119" name="Google Shape;119;p18"/>
+          <p:cNvPr id="118" name="Google Shape;118;p18"/>
           <p:cNvSpPr txBox="1"/>
           <p:nvPr>
             <p:ph type="title"/>
@@ -11881,54 +14665,15 @@
         </p:nvSpPr>
         <p:spPr>
           <a:xfrm>
-            <a:off x="265500" y="1151100"/>
-            <a:ext cx="4045200" cy="1564500"/>
+            <a:off x="311700" y="257600"/>
+            <a:ext cx="8520600" cy="607800"/>
           </a:xfrm>
           <a:prstGeom prst="rect">
             <a:avLst/>
           </a:prstGeom>
         </p:spPr>
         <p:txBody>
-          <a:bodyPr anchorCtr="0" anchor="b" bIns="91425" lIns="91425" spcFirstLastPara="1" rIns="91425" wrap="square" tIns="91425">
-            <a:noAutofit/>
-          </a:bodyPr>
-          <a:lstStyle/>
-          <a:p>
-            <a:pPr indent="0" lvl="0" marL="0" rtl="0" algn="ctr">
-              <a:spcBef>
-                <a:spcPts val="0"/>
-              </a:spcBef>
-              <a:spcAft>
-                <a:spcPts val="0"/>
-              </a:spcAft>
-              <a:buNone/>
-            </a:pPr>
-            <a:r>
-              <a:t/>
-            </a:r>
-            <a:endParaRPr/>
-          </a:p>
-        </p:txBody>
-      </p:sp>
-      <p:sp>
-        <p:nvSpPr>
-          <p:cNvPr id="120" name="Google Shape;120;p18"/>
-          <p:cNvSpPr txBox="1"/>
-          <p:nvPr>
-            <p:ph idx="2" type="body"/>
-          </p:nvPr>
-        </p:nvSpPr>
-        <p:spPr>
-          <a:xfrm>
-            <a:off x="4939500" y="724200"/>
-            <a:ext cx="3837000" cy="3695100"/>
-          </a:xfrm>
-          <a:prstGeom prst="rect">
-            <a:avLst/>
-          </a:prstGeom>
-        </p:spPr>
-        <p:txBody>
-          <a:bodyPr anchorCtr="0" anchor="ctr" bIns="91425" lIns="91425" spcFirstLastPara="1" rIns="91425" wrap="square" tIns="91425">
+          <a:bodyPr anchorCtr="0" anchor="t" bIns="91425" lIns="91425" spcFirstLastPara="1" rIns="91425" wrap="square" tIns="91425">
             <a:noAutofit/>
           </a:bodyPr>
           <a:lstStyle/>
@@ -11938,12 +14683,13 @@
                 <a:spcPts val="0"/>
               </a:spcBef>
               <a:spcAft>
-                <a:spcPts val="1600"/>
+                <a:spcPts val="0"/>
               </a:spcAft>
               <a:buNone/>
             </a:pPr>
             <a:r>
-              <a:t/>
+              <a:rPr lang="en"/>
+              <a:t>Properties of HMM’s</a:t>
             </a:r>
             <a:endParaRPr/>
           </a:p>
@@ -11951,7 +14697,7 @@
       </p:sp>
       <p:pic>
         <p:nvPicPr>
-          <p:cNvPr id="121" name="Google Shape;121;p18"/>
+          <p:cNvPr id="119" name="Google Shape;119;p18"/>
           <p:cNvPicPr preferRelativeResize="0"/>
           <p:nvPr/>
         </p:nvPicPr>
@@ -11965,8 +14711,8 @@
         </p:blipFill>
         <p:spPr>
           <a:xfrm>
-            <a:off x="4806750" y="1151100"/>
-            <a:ext cx="4317550" cy="3153625"/>
+            <a:off x="311700" y="842150"/>
+            <a:ext cx="5691300" cy="3961524"/>
           </a:xfrm>
           <a:prstGeom prst="rect">
             <a:avLst/>
@@ -11977,9 +14723,140 @@
           </a:ln>
         </p:spPr>
       </p:pic>
+    </p:spTree>
+  </p:cSld>
+  <p:clrMapOvr>
+    <a:masterClrMapping/>
+  </p:clrMapOvr>
+</p:sld>
+</file>
+
+<file path=ppt/slides/slide6.xml><?xml version="1.0" encoding="utf-8"?>
+<p:sld xmlns:a="http://schemas.openxmlformats.org/drawingml/2006/main" xmlns:r="http://schemas.openxmlformats.org/officeDocument/2006/relationships" xmlns:mc="http://schemas.openxmlformats.org/markup-compatibility/2006" xmlns:mv="urn:schemas-microsoft-com:mac:vml" xmlns:p="http://schemas.openxmlformats.org/presentationml/2006/main" xmlns:c="http://schemas.openxmlformats.org/drawingml/2006/chart" xmlns:dgm="http://schemas.openxmlformats.org/drawingml/2006/diagram" xmlns:o="urn:schemas-microsoft-com:office:office" xmlns:v="urn:schemas-microsoft-com:vml" xmlns:pvml="urn:schemas-microsoft-com:office:powerpoint" xmlns:com="http://schemas.openxmlformats.org/drawingml/2006/compatibility" xmlns:p14="http://schemas.microsoft.com/office/powerpoint/2010/main" xmlns:p15="http://schemas.microsoft.com/office/powerpoint/2012/main">
+  <p:cSld>
+    <p:spTree>
+      <p:nvGrpSpPr>
+        <p:cNvPr id="123" name="Shape 123"/>
+        <p:cNvGrpSpPr/>
+        <p:nvPr/>
+      </p:nvGrpSpPr>
+      <p:grpSpPr>
+        <a:xfrm>
+          <a:off x="0" y="0"/>
+          <a:ext cx="0" cy="0"/>
+          <a:chOff x="0" y="0"/>
+          <a:chExt cx="0" cy="0"/>
+        </a:xfrm>
+      </p:grpSpPr>
+      <p:sp>
+        <p:nvSpPr>
+          <p:cNvPr id="124" name="Google Shape;124;p19"/>
+          <p:cNvSpPr txBox="1"/>
+          <p:nvPr>
+            <p:ph type="title"/>
+          </p:nvPr>
+        </p:nvSpPr>
+        <p:spPr>
+          <a:xfrm>
+            <a:off x="265500" y="1151100"/>
+            <a:ext cx="4045200" cy="1564500"/>
+          </a:xfrm>
+          <a:prstGeom prst="rect">
+            <a:avLst/>
+          </a:prstGeom>
+        </p:spPr>
+        <p:txBody>
+          <a:bodyPr anchorCtr="0" anchor="b" bIns="91425" lIns="91425" spcFirstLastPara="1" rIns="91425" wrap="square" tIns="91425">
+            <a:noAutofit/>
+          </a:bodyPr>
+          <a:lstStyle/>
+          <a:p>
+            <a:pPr indent="0" lvl="0" marL="0" rtl="0" algn="ctr">
+              <a:spcBef>
+                <a:spcPts val="0"/>
+              </a:spcBef>
+              <a:spcAft>
+                <a:spcPts val="0"/>
+              </a:spcAft>
+              <a:buNone/>
+            </a:pPr>
+            <a:r>
+              <a:t/>
+            </a:r>
+            <a:endParaRPr/>
+          </a:p>
+        </p:txBody>
+      </p:sp>
+      <p:sp>
+        <p:nvSpPr>
+          <p:cNvPr id="125" name="Google Shape;125;p19"/>
+          <p:cNvSpPr txBox="1"/>
+          <p:nvPr>
+            <p:ph idx="2" type="body"/>
+          </p:nvPr>
+        </p:nvSpPr>
+        <p:spPr>
+          <a:xfrm>
+            <a:off x="4939500" y="724200"/>
+            <a:ext cx="3837000" cy="3695100"/>
+          </a:xfrm>
+          <a:prstGeom prst="rect">
+            <a:avLst/>
+          </a:prstGeom>
+        </p:spPr>
+        <p:txBody>
+          <a:bodyPr anchorCtr="0" anchor="ctr" bIns="91425" lIns="91425" spcFirstLastPara="1" rIns="91425" wrap="square" tIns="91425">
+            <a:noAutofit/>
+          </a:bodyPr>
+          <a:lstStyle/>
+          <a:p>
+            <a:pPr indent="0" lvl="0" marL="0" rtl="0" algn="l">
+              <a:spcBef>
+                <a:spcPts val="0"/>
+              </a:spcBef>
+              <a:spcAft>
+                <a:spcPts val="1600"/>
+              </a:spcAft>
+              <a:buNone/>
+            </a:pPr>
+            <a:r>
+              <a:t/>
+            </a:r>
+            <a:endParaRPr/>
+          </a:p>
+        </p:txBody>
+      </p:sp>
       <p:pic>
         <p:nvPicPr>
-          <p:cNvPr id="122" name="Google Shape;122;p18"/>
+          <p:cNvPr id="126" name="Google Shape;126;p19"/>
+          <p:cNvPicPr preferRelativeResize="0"/>
+          <p:nvPr/>
+        </p:nvPicPr>
+        <p:blipFill>
+          <a:blip r:embed="rId3">
+            <a:alphaModFix/>
+          </a:blip>
+          <a:stretch>
+            <a:fillRect/>
+          </a:stretch>
+        </p:blipFill>
+        <p:spPr>
+          <a:xfrm>
+            <a:off x="4806750" y="1151100"/>
+            <a:ext cx="4317550" cy="3153625"/>
+          </a:xfrm>
+          <a:prstGeom prst="rect">
+            <a:avLst/>
+          </a:prstGeom>
+          <a:noFill/>
+          <a:ln>
+            <a:noFill/>
+          </a:ln>
+        </p:spPr>
+      </p:pic>
+      <p:pic>
+        <p:nvPicPr>
+          <p:cNvPr id="127" name="Google Shape;127;p19"/>
           <p:cNvPicPr preferRelativeResize="0"/>
           <p:nvPr/>
         </p:nvPicPr>
@@ -11993,8 +14870,8 @@
         </p:blipFill>
         <p:spPr>
           <a:xfrm>
-            <a:off x="137750" y="1607350"/>
-            <a:ext cx="4434250" cy="2440875"/>
+            <a:off x="-12900" y="1524423"/>
+            <a:ext cx="4584899" cy="2523802"/>
           </a:xfrm>
           <a:prstGeom prst="rect">
             <a:avLst/>
@@ -12007,7 +14884,7 @@
       </p:pic>
       <p:sp>
         <p:nvSpPr>
-          <p:cNvPr id="123" name="Google Shape;123;p18"/>
+          <p:cNvPr id="128" name="Google Shape;128;p19"/>
           <p:cNvSpPr txBox="1"/>
           <p:nvPr/>
         </p:nvSpPr>
@@ -12065,7 +14942,7 @@
       </p:sp>
       <p:sp>
         <p:nvSpPr>
-          <p:cNvPr id="124" name="Google Shape;124;p18"/>
+          <p:cNvPr id="129" name="Google Shape;129;p19"/>
           <p:cNvSpPr/>
           <p:nvPr/>
         </p:nvSpPr>
@@ -12109,75 +14986,6 @@
               <a:t/>
             </a:r>
             <a:endParaRPr/>
-          </a:p>
-        </p:txBody>
-      </p:sp>
-    </p:spTree>
-  </p:cSld>
-  <p:clrMapOvr>
-    <a:masterClrMapping/>
-  </p:clrMapOvr>
-</p:sld>
-</file>
-
-<file path=ppt/slides/slide6.xml><?xml version="1.0" encoding="utf-8"?>
-<p:sld xmlns:a="http://schemas.openxmlformats.org/drawingml/2006/main" xmlns:r="http://schemas.openxmlformats.org/officeDocument/2006/relationships" xmlns:mc="http://schemas.openxmlformats.org/markup-compatibility/2006" xmlns:mv="urn:schemas-microsoft-com:mac:vml" xmlns:p="http://schemas.openxmlformats.org/presentationml/2006/main" xmlns:c="http://schemas.openxmlformats.org/drawingml/2006/chart" xmlns:dgm="http://schemas.openxmlformats.org/drawingml/2006/diagram" xmlns:o="urn:schemas-microsoft-com:office:office" xmlns:v="urn:schemas-microsoft-com:vml" xmlns:pvml="urn:schemas-microsoft-com:office:powerpoint" xmlns:com="http://schemas.openxmlformats.org/drawingml/2006/compatibility" xmlns:p14="http://schemas.microsoft.com/office/powerpoint/2010/main" xmlns:p15="http://schemas.microsoft.com/office/powerpoint/2012/main">
-  <p:cSld>
-    <p:spTree>
-      <p:nvGrpSpPr>
-        <p:cNvPr id="128" name="Shape 128"/>
-        <p:cNvGrpSpPr/>
-        <p:nvPr/>
-      </p:nvGrpSpPr>
-      <p:grpSpPr>
-        <a:xfrm>
-          <a:off x="0" y="0"/>
-          <a:ext cx="0" cy="0"/>
-          <a:chOff x="0" y="0"/>
-          <a:chExt cx="0" cy="0"/>
-        </a:xfrm>
-      </p:grpSpPr>
-      <p:sp>
-        <p:nvSpPr>
-          <p:cNvPr id="129" name="Google Shape;129;p19"/>
-          <p:cNvSpPr txBox="1"/>
-          <p:nvPr>
-            <p:ph type="title"/>
-          </p:nvPr>
-        </p:nvSpPr>
-        <p:spPr>
-          <a:xfrm>
-            <a:off x="598100" y="2152347"/>
-            <a:ext cx="8222100" cy="838800"/>
-          </a:xfrm>
-          <a:prstGeom prst="rect">
-            <a:avLst/>
-          </a:prstGeom>
-        </p:spPr>
-        <p:txBody>
-          <a:bodyPr anchorCtr="0" anchor="ctr" bIns="91425" lIns="91425" spcFirstLastPara="1" rIns="91425" wrap="square" tIns="91425">
-            <a:noAutofit/>
-          </a:bodyPr>
-          <a:lstStyle/>
-          <a:p>
-            <a:pPr indent="0" lvl="0" marL="0" rtl="0" algn="l">
-              <a:spcBef>
-                <a:spcPts val="0"/>
-              </a:spcBef>
-              <a:spcAft>
-                <a:spcPts val="0"/>
-              </a:spcAft>
-              <a:buNone/>
-            </a:pPr>
-            <a:r>
-              <a:rPr lang="en" sz="3600"/>
-              <a:t>Forward</a:t>
-            </a:r>
-            <a:r>
-              <a:rPr lang="en" sz="3600"/>
-              <a:t> &amp; Backward Algorithm</a:t>
-            </a:r>
-            <a:endParaRPr sz="3600"/>
           </a:p>
         </p:txBody>
       </p:sp>
@@ -12216,20 +15024,20 @@
         </p:nvSpPr>
         <p:spPr>
           <a:xfrm>
-            <a:off x="4796675" y="1469575"/>
-            <a:ext cx="4045200" cy="1564500"/>
+            <a:off x="598100" y="2152347"/>
+            <a:ext cx="8222100" cy="838800"/>
           </a:xfrm>
           <a:prstGeom prst="rect">
             <a:avLst/>
           </a:prstGeom>
         </p:spPr>
         <p:txBody>
-          <a:bodyPr anchorCtr="0" anchor="b" bIns="91425" lIns="91425" spcFirstLastPara="1" rIns="91425" wrap="square" tIns="91425">
+          <a:bodyPr anchorCtr="0" anchor="ctr" bIns="91425" lIns="91425" spcFirstLastPara="1" rIns="91425" wrap="square" tIns="91425">
             <a:noAutofit/>
           </a:bodyPr>
           <a:lstStyle/>
           <a:p>
-            <a:pPr indent="0" lvl="0" marL="0" rtl="0" algn="ctr">
+            <a:pPr indent="0" lvl="0" marL="0" rtl="0" algn="l">
               <a:spcBef>
                 <a:spcPts val="0"/>
               </a:spcBef>
@@ -12239,88 +15047,13 @@
               <a:buNone/>
             </a:pPr>
             <a:r>
-              <a:rPr lang="en">
-                <a:solidFill>
-                  <a:srgbClr val="FFFFFF"/>
-                </a:solidFill>
-              </a:rPr>
-              <a:t>Definition</a:t>
+              <a:rPr lang="en" sz="3600"/>
+              <a:t>Viterbi Algorithm</a:t>
             </a:r>
-            <a:endParaRPr>
-              <a:solidFill>
-                <a:srgbClr val="FFFFFF"/>
-              </a:solidFill>
-            </a:endParaRPr>
+            <a:endParaRPr sz="3600"/>
           </a:p>
         </p:txBody>
       </p:sp>
-      <p:sp>
-        <p:nvSpPr>
-          <p:cNvPr id="135" name="Google Shape;135;p20"/>
-          <p:cNvSpPr txBox="1"/>
-          <p:nvPr>
-            <p:ph idx="1" type="subTitle"/>
-          </p:nvPr>
-        </p:nvSpPr>
-        <p:spPr>
-          <a:xfrm>
-            <a:off x="265500" y="2769001"/>
-            <a:ext cx="4045200" cy="1269300"/>
-          </a:xfrm>
-          <a:prstGeom prst="rect">
-            <a:avLst/>
-          </a:prstGeom>
-        </p:spPr>
-        <p:txBody>
-          <a:bodyPr anchorCtr="0" anchor="t" bIns="91425" lIns="91425" spcFirstLastPara="1" rIns="91425" wrap="square" tIns="91425">
-            <a:noAutofit/>
-          </a:bodyPr>
-          <a:lstStyle/>
-          <a:p>
-            <a:pPr indent="0" lvl="0" marL="0" rtl="0" algn="ctr">
-              <a:spcBef>
-                <a:spcPts val="0"/>
-              </a:spcBef>
-              <a:spcAft>
-                <a:spcPts val="0"/>
-              </a:spcAft>
-              <a:buNone/>
-            </a:pPr>
-            <a:r>
-              <a:t/>
-            </a:r>
-            <a:endParaRPr/>
-          </a:p>
-        </p:txBody>
-      </p:sp>
-      <p:pic>
-        <p:nvPicPr>
-          <p:cNvPr id="136" name="Google Shape;136;p20"/>
-          <p:cNvPicPr preferRelativeResize="0"/>
-          <p:nvPr/>
-        </p:nvPicPr>
-        <p:blipFill>
-          <a:blip r:embed="rId3">
-            <a:alphaModFix/>
-          </a:blip>
-          <a:stretch>
-            <a:fillRect/>
-          </a:stretch>
-        </p:blipFill>
-        <p:spPr>
-          <a:xfrm>
-            <a:off x="46250" y="1469575"/>
-            <a:ext cx="4525751" cy="2683500"/>
-          </a:xfrm>
-          <a:prstGeom prst="rect">
-            <a:avLst/>
-          </a:prstGeom>
-          <a:noFill/>
-          <a:ln>
-            <a:noFill/>
-          </a:ln>
-        </p:spPr>
-      </p:pic>
     </p:spTree>
   </p:cSld>
   <p:clrMapOvr>
@@ -12334,7 +15067,7 @@
   <p:cSld>
     <p:spTree>
       <p:nvGrpSpPr>
-        <p:cNvPr id="140" name="Shape 140"/>
+        <p:cNvPr id="138" name="Shape 138"/>
         <p:cNvGrpSpPr/>
         <p:nvPr/>
       </p:nvGrpSpPr>
@@ -12348,7 +15081,7 @@
       </p:grpSpPr>
       <p:sp>
         <p:nvSpPr>
-          <p:cNvPr id="141" name="Google Shape;141;p21"/>
+          <p:cNvPr id="139" name="Google Shape;139;p21"/>
           <p:cNvSpPr txBox="1"/>
           <p:nvPr>
             <p:ph type="title"/>
@@ -12356,20 +15089,20 @@
         </p:nvSpPr>
         <p:spPr>
           <a:xfrm>
-            <a:off x="311700" y="410000"/>
-            <a:ext cx="8520600" cy="607800"/>
+            <a:off x="4796675" y="1469575"/>
+            <a:ext cx="4045200" cy="1564500"/>
           </a:xfrm>
           <a:prstGeom prst="rect">
             <a:avLst/>
           </a:prstGeom>
         </p:spPr>
         <p:txBody>
-          <a:bodyPr anchorCtr="0" anchor="t" bIns="91425" lIns="91425" spcFirstLastPara="1" rIns="91425" wrap="square" tIns="91425">
+          <a:bodyPr anchorCtr="0" anchor="b" bIns="91425" lIns="91425" spcFirstLastPara="1" rIns="91425" wrap="square" tIns="91425">
             <a:noAutofit/>
           </a:bodyPr>
           <a:lstStyle/>
           <a:p>
-            <a:pPr indent="0" lvl="0" marL="0" rtl="0" algn="l">
+            <a:pPr indent="0" lvl="0" marL="0" rtl="0" algn="ctr">
               <a:spcBef>
                 <a:spcPts val="0"/>
               </a:spcBef>
@@ -12379,55 +15112,24 @@
               <a:buNone/>
             </a:pPr>
             <a:r>
-              <a:rPr lang="en"/>
-              <a:t>Pseudocode</a:t>
+              <a:rPr lang="en">
+                <a:solidFill>
+                  <a:srgbClr val="FFFFFF"/>
+                </a:solidFill>
+              </a:rPr>
+              <a:t>Definition</a:t>
             </a:r>
-            <a:endParaRPr/>
-          </a:p>
-        </p:txBody>
-      </p:sp>
-      <p:sp>
-        <p:nvSpPr>
-          <p:cNvPr id="142" name="Google Shape;142;p21"/>
-          <p:cNvSpPr txBox="1"/>
-          <p:nvPr>
-            <p:ph idx="1" type="body"/>
-          </p:nvPr>
-        </p:nvSpPr>
-        <p:spPr>
-          <a:xfrm>
-            <a:off x="311700" y="1229875"/>
-            <a:ext cx="8520600" cy="3339000"/>
-          </a:xfrm>
-          <a:prstGeom prst="rect">
-            <a:avLst/>
-          </a:prstGeom>
-        </p:spPr>
-        <p:txBody>
-          <a:bodyPr anchorCtr="0" anchor="t" bIns="91425" lIns="91425" spcFirstLastPara="1" rIns="91425" wrap="square" tIns="91425">
-            <a:noAutofit/>
-          </a:bodyPr>
-          <a:lstStyle/>
-          <a:p>
-            <a:pPr indent="0" lvl="0" marL="0" rtl="0" algn="l">
-              <a:spcBef>
-                <a:spcPts val="0"/>
-              </a:spcBef>
-              <a:spcAft>
-                <a:spcPts val="1600"/>
-              </a:spcAft>
-              <a:buNone/>
-            </a:pPr>
-            <a:r>
-              <a:t/>
-            </a:r>
-            <a:endParaRPr/>
+            <a:endParaRPr>
+              <a:solidFill>
+                <a:srgbClr val="FFFFFF"/>
+              </a:solidFill>
+            </a:endParaRPr>
           </a:p>
         </p:txBody>
       </p:sp>
       <p:pic>
         <p:nvPicPr>
-          <p:cNvPr id="143" name="Google Shape;143;p21"/>
+          <p:cNvPr id="140" name="Google Shape;140;p21"/>
           <p:cNvPicPr preferRelativeResize="0"/>
           <p:nvPr/>
         </p:nvPicPr>
@@ -12441,8 +15143,8 @@
         </p:blipFill>
         <p:spPr>
           <a:xfrm>
-            <a:off x="311688" y="1109650"/>
-            <a:ext cx="8181975" cy="2495550"/>
+            <a:off x="2100" y="1983247"/>
+            <a:ext cx="4572000" cy="1401202"/>
           </a:xfrm>
           <a:prstGeom prst="rect">
             <a:avLst/>
@@ -12453,62 +15155,6 @@
           </a:ln>
         </p:spPr>
       </p:pic>
-      <p:sp>
-        <p:nvSpPr>
-          <p:cNvPr id="144" name="Google Shape;144;p21"/>
-          <p:cNvSpPr txBox="1"/>
-          <p:nvPr/>
-        </p:nvSpPr>
-        <p:spPr>
-          <a:xfrm>
-            <a:off x="857250" y="3819375"/>
-            <a:ext cx="5511000" cy="1033200"/>
-          </a:xfrm>
-          <a:prstGeom prst="rect">
-            <a:avLst/>
-          </a:prstGeom>
-          <a:noFill/>
-          <a:ln>
-            <a:noFill/>
-          </a:ln>
-        </p:spPr>
-        <p:txBody>
-          <a:bodyPr anchorCtr="0" anchor="t" bIns="91425" lIns="91425" spcFirstLastPara="1" rIns="91425" wrap="square" tIns="91425">
-            <a:noAutofit/>
-          </a:bodyPr>
-          <a:lstStyle/>
-          <a:p>
-            <a:pPr indent="0" lvl="0" marL="0" rtl="0" algn="l">
-              <a:spcBef>
-                <a:spcPts val="0"/>
-              </a:spcBef>
-              <a:spcAft>
-                <a:spcPts val="0"/>
-              </a:spcAft>
-              <a:buNone/>
-            </a:pPr>
-            <a:r>
-              <a:rPr lang="en" u="sng">
-                <a:solidFill>
-                  <a:schemeClr val="hlink"/>
-                </a:solidFill>
-                <a:latin typeface="Roboto"/>
-                <a:ea typeface="Roboto"/>
-                <a:cs typeface="Roboto"/>
-                <a:sym typeface="Roboto"/>
-                <a:hlinkClick r:id="rId4"/>
-              </a:rPr>
-              <a:t>Forward Backward C++ Implementation</a:t>
-            </a:r>
-            <a:endParaRPr>
-              <a:latin typeface="Roboto"/>
-              <a:ea typeface="Roboto"/>
-              <a:cs typeface="Roboto"/>
-              <a:sym typeface="Roboto"/>
-            </a:endParaRPr>
-          </a:p>
-        </p:txBody>
-      </p:sp>
     </p:spTree>
   </p:cSld>
   <p:clrMapOvr>
@@ -12522,7 +15168,7 @@
   <p:cSld>
     <p:spTree>
       <p:nvGrpSpPr>
-        <p:cNvPr id="148" name="Shape 148"/>
+        <p:cNvPr id="144" name="Shape 144"/>
         <p:cNvGrpSpPr/>
         <p:nvPr/>
       </p:nvGrpSpPr>
@@ -12534,24 +15180,56 @@
           <a:chExt cx="0" cy="0"/>
         </a:xfrm>
       </p:grpSpPr>
-      <p:pic>
-        <p:nvPicPr>
-          <p:cNvPr id="149" name="Google Shape;149;p22"/>
-          <p:cNvPicPr preferRelativeResize="0"/>
+      <p:sp>
+        <p:nvSpPr>
+          <p:cNvPr id="145" name="Google Shape;145;p22"/>
+          <p:cNvSpPr txBox="1"/>
+          <p:nvPr>
+            <p:ph type="title"/>
+          </p:nvPr>
+        </p:nvSpPr>
+        <p:spPr>
+          <a:xfrm>
+            <a:off x="311700" y="410000"/>
+            <a:ext cx="8520600" cy="607800"/>
+          </a:xfrm>
+          <a:prstGeom prst="rect">
+            <a:avLst/>
+          </a:prstGeom>
+        </p:spPr>
+        <p:txBody>
+          <a:bodyPr anchorCtr="0" anchor="t" bIns="91425" lIns="91425" spcFirstLastPara="1" rIns="91425" wrap="square" tIns="91425">
+            <a:noAutofit/>
+          </a:bodyPr>
+          <a:lstStyle/>
+          <a:p>
+            <a:pPr indent="0" lvl="0" marL="0" rtl="0" algn="l">
+              <a:spcBef>
+                <a:spcPts val="0"/>
+              </a:spcBef>
+              <a:spcAft>
+                <a:spcPts val="0"/>
+              </a:spcAft>
+              <a:buNone/>
+            </a:pPr>
+            <a:r>
+              <a:rPr lang="en"/>
+              <a:t>Pseudocode</a:t>
+            </a:r>
+            <a:endParaRPr/>
+          </a:p>
+        </p:txBody>
+      </p:sp>
+      <p:sp>
+        <p:nvSpPr>
+          <p:cNvPr id="146" name="Google Shape;146;p22"/>
+          <p:cNvSpPr txBox="1"/>
           <p:nvPr/>
-        </p:nvPicPr>
-        <p:blipFill>
-          <a:blip r:embed="rId3">
-            <a:alphaModFix/>
-          </a:blip>
-          <a:stretch>
-            <a:fillRect/>
-          </a:stretch>
-        </p:blipFill>
-        <p:spPr>
-          <a:xfrm>
-            <a:off x="4572000" y="1578850"/>
-            <a:ext cx="4572000" cy="2237813"/>
+        </p:nvSpPr>
+        <p:spPr>
+          <a:xfrm>
+            <a:off x="5273675" y="2382775"/>
+            <a:ext cx="5511000" cy="1033200"/>
           </a:xfrm>
           <a:prstGeom prst="rect">
             <a:avLst/>
@@ -12561,33 +15239,13 @@
             <a:noFill/>
           </a:ln>
         </p:spPr>
-      </p:pic>
-      <p:sp>
-        <p:nvSpPr>
-          <p:cNvPr id="150" name="Google Shape;150;p22"/>
-          <p:cNvSpPr txBox="1"/>
-          <p:nvPr/>
-        </p:nvSpPr>
-        <p:spPr>
-          <a:xfrm>
-            <a:off x="474550" y="1844700"/>
-            <a:ext cx="3505500" cy="3298800"/>
-          </a:xfrm>
-          <a:prstGeom prst="rect">
-            <a:avLst/>
-          </a:prstGeom>
-          <a:noFill/>
-          <a:ln>
-            <a:noFill/>
-          </a:ln>
-        </p:spPr>
         <p:txBody>
           <a:bodyPr anchorCtr="0" anchor="t" bIns="91425" lIns="91425" spcFirstLastPara="1" rIns="91425" wrap="square" tIns="91425">
             <a:noAutofit/>
           </a:bodyPr>
           <a:lstStyle/>
           <a:p>
-            <a:pPr indent="0" lvl="0" marL="0" rtl="0" algn="ctr">
+            <a:pPr indent="0" lvl="0" marL="0" rtl="0" algn="l">
               <a:spcBef>
                 <a:spcPts val="0"/>
               </a:spcBef>
@@ -12597,53 +15255,19 @@
               <a:buNone/>
             </a:pPr>
             <a:r>
-              <a:rPr lang="en" sz="3000">
-                <a:solidFill>
-                  <a:srgbClr val="FFFFFF"/>
+              <a:rPr lang="en" u="sng">
+                <a:solidFill>
+                  <a:schemeClr val="hlink"/>
                 </a:solidFill>
                 <a:latin typeface="Roboto"/>
                 <a:ea typeface="Roboto"/>
                 <a:cs typeface="Roboto"/>
                 <a:sym typeface="Roboto"/>
+                <a:hlinkClick r:id="rId3"/>
               </a:rPr>
-              <a:t>Time </a:t>
+              <a:t>Viterbi C++ Implementation</a:t>
             </a:r>
-            <a:endParaRPr sz="3000">
-              <a:solidFill>
-                <a:srgbClr val="FFFFFF"/>
-              </a:solidFill>
-              <a:latin typeface="Roboto"/>
-              <a:ea typeface="Roboto"/>
-              <a:cs typeface="Roboto"/>
-              <a:sym typeface="Roboto"/>
-            </a:endParaRPr>
-          </a:p>
-          <a:p>
-            <a:pPr indent="0" lvl="0" marL="0" rtl="0" algn="ctr">
-              <a:spcBef>
-                <a:spcPts val="0"/>
-              </a:spcBef>
-              <a:spcAft>
-                <a:spcPts val="0"/>
-              </a:spcAft>
-              <a:buNone/>
-            </a:pPr>
-            <a:r>
-              <a:rPr lang="en" sz="3000">
-                <a:solidFill>
-                  <a:srgbClr val="FFFFFF"/>
-                </a:solidFill>
-                <a:latin typeface="Roboto"/>
-                <a:ea typeface="Roboto"/>
-                <a:cs typeface="Roboto"/>
-                <a:sym typeface="Roboto"/>
-              </a:rPr>
-              <a:t>Complexity</a:t>
-            </a:r>
-            <a:endParaRPr sz="3000">
-              <a:solidFill>
-                <a:srgbClr val="FFFFFF"/>
-              </a:solidFill>
+            <a:endParaRPr>
               <a:latin typeface="Roboto"/>
               <a:ea typeface="Roboto"/>
               <a:cs typeface="Roboto"/>
@@ -12652,6 +15276,34 @@
           </a:p>
         </p:txBody>
       </p:sp>
+      <p:pic>
+        <p:nvPicPr>
+          <p:cNvPr id="147" name="Google Shape;147;p22"/>
+          <p:cNvPicPr preferRelativeResize="0"/>
+          <p:nvPr/>
+        </p:nvPicPr>
+        <p:blipFill>
+          <a:blip r:embed="rId4">
+            <a:alphaModFix/>
+          </a:blip>
+          <a:stretch>
+            <a:fillRect/>
+          </a:stretch>
+        </p:blipFill>
+        <p:spPr>
+          <a:xfrm>
+            <a:off x="387900" y="973325"/>
+            <a:ext cx="4184100" cy="3990990"/>
+          </a:xfrm>
+          <a:prstGeom prst="rect">
+            <a:avLst/>
+          </a:prstGeom>
+          <a:noFill/>
+          <a:ln>
+            <a:noFill/>
+          </a:ln>
+        </p:spPr>
+      </p:pic>
     </p:spTree>
   </p:cSld>
   <p:clrMapOvr>
